--- a/img/pin_map.pptx
+++ b/img/pin_map.pptx
@@ -3837,8 +3837,8 @@
         </p:nvSpPr>
         <p:spPr>
           <a:xfrm>
-            <a:off x="1622694" y="4472583"/>
-            <a:ext cx="4122008" cy="2215991"/>
+            <a:off x="1140093" y="4472583"/>
+            <a:ext cx="4616147" cy="2205732"/>
           </a:xfrm>
           <a:prstGeom prst="rect">
             <a:avLst/>
@@ -3853,13 +3853,14 @@
           <a:p>
             <a:pPr>
               <a:lnSpc>
-                <a:spcPct val="150000"/>
+                <a:spcPts val="2500"/>
               </a:lnSpc>
             </a:pPr>
             <a:r>
-              <a:rPr lang="en-US" sz="1400">
-                <a:latin typeface="Times New Roman" panose="02020603050405020304" pitchFamily="18" charset="0"/>
-                <a:cs typeface="Times New Roman" panose="02020603050405020304" pitchFamily="18" charset="0"/>
+              <a:rPr lang="en-US" sz="1600">
+                <a:latin typeface="Leelawadee UI" panose="020B0502040204020203" pitchFamily="34" charset="-34"/>
+                <a:ea typeface="Microsoft JhengHei Light" panose="020B0304030504040204" pitchFamily="34" charset="-120"/>
+                <a:cs typeface="Leelawadee UI" panose="020B0502040204020203" pitchFamily="34" charset="-34"/>
               </a:rPr>
               <a:t>GND: connect the system GND with this module</a:t>
             </a:r>
@@ -3867,13 +3868,14 @@
           <a:p>
             <a:pPr>
               <a:lnSpc>
-                <a:spcPct val="150000"/>
+                <a:spcPts val="2500"/>
               </a:lnSpc>
             </a:pPr>
             <a:r>
-              <a:rPr lang="en-US" sz="1400">
-                <a:latin typeface="Times New Roman" panose="02020603050405020304" pitchFamily="18" charset="0"/>
-                <a:cs typeface="Times New Roman" panose="02020603050405020304" pitchFamily="18" charset="0"/>
+              <a:rPr lang="en-US" sz="1600">
+                <a:latin typeface="Leelawadee UI" panose="020B0502040204020203" pitchFamily="34" charset="-34"/>
+                <a:ea typeface="Microsoft JhengHei Light" panose="020B0304030504040204" pitchFamily="34" charset="-120"/>
+                <a:cs typeface="Leelawadee UI" panose="020B0502040204020203" pitchFamily="34" charset="-34"/>
               </a:rPr>
               <a:t>VCC: you can use 5V or 3.3V for this module</a:t>
             </a:r>
@@ -3881,13 +3883,14 @@
           <a:p>
             <a:pPr>
               <a:lnSpc>
-                <a:spcPct val="150000"/>
+                <a:spcPts val="2500"/>
               </a:lnSpc>
             </a:pPr>
             <a:r>
-              <a:rPr lang="en-US" sz="1400">
-                <a:latin typeface="Times New Roman" panose="02020603050405020304" pitchFamily="18" charset="0"/>
-                <a:cs typeface="Times New Roman" panose="02020603050405020304" pitchFamily="18" charset="0"/>
+              <a:rPr lang="en-US" sz="1600">
+                <a:latin typeface="Leelawadee UI" panose="020B0502040204020203" pitchFamily="34" charset="-34"/>
+                <a:ea typeface="Microsoft JhengHei Light" panose="020B0304030504040204" pitchFamily="34" charset="-120"/>
+                <a:cs typeface="Leelawadee UI" panose="020B0502040204020203" pitchFamily="34" charset="-34"/>
               </a:rPr>
               <a:t>SDA: serial data</a:t>
             </a:r>
@@ -3895,13 +3898,14 @@
           <a:p>
             <a:pPr>
               <a:lnSpc>
-                <a:spcPct val="150000"/>
+                <a:spcPts val="2500"/>
               </a:lnSpc>
             </a:pPr>
             <a:r>
-              <a:rPr lang="en-US" sz="1400">
-                <a:latin typeface="Times New Roman" panose="02020603050405020304" pitchFamily="18" charset="0"/>
-                <a:cs typeface="Times New Roman" panose="02020603050405020304" pitchFamily="18" charset="0"/>
+              <a:rPr lang="en-US" sz="1600">
+                <a:latin typeface="Leelawadee UI" panose="020B0502040204020203" pitchFamily="34" charset="-34"/>
+                <a:ea typeface="Microsoft JhengHei Light" panose="020B0304030504040204" pitchFamily="34" charset="-120"/>
+                <a:cs typeface="Leelawadee UI" panose="020B0502040204020203" pitchFamily="34" charset="-34"/>
               </a:rPr>
               <a:t>SCL: serial clock</a:t>
             </a:r>
@@ -3959,8 +3963,8 @@
         </p:blipFill>
         <p:spPr>
           <a:xfrm>
-            <a:off x="1380404" y="4539349"/>
-            <a:ext cx="260762" cy="260760"/>
+            <a:off x="897803" y="4539349"/>
+            <a:ext cx="269089" cy="260760"/>
           </a:xfrm>
           <a:prstGeom prst="rect">
             <a:avLst/>
@@ -3995,8 +3999,8 @@
         </p:blipFill>
         <p:spPr>
           <a:xfrm>
-            <a:off x="1380404" y="4866838"/>
-            <a:ext cx="260762" cy="260760"/>
+            <a:off x="897803" y="4866838"/>
+            <a:ext cx="269089" cy="260760"/>
           </a:xfrm>
           <a:prstGeom prst="rect">
             <a:avLst/>
@@ -4031,8 +4035,8 @@
         </p:blipFill>
         <p:spPr>
           <a:xfrm>
-            <a:off x="1380404" y="5194327"/>
-            <a:ext cx="260762" cy="260760"/>
+            <a:off x="897803" y="5194327"/>
+            <a:ext cx="269089" cy="260760"/>
           </a:xfrm>
           <a:prstGeom prst="rect">
             <a:avLst/>
@@ -4067,8 +4071,8 @@
         </p:blipFill>
         <p:spPr>
           <a:xfrm>
-            <a:off x="1380404" y="5521817"/>
-            <a:ext cx="260762" cy="260760"/>
+            <a:off x="897803" y="5521817"/>
+            <a:ext cx="269089" cy="260760"/>
           </a:xfrm>
           <a:prstGeom prst="rect">
             <a:avLst/>
@@ -4704,7 +4708,7 @@
         </p:nvGrpSpPr>
         <p:grpSpPr>
           <a:xfrm>
-            <a:off x="6435760" y="4576001"/>
+            <a:off x="6283360" y="4576001"/>
             <a:ext cx="279078" cy="1828291"/>
             <a:chOff x="6516205" y="4480687"/>
             <a:chExt cx="279078" cy="1828291"/>
@@ -4941,8 +4945,8 @@
         </p:nvSpPr>
         <p:spPr>
           <a:xfrm>
-            <a:off x="6693594" y="4468621"/>
-            <a:ext cx="4611722" cy="2862322"/>
+            <a:off x="6541194" y="4494021"/>
+            <a:ext cx="5358706" cy="2846933"/>
           </a:xfrm>
           <a:prstGeom prst="rect">
             <a:avLst/>
@@ -4957,13 +4961,14 @@
           <a:p>
             <a:pPr>
               <a:lnSpc>
-                <a:spcPct val="150000"/>
+                <a:spcPts val="2500"/>
               </a:lnSpc>
             </a:pPr>
             <a:r>
-              <a:rPr lang="en-US" sz="1400">
-                <a:latin typeface="Times New Roman" panose="02020603050405020304" pitchFamily="18" charset="0"/>
-                <a:cs typeface="Times New Roman" panose="02020603050405020304" pitchFamily="18" charset="0"/>
+              <a:rPr lang="en-US" sz="1600">
+                <a:latin typeface="Leelawadee UI" panose="020B0502040204020203" pitchFamily="34" charset="-34"/>
+                <a:ea typeface="Microsoft JhengHei Light" panose="020B0304030504040204" pitchFamily="34" charset="-120"/>
+                <a:cs typeface="Leelawadee UI" panose="020B0502040204020203" pitchFamily="34" charset="-34"/>
               </a:rPr>
               <a:t>VCC: you can use 5V or 3.3V for this module</a:t>
             </a:r>
@@ -4971,38 +4976,42 @@
           <a:p>
             <a:pPr>
               <a:lnSpc>
-                <a:spcPct val="150000"/>
+                <a:spcPts val="2500"/>
               </a:lnSpc>
             </a:pPr>
             <a:r>
-              <a:rPr lang="en-US" sz="1400">
-                <a:latin typeface="Times New Roman" panose="02020603050405020304" pitchFamily="18" charset="0"/>
-                <a:cs typeface="Times New Roman" panose="02020603050405020304" pitchFamily="18" charset="0"/>
+              <a:rPr lang="en-US" sz="1600">
+                <a:latin typeface="Leelawadee UI" panose="020B0502040204020203" pitchFamily="34" charset="-34"/>
+                <a:ea typeface="Microsoft JhengHei Light" panose="020B0304030504040204" pitchFamily="34" charset="-120"/>
+                <a:cs typeface="Leelawadee UI" panose="020B0502040204020203" pitchFamily="34" charset="-34"/>
               </a:rPr>
               <a:t>SDI: </a:t>
             </a:r>
             <a:r>
-              <a:rPr lang="en-US" altLang="zh-CN" sz="1400">
-                <a:latin typeface="Times New Roman" panose="02020603050405020304" pitchFamily="18" charset="0"/>
-                <a:cs typeface="Times New Roman" panose="02020603050405020304" pitchFamily="18" charset="0"/>
+              <a:rPr lang="en-US" altLang="zh-CN" sz="1600">
+                <a:latin typeface="Leelawadee UI" panose="020B0502040204020203" pitchFamily="34" charset="-34"/>
+                <a:ea typeface="Microsoft JhengHei Light" panose="020B0304030504040204" pitchFamily="34" charset="-120"/>
+                <a:cs typeface="Leelawadee UI" panose="020B0502040204020203" pitchFamily="34" charset="-34"/>
               </a:rPr>
               <a:t>serial data input;data input/output in 3-wire mode</a:t>
             </a:r>
-            <a:endParaRPr lang="en-US" sz="1400">
-              <a:latin typeface="Times New Roman" panose="02020603050405020304" pitchFamily="18" charset="0"/>
-              <a:cs typeface="Times New Roman" panose="02020603050405020304" pitchFamily="18" charset="0"/>
+            <a:endParaRPr lang="en-US" sz="1600">
+              <a:latin typeface="Leelawadee UI" panose="020B0502040204020203" pitchFamily="34" charset="-34"/>
+              <a:ea typeface="Microsoft JhengHei Light" panose="020B0304030504040204" pitchFamily="34" charset="-120"/>
+              <a:cs typeface="Leelawadee UI" panose="020B0502040204020203" pitchFamily="34" charset="-34"/>
             </a:endParaRPr>
           </a:p>
           <a:p>
             <a:pPr>
               <a:lnSpc>
-                <a:spcPct val="150000"/>
+                <a:spcPts val="2500"/>
               </a:lnSpc>
             </a:pPr>
             <a:r>
-              <a:rPr lang="en-US" sz="1400">
-                <a:latin typeface="Times New Roman" panose="02020603050405020304" pitchFamily="18" charset="0"/>
-                <a:cs typeface="Times New Roman" panose="02020603050405020304" pitchFamily="18" charset="0"/>
+              <a:rPr lang="en-US" sz="1600">
+                <a:latin typeface="Leelawadee UI" panose="020B0502040204020203" pitchFamily="34" charset="-34"/>
+                <a:ea typeface="Microsoft JhengHei Light" panose="020B0304030504040204" pitchFamily="34" charset="-120"/>
+                <a:cs typeface="Leelawadee UI" panose="020B0502040204020203" pitchFamily="34" charset="-34"/>
               </a:rPr>
               <a:t>GND: connect the system GND with this module</a:t>
             </a:r>
@@ -5010,13 +5019,14 @@
           <a:p>
             <a:pPr>
               <a:lnSpc>
-                <a:spcPct val="150000"/>
+                <a:spcPts val="2500"/>
               </a:lnSpc>
             </a:pPr>
             <a:r>
-              <a:rPr lang="en-US" sz="1400">
-                <a:latin typeface="Times New Roman" panose="02020603050405020304" pitchFamily="18" charset="0"/>
-                <a:cs typeface="Times New Roman" panose="02020603050405020304" pitchFamily="18" charset="0"/>
+              <a:rPr lang="en-US" sz="1600">
+                <a:latin typeface="Leelawadee UI" panose="020B0502040204020203" pitchFamily="34" charset="-34"/>
+                <a:ea typeface="Microsoft JhengHei Light" panose="020B0304030504040204" pitchFamily="34" charset="-120"/>
+                <a:cs typeface="Leelawadee UI" panose="020B0502040204020203" pitchFamily="34" charset="-34"/>
               </a:rPr>
               <a:t>SDO: serial data output;hi-Z in 3-wire mode</a:t>
             </a:r>
@@ -5024,13 +5034,14 @@
           <a:p>
             <a:pPr>
               <a:lnSpc>
-                <a:spcPct val="150000"/>
+                <a:spcPts val="2500"/>
               </a:lnSpc>
             </a:pPr>
             <a:r>
-              <a:rPr lang="en-US" sz="1400">
-                <a:latin typeface="Times New Roman" panose="02020603050405020304" pitchFamily="18" charset="0"/>
-                <a:cs typeface="Times New Roman" panose="02020603050405020304" pitchFamily="18" charset="0"/>
+              <a:rPr lang="en-US" sz="1600">
+                <a:latin typeface="Leelawadee UI" panose="020B0502040204020203" pitchFamily="34" charset="-34"/>
+                <a:ea typeface="Microsoft JhengHei Light" panose="020B0304030504040204" pitchFamily="34" charset="-120"/>
+                <a:cs typeface="Leelawadee UI" panose="020B0502040204020203" pitchFamily="34" charset="-34"/>
               </a:rPr>
               <a:t>SCK: serial clock</a:t>
             </a:r>
@@ -5038,13 +5049,14 @@
           <a:p>
             <a:pPr>
               <a:lnSpc>
-                <a:spcPct val="150000"/>
+                <a:spcPts val="2500"/>
               </a:lnSpc>
             </a:pPr>
             <a:r>
-              <a:rPr lang="en-US" sz="1400">
-                <a:latin typeface="Times New Roman" panose="02020603050405020304" pitchFamily="18" charset="0"/>
-                <a:cs typeface="Times New Roman" panose="02020603050405020304" pitchFamily="18" charset="0"/>
+              <a:rPr lang="en-US" sz="1600">
+                <a:latin typeface="Leelawadee UI" panose="020B0502040204020203" pitchFamily="34" charset="-34"/>
+                <a:ea typeface="Microsoft JhengHei Light" panose="020B0304030504040204" pitchFamily="34" charset="-120"/>
+                <a:cs typeface="Leelawadee UI" panose="020B0502040204020203" pitchFamily="34" charset="-34"/>
               </a:rPr>
               <a:t>CS: chip select, active low</a:t>
             </a:r>
@@ -5088,8 +5100,8 @@
         </p:nvSpPr>
         <p:spPr>
           <a:xfrm>
-            <a:off x="1269373" y="4053256"/>
-            <a:ext cx="519694" cy="400110"/>
+            <a:off x="786772" y="4053256"/>
+            <a:ext cx="536289" cy="400110"/>
           </a:xfrm>
           <a:prstGeom prst="rect">
             <a:avLst/>
@@ -5097,7 +5109,7 @@
           <a:noFill/>
         </p:spPr>
         <p:txBody>
-          <a:bodyPr wrap="none" rtlCol="0">
+          <a:bodyPr wrap="square" rtlCol="0">
             <a:spAutoFit/>
           </a:bodyPr>
           <a:lstStyle/>
@@ -5129,7 +5141,7 @@
         </p:nvSpPr>
         <p:spPr>
           <a:xfrm>
-            <a:off x="6285457" y="4053256"/>
+            <a:off x="6183857" y="4053256"/>
             <a:ext cx="511679" cy="400110"/>
           </a:xfrm>
           <a:prstGeom prst="rect">

--- a/img/pin_map.pptx
+++ b/img/pin_map.pptx
@@ -6,6 +6,8 @@
   </p:sldMasterIdLst>
   <p:sldIdLst>
     <p:sldId id="256" r:id="rId2"/>
+    <p:sldId id="258" r:id="rId3"/>
+    <p:sldId id="257" r:id="rId4"/>
   </p:sldIdLst>
   <p:sldSz cx="12192000" cy="6858000"/>
   <p:notesSz cx="6858000" cy="9144000"/>
@@ -273,7 +275,7 @@
           <a:p>
             <a:fld id="{6BAEC7DB-416E-4648-AE31-15D6F0A9A9FB}" type="datetimeFigureOut">
               <a:rPr lang="en-US" smtClean="0"/>
-              <a:t>8/3/2018</a:t>
+              <a:t>8/6/2018</a:t>
             </a:fld>
             <a:endParaRPr lang="en-US"/>
           </a:p>
@@ -473,7 +475,7 @@
           <a:p>
             <a:fld id="{6BAEC7DB-416E-4648-AE31-15D6F0A9A9FB}" type="datetimeFigureOut">
               <a:rPr lang="en-US" smtClean="0"/>
-              <a:t>8/3/2018</a:t>
+              <a:t>8/6/2018</a:t>
             </a:fld>
             <a:endParaRPr lang="en-US"/>
           </a:p>
@@ -683,7 +685,7 @@
           <a:p>
             <a:fld id="{6BAEC7DB-416E-4648-AE31-15D6F0A9A9FB}" type="datetimeFigureOut">
               <a:rPr lang="en-US" smtClean="0"/>
-              <a:t>8/3/2018</a:t>
+              <a:t>8/6/2018</a:t>
             </a:fld>
             <a:endParaRPr lang="en-US"/>
           </a:p>
@@ -883,7 +885,7 @@
           <a:p>
             <a:fld id="{6BAEC7DB-416E-4648-AE31-15D6F0A9A9FB}" type="datetimeFigureOut">
               <a:rPr lang="en-US" smtClean="0"/>
-              <a:t>8/3/2018</a:t>
+              <a:t>8/6/2018</a:t>
             </a:fld>
             <a:endParaRPr lang="en-US"/>
           </a:p>
@@ -1159,7 +1161,7 @@
           <a:p>
             <a:fld id="{6BAEC7DB-416E-4648-AE31-15D6F0A9A9FB}" type="datetimeFigureOut">
               <a:rPr lang="en-US" smtClean="0"/>
-              <a:t>8/3/2018</a:t>
+              <a:t>8/6/2018</a:t>
             </a:fld>
             <a:endParaRPr lang="en-US"/>
           </a:p>
@@ -1427,7 +1429,7 @@
           <a:p>
             <a:fld id="{6BAEC7DB-416E-4648-AE31-15D6F0A9A9FB}" type="datetimeFigureOut">
               <a:rPr lang="en-US" smtClean="0"/>
-              <a:t>8/3/2018</a:t>
+              <a:t>8/6/2018</a:t>
             </a:fld>
             <a:endParaRPr lang="en-US"/>
           </a:p>
@@ -1842,7 +1844,7 @@
           <a:p>
             <a:fld id="{6BAEC7DB-416E-4648-AE31-15D6F0A9A9FB}" type="datetimeFigureOut">
               <a:rPr lang="en-US" smtClean="0"/>
-              <a:t>8/3/2018</a:t>
+              <a:t>8/6/2018</a:t>
             </a:fld>
             <a:endParaRPr lang="en-US"/>
           </a:p>
@@ -1984,7 +1986,7 @@
           <a:p>
             <a:fld id="{6BAEC7DB-416E-4648-AE31-15D6F0A9A9FB}" type="datetimeFigureOut">
               <a:rPr lang="en-US" smtClean="0"/>
-              <a:t>8/3/2018</a:t>
+              <a:t>8/6/2018</a:t>
             </a:fld>
             <a:endParaRPr lang="en-US"/>
           </a:p>
@@ -2097,7 +2099,7 @@
           <a:p>
             <a:fld id="{6BAEC7DB-416E-4648-AE31-15D6F0A9A9FB}" type="datetimeFigureOut">
               <a:rPr lang="en-US" smtClean="0"/>
-              <a:t>8/3/2018</a:t>
+              <a:t>8/6/2018</a:t>
             </a:fld>
             <a:endParaRPr lang="en-US"/>
           </a:p>
@@ -2410,7 +2412,7 @@
           <a:p>
             <a:fld id="{6BAEC7DB-416E-4648-AE31-15D6F0A9A9FB}" type="datetimeFigureOut">
               <a:rPr lang="en-US" smtClean="0"/>
-              <a:t>8/3/2018</a:t>
+              <a:t>8/6/2018</a:t>
             </a:fld>
             <a:endParaRPr lang="en-US"/>
           </a:p>
@@ -2699,7 +2701,7 @@
           <a:p>
             <a:fld id="{6BAEC7DB-416E-4648-AE31-15D6F0A9A9FB}" type="datetimeFigureOut">
               <a:rPr lang="en-US" smtClean="0"/>
-              <a:t>8/3/2018</a:t>
+              <a:t>8/6/2018</a:t>
             </a:fld>
             <a:endParaRPr lang="en-US"/>
           </a:p>
@@ -2942,7 +2944,7 @@
           <a:p>
             <a:fld id="{6BAEC7DB-416E-4648-AE31-15D6F0A9A9FB}" type="datetimeFigureOut">
               <a:rPr lang="en-US" smtClean="0"/>
-              <a:t>8/3/2018</a:t>
+              <a:t>8/6/2018</a:t>
             </a:fld>
             <a:endParaRPr lang="en-US"/>
           </a:p>
@@ -3359,470 +3361,6 @@
           <a:chExt cx="0" cy="0"/>
         </a:xfrm>
       </p:grpSpPr>
-      <p:pic>
-        <p:nvPicPr>
-          <p:cNvPr id="4" name="图片 3">
-            <a:extLst>
-              <a:ext uri="{FF2B5EF4-FFF2-40B4-BE49-F238E27FC236}">
-                <a16:creationId xmlns:a16="http://schemas.microsoft.com/office/drawing/2014/main" id="{E53834D6-68A9-457E-A183-07326EF81CB9}"/>
-              </a:ext>
-            </a:extLst>
-          </p:cNvPr>
-          <p:cNvPicPr>
-            <a:picLocks noChangeAspect="1"/>
-          </p:cNvPicPr>
-          <p:nvPr/>
-        </p:nvPicPr>
-        <p:blipFill>
-          <a:blip r:embed="rId2">
-            <a:extLst>
-              <a:ext uri="{28A0092B-C50C-407E-A947-70E740481C1C}">
-                <a14:useLocalDpi xmlns:a14="http://schemas.microsoft.com/office/drawing/2010/main" val="0"/>
-              </a:ext>
-            </a:extLst>
-          </a:blip>
-          <a:stretch>
-            <a:fillRect/>
-          </a:stretch>
-        </p:blipFill>
-        <p:spPr>
-          <a:xfrm>
-            <a:off x="2885607" y="77585"/>
-            <a:ext cx="5693935" cy="4270451"/>
-          </a:xfrm>
-          <a:prstGeom prst="rect">
-            <a:avLst/>
-          </a:prstGeom>
-        </p:spPr>
-      </p:pic>
-      <p:pic>
-        <p:nvPicPr>
-          <p:cNvPr id="15" name="图片 14">
-            <a:extLst>
-              <a:ext uri="{FF2B5EF4-FFF2-40B4-BE49-F238E27FC236}">
-                <a16:creationId xmlns:a16="http://schemas.microsoft.com/office/drawing/2014/main" id="{90FF3E6A-CD31-42D0-AE3C-13BDCB845E81}"/>
-              </a:ext>
-            </a:extLst>
-          </p:cNvPr>
-          <p:cNvPicPr>
-            <a:picLocks noChangeAspect="1"/>
-          </p:cNvPicPr>
-          <p:nvPr/>
-        </p:nvPicPr>
-        <p:blipFill>
-          <a:blip r:embed="rId3">
-            <a:extLst>
-              <a:ext uri="{28A0092B-C50C-407E-A947-70E740481C1C}">
-                <a14:useLocalDpi xmlns:a14="http://schemas.microsoft.com/office/drawing/2010/main" val="0"/>
-              </a:ext>
-            </a:extLst>
-          </a:blip>
-          <a:stretch>
-            <a:fillRect/>
-          </a:stretch>
-        </p:blipFill>
-        <p:spPr>
-          <a:xfrm>
-            <a:off x="2411445" y="1426546"/>
-            <a:ext cx="403562" cy="403562"/>
-          </a:xfrm>
-          <a:prstGeom prst="rect">
-            <a:avLst/>
-          </a:prstGeom>
-        </p:spPr>
-      </p:pic>
-      <p:pic>
-        <p:nvPicPr>
-          <p:cNvPr id="17" name="图片 16">
-            <a:extLst>
-              <a:ext uri="{FF2B5EF4-FFF2-40B4-BE49-F238E27FC236}">
-                <a16:creationId xmlns:a16="http://schemas.microsoft.com/office/drawing/2014/main" id="{C01174B4-89C2-4D0C-B26F-33035E962224}"/>
-              </a:ext>
-            </a:extLst>
-          </p:cNvPr>
-          <p:cNvPicPr>
-            <a:picLocks noChangeAspect="1"/>
-          </p:cNvPicPr>
-          <p:nvPr/>
-        </p:nvPicPr>
-        <p:blipFill>
-          <a:blip r:embed="rId4">
-            <a:extLst>
-              <a:ext uri="{28A0092B-C50C-407E-A947-70E740481C1C}">
-                <a14:useLocalDpi xmlns:a14="http://schemas.microsoft.com/office/drawing/2010/main" val="0"/>
-              </a:ext>
-            </a:extLst>
-          </a:blip>
-          <a:stretch>
-            <a:fillRect/>
-          </a:stretch>
-        </p:blipFill>
-        <p:spPr>
-          <a:xfrm>
-            <a:off x="2411445" y="1817805"/>
-            <a:ext cx="403562" cy="403562"/>
-          </a:xfrm>
-          <a:prstGeom prst="rect">
-            <a:avLst/>
-          </a:prstGeom>
-        </p:spPr>
-      </p:pic>
-      <p:pic>
-        <p:nvPicPr>
-          <p:cNvPr id="19" name="图片 18">
-            <a:extLst>
-              <a:ext uri="{FF2B5EF4-FFF2-40B4-BE49-F238E27FC236}">
-                <a16:creationId xmlns:a16="http://schemas.microsoft.com/office/drawing/2014/main" id="{07BC457B-E507-47EA-A887-0ABE6C066AD7}"/>
-              </a:ext>
-            </a:extLst>
-          </p:cNvPr>
-          <p:cNvPicPr>
-            <a:picLocks noChangeAspect="1"/>
-          </p:cNvPicPr>
-          <p:nvPr/>
-        </p:nvPicPr>
-        <p:blipFill>
-          <a:blip r:embed="rId5">
-            <a:extLst>
-              <a:ext uri="{28A0092B-C50C-407E-A947-70E740481C1C}">
-                <a14:useLocalDpi xmlns:a14="http://schemas.microsoft.com/office/drawing/2010/main" val="0"/>
-              </a:ext>
-            </a:extLst>
-          </a:blip>
-          <a:stretch>
-            <a:fillRect/>
-          </a:stretch>
-        </p:blipFill>
-        <p:spPr>
-          <a:xfrm>
-            <a:off x="2411445" y="2209065"/>
-            <a:ext cx="403562" cy="403562"/>
-          </a:xfrm>
-          <a:prstGeom prst="rect">
-            <a:avLst/>
-          </a:prstGeom>
-        </p:spPr>
-      </p:pic>
-      <p:pic>
-        <p:nvPicPr>
-          <p:cNvPr id="21" name="图片 20">
-            <a:extLst>
-              <a:ext uri="{FF2B5EF4-FFF2-40B4-BE49-F238E27FC236}">
-                <a16:creationId xmlns:a16="http://schemas.microsoft.com/office/drawing/2014/main" id="{C6EF89C3-AFE4-4732-9118-178D0EDE0DE1}"/>
-              </a:ext>
-            </a:extLst>
-          </p:cNvPr>
-          <p:cNvPicPr>
-            <a:picLocks noChangeAspect="1"/>
-          </p:cNvPicPr>
-          <p:nvPr/>
-        </p:nvPicPr>
-        <p:blipFill>
-          <a:blip r:embed="rId6">
-            <a:extLst>
-              <a:ext uri="{28A0092B-C50C-407E-A947-70E740481C1C}">
-                <a14:useLocalDpi xmlns:a14="http://schemas.microsoft.com/office/drawing/2010/main" val="0"/>
-              </a:ext>
-            </a:extLst>
-          </a:blip>
-          <a:stretch>
-            <a:fillRect/>
-          </a:stretch>
-        </p:blipFill>
-        <p:spPr>
-          <a:xfrm>
-            <a:off x="2411445" y="2600324"/>
-            <a:ext cx="403562" cy="403562"/>
-          </a:xfrm>
-          <a:prstGeom prst="rect">
-            <a:avLst/>
-          </a:prstGeom>
-        </p:spPr>
-      </p:pic>
-      <p:cxnSp>
-        <p:nvCxnSpPr>
-          <p:cNvPr id="59" name="直接连接符 58">
-            <a:extLst>
-              <a:ext uri="{FF2B5EF4-FFF2-40B4-BE49-F238E27FC236}">
-                <a16:creationId xmlns:a16="http://schemas.microsoft.com/office/drawing/2014/main" id="{554D8D14-D48D-45F6-89A6-634C964B8AE8}"/>
-              </a:ext>
-            </a:extLst>
-          </p:cNvPr>
-          <p:cNvCxnSpPr>
-            <a:cxnSpLocks/>
-          </p:cNvCxnSpPr>
-          <p:nvPr/>
-        </p:nvCxnSpPr>
-        <p:spPr>
-          <a:xfrm>
-            <a:off x="3216948" y="1866252"/>
-            <a:ext cx="1005840" cy="0"/>
-          </a:xfrm>
-          <a:prstGeom prst="line">
-            <a:avLst/>
-          </a:prstGeom>
-          <a:ln w="9525" cap="flat" cmpd="sng" algn="ctr">
-            <a:solidFill>
-              <a:schemeClr val="accent3"/>
-            </a:solidFill>
-            <a:prstDash val="dash"/>
-            <a:round/>
-            <a:headEnd type="none" w="med" len="med"/>
-            <a:tailEnd type="none" w="med" len="med"/>
-          </a:ln>
-        </p:spPr>
-        <p:style>
-          <a:lnRef idx="0">
-            <a:scrgbClr r="0" g="0" b="0"/>
-          </a:lnRef>
-          <a:fillRef idx="0">
-            <a:scrgbClr r="0" g="0" b="0"/>
-          </a:fillRef>
-          <a:effectRef idx="0">
-            <a:scrgbClr r="0" g="0" b="0"/>
-          </a:effectRef>
-          <a:fontRef idx="minor">
-            <a:schemeClr val="tx1"/>
-          </a:fontRef>
-        </p:style>
-      </p:cxnSp>
-      <p:cxnSp>
-        <p:nvCxnSpPr>
-          <p:cNvPr id="62" name="直接连接符 61">
-            <a:extLst>
-              <a:ext uri="{FF2B5EF4-FFF2-40B4-BE49-F238E27FC236}">
-                <a16:creationId xmlns:a16="http://schemas.microsoft.com/office/drawing/2014/main" id="{71513585-2402-4773-B202-B5A94B9B4E68}"/>
-              </a:ext>
-            </a:extLst>
-          </p:cNvPr>
-          <p:cNvCxnSpPr>
-            <a:cxnSpLocks/>
-          </p:cNvCxnSpPr>
-          <p:nvPr/>
-        </p:nvCxnSpPr>
-        <p:spPr>
-          <a:xfrm>
-            <a:off x="3216948" y="2567469"/>
-            <a:ext cx="1005840" cy="0"/>
-          </a:xfrm>
-          <a:prstGeom prst="line">
-            <a:avLst/>
-          </a:prstGeom>
-          <a:ln w="9525" cap="flat" cmpd="sng" algn="ctr">
-            <a:solidFill>
-              <a:schemeClr val="accent3"/>
-            </a:solidFill>
-            <a:prstDash val="dash"/>
-            <a:round/>
-            <a:headEnd type="none" w="med" len="med"/>
-            <a:tailEnd type="none" w="med" len="med"/>
-          </a:ln>
-        </p:spPr>
-        <p:style>
-          <a:lnRef idx="0">
-            <a:scrgbClr r="0" g="0" b="0"/>
-          </a:lnRef>
-          <a:fillRef idx="0">
-            <a:scrgbClr r="0" g="0" b="0"/>
-          </a:fillRef>
-          <a:effectRef idx="0">
-            <a:scrgbClr r="0" g="0" b="0"/>
-          </a:effectRef>
-          <a:fontRef idx="minor">
-            <a:schemeClr val="tx1"/>
-          </a:fontRef>
-        </p:style>
-      </p:cxnSp>
-      <p:cxnSp>
-        <p:nvCxnSpPr>
-          <p:cNvPr id="64" name="直接连接符 63">
-            <a:extLst>
-              <a:ext uri="{FF2B5EF4-FFF2-40B4-BE49-F238E27FC236}">
-                <a16:creationId xmlns:a16="http://schemas.microsoft.com/office/drawing/2014/main" id="{F11B205F-0707-4A55-ACA4-3B1022C2AD5E}"/>
-              </a:ext>
-            </a:extLst>
-          </p:cNvPr>
-          <p:cNvCxnSpPr>
-            <a:cxnSpLocks/>
-          </p:cNvCxnSpPr>
-          <p:nvPr/>
-        </p:nvCxnSpPr>
-        <p:spPr>
-          <a:xfrm flipV="1">
-            <a:off x="2809531" y="2336363"/>
-            <a:ext cx="1371600" cy="0"/>
-          </a:xfrm>
-          <a:prstGeom prst="line">
-            <a:avLst/>
-          </a:prstGeom>
-          <a:ln w="9525" cap="flat" cmpd="sng" algn="ctr">
-            <a:solidFill>
-              <a:schemeClr val="accent3"/>
-            </a:solidFill>
-            <a:prstDash val="dash"/>
-            <a:round/>
-            <a:headEnd type="none" w="med" len="med"/>
-            <a:tailEnd type="none" w="med" len="med"/>
-          </a:ln>
-        </p:spPr>
-        <p:style>
-          <a:lnRef idx="0">
-            <a:scrgbClr r="0" g="0" b="0"/>
-          </a:lnRef>
-          <a:fillRef idx="0">
-            <a:scrgbClr r="0" g="0" b="0"/>
-          </a:fillRef>
-          <a:effectRef idx="0">
-            <a:scrgbClr r="0" g="0" b="0"/>
-          </a:effectRef>
-          <a:fontRef idx="minor">
-            <a:schemeClr val="tx1"/>
-          </a:fontRef>
-        </p:style>
-      </p:cxnSp>
-      <p:cxnSp>
-        <p:nvCxnSpPr>
-          <p:cNvPr id="69" name="直接连接符 68">
-            <a:extLst>
-              <a:ext uri="{FF2B5EF4-FFF2-40B4-BE49-F238E27FC236}">
-                <a16:creationId xmlns:a16="http://schemas.microsoft.com/office/drawing/2014/main" id="{C23963EC-181B-4C8C-91B5-30994438B94F}"/>
-              </a:ext>
-            </a:extLst>
-          </p:cNvPr>
-          <p:cNvCxnSpPr>
-            <a:cxnSpLocks/>
-          </p:cNvCxnSpPr>
-          <p:nvPr/>
-        </p:nvCxnSpPr>
-        <p:spPr>
-          <a:xfrm>
-            <a:off x="2815007" y="2094618"/>
-            <a:ext cx="1371600" cy="0"/>
-          </a:xfrm>
-          <a:prstGeom prst="line">
-            <a:avLst/>
-          </a:prstGeom>
-          <a:ln w="9525" cap="flat" cmpd="sng" algn="ctr">
-            <a:solidFill>
-              <a:schemeClr val="accent3"/>
-            </a:solidFill>
-            <a:prstDash val="dash"/>
-            <a:round/>
-            <a:headEnd type="none" w="med" len="med"/>
-            <a:tailEnd type="none" w="med" len="med"/>
-          </a:ln>
-        </p:spPr>
-        <p:style>
-          <a:lnRef idx="0">
-            <a:scrgbClr r="0" g="0" b="0"/>
-          </a:lnRef>
-          <a:fillRef idx="0">
-            <a:scrgbClr r="0" g="0" b="0"/>
-          </a:fillRef>
-          <a:effectRef idx="0">
-            <a:scrgbClr r="0" g="0" b="0"/>
-          </a:effectRef>
-          <a:fontRef idx="minor">
-            <a:schemeClr val="tx1"/>
-          </a:fontRef>
-        </p:style>
-      </p:cxnSp>
-      <p:cxnSp>
-        <p:nvCxnSpPr>
-          <p:cNvPr id="83" name="直接连接符 82">
-            <a:extLst>
-              <a:ext uri="{FF2B5EF4-FFF2-40B4-BE49-F238E27FC236}">
-                <a16:creationId xmlns:a16="http://schemas.microsoft.com/office/drawing/2014/main" id="{2B1DA2A3-4ED3-4440-94B7-BBD22FB36479}"/>
-              </a:ext>
-            </a:extLst>
-          </p:cNvPr>
-          <p:cNvCxnSpPr>
-            <a:cxnSpLocks/>
-            <a:endCxn id="15" idx="3"/>
-          </p:cNvCxnSpPr>
-          <p:nvPr/>
-        </p:nvCxnSpPr>
-        <p:spPr>
-          <a:xfrm flipH="1" flipV="1">
-            <a:off x="2815007" y="1628327"/>
-            <a:ext cx="401941" cy="237926"/>
-          </a:xfrm>
-          <a:prstGeom prst="line">
-            <a:avLst/>
-          </a:prstGeom>
-          <a:ln w="9525" cap="flat" cmpd="sng" algn="ctr">
-            <a:solidFill>
-              <a:schemeClr val="accent3"/>
-            </a:solidFill>
-            <a:prstDash val="dash"/>
-            <a:round/>
-            <a:headEnd type="none" w="med" len="med"/>
-            <a:tailEnd type="none" w="med" len="med"/>
-          </a:ln>
-        </p:spPr>
-        <p:style>
-          <a:lnRef idx="0">
-            <a:scrgbClr r="0" g="0" b="0"/>
-          </a:lnRef>
-          <a:fillRef idx="0">
-            <a:scrgbClr r="0" g="0" b="0"/>
-          </a:fillRef>
-          <a:effectRef idx="0">
-            <a:scrgbClr r="0" g="0" b="0"/>
-          </a:effectRef>
-          <a:fontRef idx="minor">
-            <a:schemeClr val="tx1"/>
-          </a:fontRef>
-        </p:style>
-      </p:cxnSp>
-      <p:cxnSp>
-        <p:nvCxnSpPr>
-          <p:cNvPr id="86" name="直接连接符 85">
-            <a:extLst>
-              <a:ext uri="{FF2B5EF4-FFF2-40B4-BE49-F238E27FC236}">
-                <a16:creationId xmlns:a16="http://schemas.microsoft.com/office/drawing/2014/main" id="{1DDB23F1-BC13-4F76-9BE4-AB93E1600A98}"/>
-              </a:ext>
-            </a:extLst>
-          </p:cNvPr>
-          <p:cNvCxnSpPr>
-            <a:cxnSpLocks/>
-            <a:endCxn id="21" idx="3"/>
-          </p:cNvCxnSpPr>
-          <p:nvPr/>
-        </p:nvCxnSpPr>
-        <p:spPr>
-          <a:xfrm flipH="1">
-            <a:off x="2815007" y="2567469"/>
-            <a:ext cx="401940" cy="234636"/>
-          </a:xfrm>
-          <a:prstGeom prst="line">
-            <a:avLst/>
-          </a:prstGeom>
-          <a:ln w="9525" cap="flat" cmpd="sng" algn="ctr">
-            <a:solidFill>
-              <a:schemeClr val="accent3"/>
-            </a:solidFill>
-            <a:prstDash val="dash"/>
-            <a:round/>
-            <a:headEnd type="none" w="med" len="med"/>
-            <a:tailEnd type="none" w="med" len="med"/>
-          </a:ln>
-        </p:spPr>
-        <p:style>
-          <a:lnRef idx="0">
-            <a:scrgbClr r="0" g="0" b="0"/>
-          </a:lnRef>
-          <a:fillRef idx="0">
-            <a:scrgbClr r="0" g="0" b="0"/>
-          </a:fillRef>
-          <a:effectRef idx="0">
-            <a:scrgbClr r="0" g="0" b="0"/>
-          </a:effectRef>
-          <a:fontRef idx="minor">
-            <a:schemeClr val="tx1"/>
-          </a:fontRef>
-        </p:style>
-      </p:cxnSp>
       <p:sp>
         <p:nvSpPr>
           <p:cNvPr id="5" name="文本框 4">
@@ -3862,7 +3400,23 @@
                 <a:ea typeface="Microsoft JhengHei Light" panose="020B0304030504040204" pitchFamily="34" charset="-120"/>
                 <a:cs typeface="Leelawadee UI" panose="020B0502040204020203" pitchFamily="34" charset="-34"/>
               </a:rPr>
-              <a:t>GND: connect the system GND with this module</a:t>
+              <a:t>GND: connect this module </a:t>
+            </a:r>
+            <a:r>
+              <a:rPr lang="en-US" altLang="zh-CN" sz="1600">
+                <a:latin typeface="Leelawadee UI" panose="020B0502040204020203" pitchFamily="34" charset="-34"/>
+                <a:ea typeface="Microsoft JhengHei Light" panose="020B0304030504040204" pitchFamily="34" charset="-120"/>
+                <a:cs typeface="Leelawadee UI" panose="020B0502040204020203" pitchFamily="34" charset="-34"/>
+              </a:rPr>
+              <a:t>to</a:t>
+            </a:r>
+            <a:r>
+              <a:rPr lang="en-US" sz="1600">
+                <a:latin typeface="Leelawadee UI" panose="020B0502040204020203" pitchFamily="34" charset="-34"/>
+                <a:ea typeface="Microsoft JhengHei Light" panose="020B0304030504040204" pitchFamily="34" charset="-120"/>
+                <a:cs typeface="Leelawadee UI" panose="020B0502040204020203" pitchFamily="34" charset="-34"/>
+              </a:rPr>
+              <a:t> the system GND </a:t>
             </a:r>
           </a:p>
           <a:p>
@@ -3950,7 +3504,7 @@
           <p:nvPr/>
         </p:nvPicPr>
         <p:blipFill>
-          <a:blip r:embed="rId3">
+          <a:blip r:embed="rId2">
             <a:extLst>
               <a:ext uri="{28A0092B-C50C-407E-A947-70E740481C1C}">
                 <a14:useLocalDpi xmlns:a14="http://schemas.microsoft.com/office/drawing/2010/main" val="0"/>
@@ -3986,7 +3540,7 @@
           <p:nvPr/>
         </p:nvPicPr>
         <p:blipFill>
-          <a:blip r:embed="rId4">
+          <a:blip r:embed="rId3">
             <a:extLst>
               <a:ext uri="{28A0092B-C50C-407E-A947-70E740481C1C}">
                 <a14:useLocalDpi xmlns:a14="http://schemas.microsoft.com/office/drawing/2010/main" val="0"/>
@@ -4022,7 +3576,7 @@
           <p:nvPr/>
         </p:nvPicPr>
         <p:blipFill>
-          <a:blip r:embed="rId5">
+          <a:blip r:embed="rId4">
             <a:extLst>
               <a:ext uri="{28A0092B-C50C-407E-A947-70E740481C1C}">
                 <a14:useLocalDpi xmlns:a14="http://schemas.microsoft.com/office/drawing/2010/main" val="0"/>
@@ -4058,7 +3612,7 @@
           <p:nvPr/>
         </p:nvPicPr>
         <p:blipFill>
-          <a:blip r:embed="rId6">
+          <a:blip r:embed="rId5">
             <a:extLst>
               <a:ext uri="{28A0092B-C50C-407E-A947-70E740481C1C}">
                 <a14:useLocalDpi xmlns:a14="http://schemas.microsoft.com/office/drawing/2010/main" val="0"/>
@@ -4081,30 +3635,32 @@
       </p:pic>
       <p:grpSp>
         <p:nvGrpSpPr>
-          <p:cNvPr id="18" name="组合 17">
-            <a:extLst>
-              <a:ext uri="{FF2B5EF4-FFF2-40B4-BE49-F238E27FC236}">
-                <a16:creationId xmlns:a16="http://schemas.microsoft.com/office/drawing/2014/main" id="{57387AA5-5F0B-4730-9254-B2727F78AF6F}"/>
-              </a:ext>
-            </a:extLst>
-          </p:cNvPr>
-          <p:cNvGrpSpPr/>
+          <p:cNvPr id="2" name="组合 1">
+            <a:extLst>
+              <a:ext uri="{FF2B5EF4-FFF2-40B4-BE49-F238E27FC236}">
+                <a16:creationId xmlns:a16="http://schemas.microsoft.com/office/drawing/2014/main" id="{4D5144E4-66D9-4701-816F-F7AEC6185E34}"/>
+              </a:ext>
+            </a:extLst>
+          </p:cNvPr>
+          <p:cNvGrpSpPr>
+            <a:grpSpLocks noChangeAspect="1"/>
+          </p:cNvGrpSpPr>
           <p:nvPr/>
         </p:nvGrpSpPr>
         <p:grpSpPr>
           <a:xfrm>
-            <a:off x="8666513" y="1077565"/>
-            <a:ext cx="400050" cy="2272332"/>
-            <a:chOff x="7539700" y="1077565"/>
-            <a:chExt cx="400050" cy="2272332"/>
+            <a:off x="2257341" y="-237567"/>
+            <a:ext cx="7853031" cy="5039132"/>
+            <a:chOff x="2411445" y="77585"/>
+            <a:chExt cx="6655118" cy="4270451"/>
           </a:xfrm>
         </p:grpSpPr>
         <p:pic>
           <p:nvPicPr>
-            <p:cNvPr id="13" name="图片 12">
+            <p:cNvPr id="4" name="图片 3">
               <a:extLst>
                 <a:ext uri="{FF2B5EF4-FFF2-40B4-BE49-F238E27FC236}">
-                  <a16:creationId xmlns:a16="http://schemas.microsoft.com/office/drawing/2014/main" id="{4024C4B6-F1AB-4297-AED4-F76AA51CF6A0}"/>
+                  <a16:creationId xmlns:a16="http://schemas.microsoft.com/office/drawing/2014/main" id="{E53834D6-68A9-457E-A183-07326EF81CB9}"/>
                 </a:ext>
               </a:extLst>
             </p:cNvPr>
@@ -4114,7 +3670,7 @@
             <p:nvPr/>
           </p:nvPicPr>
           <p:blipFill>
-            <a:blip r:embed="rId7">
+            <a:blip r:embed="rId6">
               <a:extLst>
                 <a:ext uri="{28A0092B-C50C-407E-A947-70E740481C1C}">
                   <a14:useLocalDpi xmlns:a14="http://schemas.microsoft.com/office/drawing/2010/main" val="0"/>
@@ -4127,8 +3683,8 @@
           </p:blipFill>
           <p:spPr>
             <a:xfrm>
-              <a:off x="7539700" y="2949847"/>
-              <a:ext cx="400050" cy="400050"/>
+              <a:off x="2885607" y="77585"/>
+              <a:ext cx="5693935" cy="4270451"/>
             </a:xfrm>
             <a:prstGeom prst="rect">
               <a:avLst/>
@@ -4137,10 +3693,10 @@
         </p:pic>
         <p:pic>
           <p:nvPicPr>
-            <p:cNvPr id="16" name="图片 15">
+            <p:cNvPr id="15" name="图片 14">
               <a:extLst>
                 <a:ext uri="{FF2B5EF4-FFF2-40B4-BE49-F238E27FC236}">
-                  <a16:creationId xmlns:a16="http://schemas.microsoft.com/office/drawing/2014/main" id="{88BF9D0F-EA84-4D6D-86A2-F5D93E379A03}"/>
+                  <a16:creationId xmlns:a16="http://schemas.microsoft.com/office/drawing/2014/main" id="{90FF3E6A-CD31-42D0-AE3C-13BDCB845E81}"/>
                 </a:ext>
               </a:extLst>
             </p:cNvPr>
@@ -4150,7 +3706,7 @@
             <p:nvPr/>
           </p:nvPicPr>
           <p:blipFill>
-            <a:blip r:embed="rId8">
+            <a:blip r:embed="rId2">
               <a:extLst>
                 <a:ext uri="{28A0092B-C50C-407E-A947-70E740481C1C}">
                   <a14:useLocalDpi xmlns:a14="http://schemas.microsoft.com/office/drawing/2010/main" val="0"/>
@@ -4163,8 +3719,8 @@
           </p:blipFill>
           <p:spPr>
             <a:xfrm>
-              <a:off x="7539700" y="1077565"/>
-              <a:ext cx="400050" cy="400050"/>
+              <a:off x="2411445" y="1426546"/>
+              <a:ext cx="403562" cy="403562"/>
             </a:xfrm>
             <a:prstGeom prst="rect">
               <a:avLst/>
@@ -4173,10 +3729,10 @@
         </p:pic>
         <p:pic>
           <p:nvPicPr>
-            <p:cNvPr id="20" name="图片 19">
+            <p:cNvPr id="17" name="图片 16">
               <a:extLst>
                 <a:ext uri="{FF2B5EF4-FFF2-40B4-BE49-F238E27FC236}">
-                  <a16:creationId xmlns:a16="http://schemas.microsoft.com/office/drawing/2014/main" id="{FD507FA7-479F-463D-9A86-9252F46244B8}"/>
+                  <a16:creationId xmlns:a16="http://schemas.microsoft.com/office/drawing/2014/main" id="{C01174B4-89C2-4D0C-B26F-33035E962224}"/>
                 </a:ext>
               </a:extLst>
             </p:cNvPr>
@@ -4186,7 +3742,7 @@
             <p:nvPr/>
           </p:nvPicPr>
           <p:blipFill>
-            <a:blip r:embed="rId9">
+            <a:blip r:embed="rId3">
               <a:extLst>
                 <a:ext uri="{28A0092B-C50C-407E-A947-70E740481C1C}">
                   <a14:useLocalDpi xmlns:a14="http://schemas.microsoft.com/office/drawing/2010/main" val="0"/>
@@ -4199,8 +3755,8 @@
           </p:blipFill>
           <p:spPr>
             <a:xfrm>
-              <a:off x="7539700" y="1452021"/>
-              <a:ext cx="400050" cy="400050"/>
+              <a:off x="2411445" y="1817805"/>
+              <a:ext cx="403562" cy="403562"/>
             </a:xfrm>
             <a:prstGeom prst="rect">
               <a:avLst/>
@@ -4209,10 +3765,10 @@
         </p:pic>
         <p:pic>
           <p:nvPicPr>
-            <p:cNvPr id="23" name="图片 22">
+            <p:cNvPr id="19" name="图片 18">
               <a:extLst>
                 <a:ext uri="{FF2B5EF4-FFF2-40B4-BE49-F238E27FC236}">
-                  <a16:creationId xmlns:a16="http://schemas.microsoft.com/office/drawing/2014/main" id="{4D10176D-A5F5-4306-A4FC-F8A53BFED3C0}"/>
+                  <a16:creationId xmlns:a16="http://schemas.microsoft.com/office/drawing/2014/main" id="{07BC457B-E507-47EA-A887-0ABE6C066AD7}"/>
                 </a:ext>
               </a:extLst>
             </p:cNvPr>
@@ -4222,7 +3778,7 @@
             <p:nvPr/>
           </p:nvPicPr>
           <p:blipFill>
-            <a:blip r:embed="rId10">
+            <a:blip r:embed="rId4">
               <a:extLst>
                 <a:ext uri="{28A0092B-C50C-407E-A947-70E740481C1C}">
                   <a14:useLocalDpi xmlns:a14="http://schemas.microsoft.com/office/drawing/2010/main" val="0"/>
@@ -4235,8 +3791,8 @@
           </p:blipFill>
           <p:spPr>
             <a:xfrm>
-              <a:off x="7539700" y="1826478"/>
-              <a:ext cx="400050" cy="400050"/>
+              <a:off x="2411445" y="2209065"/>
+              <a:ext cx="403562" cy="403562"/>
             </a:xfrm>
             <a:prstGeom prst="rect">
               <a:avLst/>
@@ -4245,10 +3801,10 @@
         </p:pic>
         <p:pic>
           <p:nvPicPr>
-            <p:cNvPr id="29" name="图片 28">
+            <p:cNvPr id="21" name="图片 20">
               <a:extLst>
                 <a:ext uri="{FF2B5EF4-FFF2-40B4-BE49-F238E27FC236}">
-                  <a16:creationId xmlns:a16="http://schemas.microsoft.com/office/drawing/2014/main" id="{5D4FC4BC-CD1C-46DC-9099-E7D46F539C43}"/>
+                  <a16:creationId xmlns:a16="http://schemas.microsoft.com/office/drawing/2014/main" id="{C6EF89C3-AFE4-4732-9118-178D0EDE0DE1}"/>
                 </a:ext>
               </a:extLst>
             </p:cNvPr>
@@ -4258,7 +3814,7 @@
             <p:nvPr/>
           </p:nvPicPr>
           <p:blipFill>
-            <a:blip r:embed="rId11">
+            <a:blip r:embed="rId5">
               <a:extLst>
                 <a:ext uri="{28A0092B-C50C-407E-A947-70E740481C1C}">
                   <a14:useLocalDpi xmlns:a14="http://schemas.microsoft.com/office/drawing/2010/main" val="0"/>
@@ -4271,429 +3827,914 @@
           </p:blipFill>
           <p:spPr>
             <a:xfrm>
-              <a:off x="7539700" y="2200934"/>
-              <a:ext cx="400050" cy="400050"/>
+              <a:off x="2411445" y="2600324"/>
+              <a:ext cx="403562" cy="403562"/>
             </a:xfrm>
             <a:prstGeom prst="rect">
               <a:avLst/>
             </a:prstGeom>
           </p:spPr>
         </p:pic>
-        <p:pic>
-          <p:nvPicPr>
-            <p:cNvPr id="31" name="图片 30">
+        <p:cxnSp>
+          <p:nvCxnSpPr>
+            <p:cNvPr id="59" name="直接连接符 58">
               <a:extLst>
                 <a:ext uri="{FF2B5EF4-FFF2-40B4-BE49-F238E27FC236}">
-                  <a16:creationId xmlns:a16="http://schemas.microsoft.com/office/drawing/2014/main" id="{81E5315C-9E58-4CD1-A5D0-FC21BECB8B68}"/>
+                  <a16:creationId xmlns:a16="http://schemas.microsoft.com/office/drawing/2014/main" id="{554D8D14-D48D-45F6-89A6-634C964B8AE8}"/>
                 </a:ext>
               </a:extLst>
             </p:cNvPr>
-            <p:cNvPicPr>
-              <a:picLocks noChangeAspect="1"/>
-            </p:cNvPicPr>
+            <p:cNvCxnSpPr>
+              <a:cxnSpLocks/>
+            </p:cNvCxnSpPr>
             <p:nvPr/>
-          </p:nvPicPr>
-          <p:blipFill>
-            <a:blip r:embed="rId12">
+          </p:nvCxnSpPr>
+          <p:spPr>
+            <a:xfrm>
+              <a:off x="3216948" y="1866252"/>
+              <a:ext cx="1005840" cy="0"/>
+            </a:xfrm>
+            <a:prstGeom prst="line">
+              <a:avLst/>
+            </a:prstGeom>
+            <a:ln w="9525" cap="flat" cmpd="sng" algn="ctr">
+              <a:solidFill>
+                <a:schemeClr val="accent3"/>
+              </a:solidFill>
+              <a:prstDash val="dash"/>
+              <a:round/>
+              <a:headEnd type="none" w="med" len="med"/>
+              <a:tailEnd type="none" w="med" len="med"/>
+            </a:ln>
+          </p:spPr>
+          <p:style>
+            <a:lnRef idx="0">
+              <a:scrgbClr r="0" g="0" b="0"/>
+            </a:lnRef>
+            <a:fillRef idx="0">
+              <a:scrgbClr r="0" g="0" b="0"/>
+            </a:fillRef>
+            <a:effectRef idx="0">
+              <a:scrgbClr r="0" g="0" b="0"/>
+            </a:effectRef>
+            <a:fontRef idx="minor">
+              <a:schemeClr val="tx1"/>
+            </a:fontRef>
+          </p:style>
+        </p:cxnSp>
+        <p:cxnSp>
+          <p:nvCxnSpPr>
+            <p:cNvPr id="62" name="直接连接符 61">
               <a:extLst>
-                <a:ext uri="{28A0092B-C50C-407E-A947-70E740481C1C}">
-                  <a14:useLocalDpi xmlns:a14="http://schemas.microsoft.com/office/drawing/2010/main" val="0"/>
+                <a:ext uri="{FF2B5EF4-FFF2-40B4-BE49-F238E27FC236}">
+                  <a16:creationId xmlns:a16="http://schemas.microsoft.com/office/drawing/2014/main" id="{71513585-2402-4773-B202-B5A94B9B4E68}"/>
                 </a:ext>
               </a:extLst>
-            </a:blip>
-            <a:stretch>
-              <a:fillRect/>
-            </a:stretch>
-          </p:blipFill>
+            </p:cNvPr>
+            <p:cNvCxnSpPr>
+              <a:cxnSpLocks/>
+            </p:cNvCxnSpPr>
+            <p:nvPr/>
+          </p:nvCxnSpPr>
           <p:spPr>
             <a:xfrm>
-              <a:off x="7539700" y="2575391"/>
-              <a:ext cx="400050" cy="400050"/>
+              <a:off x="3216948" y="2567469"/>
+              <a:ext cx="1005840" cy="0"/>
             </a:xfrm>
-            <a:prstGeom prst="rect">
+            <a:prstGeom prst="line">
               <a:avLst/>
             </a:prstGeom>
+            <a:ln w="9525" cap="flat" cmpd="sng" algn="ctr">
+              <a:solidFill>
+                <a:schemeClr val="accent3"/>
+              </a:solidFill>
+              <a:prstDash val="dash"/>
+              <a:round/>
+              <a:headEnd type="none" w="med" len="med"/>
+              <a:tailEnd type="none" w="med" len="med"/>
+            </a:ln>
           </p:spPr>
-        </p:pic>
+          <p:style>
+            <a:lnRef idx="0">
+              <a:scrgbClr r="0" g="0" b="0"/>
+            </a:lnRef>
+            <a:fillRef idx="0">
+              <a:scrgbClr r="0" g="0" b="0"/>
+            </a:fillRef>
+            <a:effectRef idx="0">
+              <a:scrgbClr r="0" g="0" b="0"/>
+            </a:effectRef>
+            <a:fontRef idx="minor">
+              <a:schemeClr val="tx1"/>
+            </a:fontRef>
+          </p:style>
+        </p:cxnSp>
+        <p:cxnSp>
+          <p:nvCxnSpPr>
+            <p:cNvPr id="64" name="直接连接符 63">
+              <a:extLst>
+                <a:ext uri="{FF2B5EF4-FFF2-40B4-BE49-F238E27FC236}">
+                  <a16:creationId xmlns:a16="http://schemas.microsoft.com/office/drawing/2014/main" id="{F11B205F-0707-4A55-ACA4-3B1022C2AD5E}"/>
+                </a:ext>
+              </a:extLst>
+            </p:cNvPr>
+            <p:cNvCxnSpPr>
+              <a:cxnSpLocks/>
+            </p:cNvCxnSpPr>
+            <p:nvPr/>
+          </p:nvCxnSpPr>
+          <p:spPr>
+            <a:xfrm flipV="1">
+              <a:off x="2809531" y="2336363"/>
+              <a:ext cx="1371600" cy="0"/>
+            </a:xfrm>
+            <a:prstGeom prst="line">
+              <a:avLst/>
+            </a:prstGeom>
+            <a:ln w="9525" cap="flat" cmpd="sng" algn="ctr">
+              <a:solidFill>
+                <a:schemeClr val="accent3"/>
+              </a:solidFill>
+              <a:prstDash val="dash"/>
+              <a:round/>
+              <a:headEnd type="none" w="med" len="med"/>
+              <a:tailEnd type="none" w="med" len="med"/>
+            </a:ln>
+          </p:spPr>
+          <p:style>
+            <a:lnRef idx="0">
+              <a:scrgbClr r="0" g="0" b="0"/>
+            </a:lnRef>
+            <a:fillRef idx="0">
+              <a:scrgbClr r="0" g="0" b="0"/>
+            </a:fillRef>
+            <a:effectRef idx="0">
+              <a:scrgbClr r="0" g="0" b="0"/>
+            </a:effectRef>
+            <a:fontRef idx="minor">
+              <a:schemeClr val="tx1"/>
+            </a:fontRef>
+          </p:style>
+        </p:cxnSp>
+        <p:cxnSp>
+          <p:nvCxnSpPr>
+            <p:cNvPr id="69" name="直接连接符 68">
+              <a:extLst>
+                <a:ext uri="{FF2B5EF4-FFF2-40B4-BE49-F238E27FC236}">
+                  <a16:creationId xmlns:a16="http://schemas.microsoft.com/office/drawing/2014/main" id="{C23963EC-181B-4C8C-91B5-30994438B94F}"/>
+                </a:ext>
+              </a:extLst>
+            </p:cNvPr>
+            <p:cNvCxnSpPr>
+              <a:cxnSpLocks/>
+            </p:cNvCxnSpPr>
+            <p:nvPr/>
+          </p:nvCxnSpPr>
+          <p:spPr>
+            <a:xfrm>
+              <a:off x="2815007" y="2094618"/>
+              <a:ext cx="1371600" cy="0"/>
+            </a:xfrm>
+            <a:prstGeom prst="line">
+              <a:avLst/>
+            </a:prstGeom>
+            <a:ln w="9525" cap="flat" cmpd="sng" algn="ctr">
+              <a:solidFill>
+                <a:schemeClr val="accent3"/>
+              </a:solidFill>
+              <a:prstDash val="dash"/>
+              <a:round/>
+              <a:headEnd type="none" w="med" len="med"/>
+              <a:tailEnd type="none" w="med" len="med"/>
+            </a:ln>
+          </p:spPr>
+          <p:style>
+            <a:lnRef idx="0">
+              <a:scrgbClr r="0" g="0" b="0"/>
+            </a:lnRef>
+            <a:fillRef idx="0">
+              <a:scrgbClr r="0" g="0" b="0"/>
+            </a:fillRef>
+            <a:effectRef idx="0">
+              <a:scrgbClr r="0" g="0" b="0"/>
+            </a:effectRef>
+            <a:fontRef idx="minor">
+              <a:schemeClr val="tx1"/>
+            </a:fontRef>
+          </p:style>
+        </p:cxnSp>
+        <p:cxnSp>
+          <p:nvCxnSpPr>
+            <p:cNvPr id="83" name="直接连接符 82">
+              <a:extLst>
+                <a:ext uri="{FF2B5EF4-FFF2-40B4-BE49-F238E27FC236}">
+                  <a16:creationId xmlns:a16="http://schemas.microsoft.com/office/drawing/2014/main" id="{2B1DA2A3-4ED3-4440-94B7-BBD22FB36479}"/>
+                </a:ext>
+              </a:extLst>
+            </p:cNvPr>
+            <p:cNvCxnSpPr>
+              <a:cxnSpLocks/>
+              <a:endCxn id="15" idx="3"/>
+            </p:cNvCxnSpPr>
+            <p:nvPr/>
+          </p:nvCxnSpPr>
+          <p:spPr>
+            <a:xfrm flipH="1" flipV="1">
+              <a:off x="2815007" y="1628327"/>
+              <a:ext cx="401941" cy="237926"/>
+            </a:xfrm>
+            <a:prstGeom prst="line">
+              <a:avLst/>
+            </a:prstGeom>
+            <a:ln w="9525" cap="flat" cmpd="sng" algn="ctr">
+              <a:solidFill>
+                <a:schemeClr val="accent3"/>
+              </a:solidFill>
+              <a:prstDash val="dash"/>
+              <a:round/>
+              <a:headEnd type="none" w="med" len="med"/>
+              <a:tailEnd type="none" w="med" len="med"/>
+            </a:ln>
+          </p:spPr>
+          <p:style>
+            <a:lnRef idx="0">
+              <a:scrgbClr r="0" g="0" b="0"/>
+            </a:lnRef>
+            <a:fillRef idx="0">
+              <a:scrgbClr r="0" g="0" b="0"/>
+            </a:fillRef>
+            <a:effectRef idx="0">
+              <a:scrgbClr r="0" g="0" b="0"/>
+            </a:effectRef>
+            <a:fontRef idx="minor">
+              <a:schemeClr val="tx1"/>
+            </a:fontRef>
+          </p:style>
+        </p:cxnSp>
+        <p:cxnSp>
+          <p:nvCxnSpPr>
+            <p:cNvPr id="86" name="直接连接符 85">
+              <a:extLst>
+                <a:ext uri="{FF2B5EF4-FFF2-40B4-BE49-F238E27FC236}">
+                  <a16:creationId xmlns:a16="http://schemas.microsoft.com/office/drawing/2014/main" id="{1DDB23F1-BC13-4F76-9BE4-AB93E1600A98}"/>
+                </a:ext>
+              </a:extLst>
+            </p:cNvPr>
+            <p:cNvCxnSpPr>
+              <a:cxnSpLocks/>
+              <a:endCxn id="21" idx="3"/>
+            </p:cNvCxnSpPr>
+            <p:nvPr/>
+          </p:nvCxnSpPr>
+          <p:spPr>
+            <a:xfrm flipH="1">
+              <a:off x="2815007" y="2567469"/>
+              <a:ext cx="401940" cy="234636"/>
+            </a:xfrm>
+            <a:prstGeom prst="line">
+              <a:avLst/>
+            </a:prstGeom>
+            <a:ln w="9525" cap="flat" cmpd="sng" algn="ctr">
+              <a:solidFill>
+                <a:schemeClr val="accent3"/>
+              </a:solidFill>
+              <a:prstDash val="dash"/>
+              <a:round/>
+              <a:headEnd type="none" w="med" len="med"/>
+              <a:tailEnd type="none" w="med" len="med"/>
+            </a:ln>
+          </p:spPr>
+          <p:style>
+            <a:lnRef idx="0">
+              <a:scrgbClr r="0" g="0" b="0"/>
+            </a:lnRef>
+            <a:fillRef idx="0">
+              <a:scrgbClr r="0" g="0" b="0"/>
+            </a:fillRef>
+            <a:effectRef idx="0">
+              <a:scrgbClr r="0" g="0" b="0"/>
+            </a:effectRef>
+            <a:fontRef idx="minor">
+              <a:schemeClr val="tx1"/>
+            </a:fontRef>
+          </p:style>
+        </p:cxnSp>
+        <p:grpSp>
+          <p:nvGrpSpPr>
+            <p:cNvPr id="18" name="组合 17">
+              <a:extLst>
+                <a:ext uri="{FF2B5EF4-FFF2-40B4-BE49-F238E27FC236}">
+                  <a16:creationId xmlns:a16="http://schemas.microsoft.com/office/drawing/2014/main" id="{57387AA5-5F0B-4730-9254-B2727F78AF6F}"/>
+                </a:ext>
+              </a:extLst>
+            </p:cNvPr>
+            <p:cNvGrpSpPr/>
+            <p:nvPr/>
+          </p:nvGrpSpPr>
+          <p:grpSpPr>
+            <a:xfrm>
+              <a:off x="8666513" y="1077565"/>
+              <a:ext cx="400050" cy="2272332"/>
+              <a:chOff x="7539700" y="1077565"/>
+              <a:chExt cx="400050" cy="2272332"/>
+            </a:xfrm>
+          </p:grpSpPr>
+          <p:pic>
+            <p:nvPicPr>
+              <p:cNvPr id="13" name="图片 12">
+                <a:extLst>
+                  <a:ext uri="{FF2B5EF4-FFF2-40B4-BE49-F238E27FC236}">
+                    <a16:creationId xmlns:a16="http://schemas.microsoft.com/office/drawing/2014/main" id="{4024C4B6-F1AB-4297-AED4-F76AA51CF6A0}"/>
+                  </a:ext>
+                </a:extLst>
+              </p:cNvPr>
+              <p:cNvPicPr>
+                <a:picLocks noChangeAspect="1"/>
+              </p:cNvPicPr>
+              <p:nvPr/>
+            </p:nvPicPr>
+            <p:blipFill>
+              <a:blip r:embed="rId7">
+                <a:extLst>
+                  <a:ext uri="{28A0092B-C50C-407E-A947-70E740481C1C}">
+                    <a14:useLocalDpi xmlns:a14="http://schemas.microsoft.com/office/drawing/2010/main" val="0"/>
+                  </a:ext>
+                </a:extLst>
+              </a:blip>
+              <a:stretch>
+                <a:fillRect/>
+              </a:stretch>
+            </p:blipFill>
+            <p:spPr>
+              <a:xfrm>
+                <a:off x="7539700" y="2949847"/>
+                <a:ext cx="400050" cy="400050"/>
+              </a:xfrm>
+              <a:prstGeom prst="rect">
+                <a:avLst/>
+              </a:prstGeom>
+            </p:spPr>
+          </p:pic>
+          <p:pic>
+            <p:nvPicPr>
+              <p:cNvPr id="16" name="图片 15">
+                <a:extLst>
+                  <a:ext uri="{FF2B5EF4-FFF2-40B4-BE49-F238E27FC236}">
+                    <a16:creationId xmlns:a16="http://schemas.microsoft.com/office/drawing/2014/main" id="{88BF9D0F-EA84-4D6D-86A2-F5D93E379A03}"/>
+                  </a:ext>
+                </a:extLst>
+              </p:cNvPr>
+              <p:cNvPicPr>
+                <a:picLocks noChangeAspect="1"/>
+              </p:cNvPicPr>
+              <p:nvPr/>
+            </p:nvPicPr>
+            <p:blipFill>
+              <a:blip r:embed="rId8">
+                <a:extLst>
+                  <a:ext uri="{28A0092B-C50C-407E-A947-70E740481C1C}">
+                    <a14:useLocalDpi xmlns:a14="http://schemas.microsoft.com/office/drawing/2010/main" val="0"/>
+                  </a:ext>
+                </a:extLst>
+              </a:blip>
+              <a:stretch>
+                <a:fillRect/>
+              </a:stretch>
+            </p:blipFill>
+            <p:spPr>
+              <a:xfrm>
+                <a:off x="7539700" y="1077565"/>
+                <a:ext cx="400050" cy="400050"/>
+              </a:xfrm>
+              <a:prstGeom prst="rect">
+                <a:avLst/>
+              </a:prstGeom>
+            </p:spPr>
+          </p:pic>
+          <p:pic>
+            <p:nvPicPr>
+              <p:cNvPr id="20" name="图片 19">
+                <a:extLst>
+                  <a:ext uri="{FF2B5EF4-FFF2-40B4-BE49-F238E27FC236}">
+                    <a16:creationId xmlns:a16="http://schemas.microsoft.com/office/drawing/2014/main" id="{FD507FA7-479F-463D-9A86-9252F46244B8}"/>
+                  </a:ext>
+                </a:extLst>
+              </p:cNvPr>
+              <p:cNvPicPr>
+                <a:picLocks noChangeAspect="1"/>
+              </p:cNvPicPr>
+              <p:nvPr/>
+            </p:nvPicPr>
+            <p:blipFill>
+              <a:blip r:embed="rId9">
+                <a:extLst>
+                  <a:ext uri="{28A0092B-C50C-407E-A947-70E740481C1C}">
+                    <a14:useLocalDpi xmlns:a14="http://schemas.microsoft.com/office/drawing/2010/main" val="0"/>
+                  </a:ext>
+                </a:extLst>
+              </a:blip>
+              <a:stretch>
+                <a:fillRect/>
+              </a:stretch>
+            </p:blipFill>
+            <p:spPr>
+              <a:xfrm>
+                <a:off x="7539700" y="1452021"/>
+                <a:ext cx="400050" cy="400050"/>
+              </a:xfrm>
+              <a:prstGeom prst="rect">
+                <a:avLst/>
+              </a:prstGeom>
+            </p:spPr>
+          </p:pic>
+          <p:pic>
+            <p:nvPicPr>
+              <p:cNvPr id="23" name="图片 22">
+                <a:extLst>
+                  <a:ext uri="{FF2B5EF4-FFF2-40B4-BE49-F238E27FC236}">
+                    <a16:creationId xmlns:a16="http://schemas.microsoft.com/office/drawing/2014/main" id="{4D10176D-A5F5-4306-A4FC-F8A53BFED3C0}"/>
+                  </a:ext>
+                </a:extLst>
+              </p:cNvPr>
+              <p:cNvPicPr>
+                <a:picLocks noChangeAspect="1"/>
+              </p:cNvPicPr>
+              <p:nvPr/>
+            </p:nvPicPr>
+            <p:blipFill>
+              <a:blip r:embed="rId10">
+                <a:extLst>
+                  <a:ext uri="{28A0092B-C50C-407E-A947-70E740481C1C}">
+                    <a14:useLocalDpi xmlns:a14="http://schemas.microsoft.com/office/drawing/2010/main" val="0"/>
+                  </a:ext>
+                </a:extLst>
+              </a:blip>
+              <a:stretch>
+                <a:fillRect/>
+              </a:stretch>
+            </p:blipFill>
+            <p:spPr>
+              <a:xfrm>
+                <a:off x="7539700" y="1826478"/>
+                <a:ext cx="400050" cy="400050"/>
+              </a:xfrm>
+              <a:prstGeom prst="rect">
+                <a:avLst/>
+              </a:prstGeom>
+            </p:spPr>
+          </p:pic>
+          <p:pic>
+            <p:nvPicPr>
+              <p:cNvPr id="29" name="图片 28">
+                <a:extLst>
+                  <a:ext uri="{FF2B5EF4-FFF2-40B4-BE49-F238E27FC236}">
+                    <a16:creationId xmlns:a16="http://schemas.microsoft.com/office/drawing/2014/main" id="{5D4FC4BC-CD1C-46DC-9099-E7D46F539C43}"/>
+                  </a:ext>
+                </a:extLst>
+              </p:cNvPr>
+              <p:cNvPicPr>
+                <a:picLocks noChangeAspect="1"/>
+              </p:cNvPicPr>
+              <p:nvPr/>
+            </p:nvPicPr>
+            <p:blipFill>
+              <a:blip r:embed="rId11">
+                <a:extLst>
+                  <a:ext uri="{28A0092B-C50C-407E-A947-70E740481C1C}">
+                    <a14:useLocalDpi xmlns:a14="http://schemas.microsoft.com/office/drawing/2010/main" val="0"/>
+                  </a:ext>
+                </a:extLst>
+              </a:blip>
+              <a:stretch>
+                <a:fillRect/>
+              </a:stretch>
+            </p:blipFill>
+            <p:spPr>
+              <a:xfrm>
+                <a:off x="7539700" y="2200934"/>
+                <a:ext cx="400050" cy="400050"/>
+              </a:xfrm>
+              <a:prstGeom prst="rect">
+                <a:avLst/>
+              </a:prstGeom>
+            </p:spPr>
+          </p:pic>
+          <p:pic>
+            <p:nvPicPr>
+              <p:cNvPr id="31" name="图片 30">
+                <a:extLst>
+                  <a:ext uri="{FF2B5EF4-FFF2-40B4-BE49-F238E27FC236}">
+                    <a16:creationId xmlns:a16="http://schemas.microsoft.com/office/drawing/2014/main" id="{81E5315C-9E58-4CD1-A5D0-FC21BECB8B68}"/>
+                  </a:ext>
+                </a:extLst>
+              </p:cNvPr>
+              <p:cNvPicPr>
+                <a:picLocks noChangeAspect="1"/>
+              </p:cNvPicPr>
+              <p:nvPr/>
+            </p:nvPicPr>
+            <p:blipFill>
+              <a:blip r:embed="rId12">
+                <a:extLst>
+                  <a:ext uri="{28A0092B-C50C-407E-A947-70E740481C1C}">
+                    <a14:useLocalDpi xmlns:a14="http://schemas.microsoft.com/office/drawing/2010/main" val="0"/>
+                  </a:ext>
+                </a:extLst>
+              </a:blip>
+              <a:stretch>
+                <a:fillRect/>
+              </a:stretch>
+            </p:blipFill>
+            <p:spPr>
+              <a:xfrm>
+                <a:off x="7539700" y="2575391"/>
+                <a:ext cx="400050" cy="400050"/>
+              </a:xfrm>
+              <a:prstGeom prst="rect">
+                <a:avLst/>
+              </a:prstGeom>
+            </p:spPr>
+          </p:pic>
+        </p:grpSp>
+        <p:cxnSp>
+          <p:nvCxnSpPr>
+            <p:cNvPr id="3" name="直接连接符 2">
+              <a:extLst>
+                <a:ext uri="{FF2B5EF4-FFF2-40B4-BE49-F238E27FC236}">
+                  <a16:creationId xmlns:a16="http://schemas.microsoft.com/office/drawing/2014/main" id="{5074428D-0BBB-4F5A-87EB-58C291247539}"/>
+                </a:ext>
+              </a:extLst>
+            </p:cNvPr>
+            <p:cNvCxnSpPr>
+              <a:cxnSpLocks/>
+            </p:cNvCxnSpPr>
+            <p:nvPr/>
+          </p:nvCxnSpPr>
+          <p:spPr>
+            <a:xfrm flipH="1" flipV="1">
+              <a:off x="7638445" y="2033063"/>
+              <a:ext cx="1005840" cy="1060"/>
+            </a:xfrm>
+            <a:prstGeom prst="line">
+              <a:avLst/>
+            </a:prstGeom>
+            <a:ln w="9525" cap="flat" cmpd="sng" algn="ctr">
+              <a:solidFill>
+                <a:schemeClr val="accent3"/>
+              </a:solidFill>
+              <a:prstDash val="dash"/>
+              <a:round/>
+              <a:headEnd type="none" w="med" len="med"/>
+              <a:tailEnd type="none" w="med" len="med"/>
+            </a:ln>
+          </p:spPr>
+          <p:style>
+            <a:lnRef idx="0">
+              <a:scrgbClr r="0" g="0" b="0"/>
+            </a:lnRef>
+            <a:fillRef idx="0">
+              <a:scrgbClr r="0" g="0" b="0"/>
+            </a:fillRef>
+            <a:effectRef idx="0">
+              <a:scrgbClr r="0" g="0" b="0"/>
+            </a:effectRef>
+            <a:fontRef idx="minor">
+              <a:schemeClr val="tx1"/>
+            </a:fontRef>
+          </p:style>
+        </p:cxnSp>
+        <p:cxnSp>
+          <p:nvCxnSpPr>
+            <p:cNvPr id="30" name="直接连接符 29">
+              <a:extLst>
+                <a:ext uri="{FF2B5EF4-FFF2-40B4-BE49-F238E27FC236}">
+                  <a16:creationId xmlns:a16="http://schemas.microsoft.com/office/drawing/2014/main" id="{2B7B0A3A-1722-47D9-A35D-CC9B531A4222}"/>
+                </a:ext>
+              </a:extLst>
+            </p:cNvPr>
+            <p:cNvCxnSpPr>
+              <a:cxnSpLocks/>
+            </p:cNvCxnSpPr>
+            <p:nvPr/>
+          </p:nvCxnSpPr>
+          <p:spPr>
+            <a:xfrm flipH="1" flipV="1">
+              <a:off x="7657999" y="2374612"/>
+              <a:ext cx="1005840" cy="1060"/>
+            </a:xfrm>
+            <a:prstGeom prst="line">
+              <a:avLst/>
+            </a:prstGeom>
+            <a:ln w="9525" cap="flat" cmpd="sng" algn="ctr">
+              <a:solidFill>
+                <a:schemeClr val="accent3"/>
+              </a:solidFill>
+              <a:prstDash val="dash"/>
+              <a:round/>
+              <a:headEnd type="none" w="med" len="med"/>
+              <a:tailEnd type="none" w="med" len="med"/>
+            </a:ln>
+          </p:spPr>
+          <p:style>
+            <a:lnRef idx="0">
+              <a:scrgbClr r="0" g="0" b="0"/>
+            </a:lnRef>
+            <a:fillRef idx="0">
+              <a:scrgbClr r="0" g="0" b="0"/>
+            </a:fillRef>
+            <a:effectRef idx="0">
+              <a:scrgbClr r="0" g="0" b="0"/>
+            </a:effectRef>
+            <a:fontRef idx="minor">
+              <a:schemeClr val="tx1"/>
+            </a:fontRef>
+          </p:style>
+        </p:cxnSp>
+        <p:cxnSp>
+          <p:nvCxnSpPr>
+            <p:cNvPr id="32" name="直接连接符 31">
+              <a:extLst>
+                <a:ext uri="{FF2B5EF4-FFF2-40B4-BE49-F238E27FC236}">
+                  <a16:creationId xmlns:a16="http://schemas.microsoft.com/office/drawing/2014/main" id="{BAC644B3-4454-4B43-88E6-EFFEE344099A}"/>
+                </a:ext>
+              </a:extLst>
+            </p:cNvPr>
+            <p:cNvCxnSpPr>
+              <a:cxnSpLocks/>
+            </p:cNvCxnSpPr>
+            <p:nvPr/>
+          </p:nvCxnSpPr>
+          <p:spPr>
+            <a:xfrm flipH="1" flipV="1">
+              <a:off x="7638445" y="1740646"/>
+              <a:ext cx="1005840" cy="1060"/>
+            </a:xfrm>
+            <a:prstGeom prst="line">
+              <a:avLst/>
+            </a:prstGeom>
+            <a:ln w="9525" cap="flat" cmpd="sng" algn="ctr">
+              <a:solidFill>
+                <a:schemeClr val="accent3"/>
+              </a:solidFill>
+              <a:prstDash val="dash"/>
+              <a:round/>
+              <a:headEnd type="none" w="med" len="med"/>
+              <a:tailEnd type="none" w="med" len="med"/>
+            </a:ln>
+          </p:spPr>
+          <p:style>
+            <a:lnRef idx="0">
+              <a:scrgbClr r="0" g="0" b="0"/>
+            </a:lnRef>
+            <a:fillRef idx="0">
+              <a:scrgbClr r="0" g="0" b="0"/>
+            </a:fillRef>
+            <a:effectRef idx="0">
+              <a:scrgbClr r="0" g="0" b="0"/>
+            </a:effectRef>
+            <a:fontRef idx="minor">
+              <a:schemeClr val="tx1"/>
+            </a:fontRef>
+          </p:style>
+        </p:cxnSp>
+        <p:cxnSp>
+          <p:nvCxnSpPr>
+            <p:cNvPr id="33" name="直接连接符 32">
+              <a:extLst>
+                <a:ext uri="{FF2B5EF4-FFF2-40B4-BE49-F238E27FC236}">
+                  <a16:creationId xmlns:a16="http://schemas.microsoft.com/office/drawing/2014/main" id="{234C9E4B-F871-4A22-8E7E-B1EB0588C2EB}"/>
+                </a:ext>
+              </a:extLst>
+            </p:cNvPr>
+            <p:cNvCxnSpPr>
+              <a:cxnSpLocks/>
+            </p:cNvCxnSpPr>
+            <p:nvPr/>
+          </p:nvCxnSpPr>
+          <p:spPr>
+            <a:xfrm flipH="1" flipV="1">
+              <a:off x="7631884" y="2698967"/>
+              <a:ext cx="1005840" cy="1060"/>
+            </a:xfrm>
+            <a:prstGeom prst="line">
+              <a:avLst/>
+            </a:prstGeom>
+            <a:ln w="9525" cap="flat" cmpd="sng" algn="ctr">
+              <a:solidFill>
+                <a:schemeClr val="accent3"/>
+              </a:solidFill>
+              <a:prstDash val="dash"/>
+              <a:round/>
+              <a:headEnd type="none" w="med" len="med"/>
+              <a:tailEnd type="none" w="med" len="med"/>
+            </a:ln>
+          </p:spPr>
+          <p:style>
+            <a:lnRef idx="0">
+              <a:scrgbClr r="0" g="0" b="0"/>
+            </a:lnRef>
+            <a:fillRef idx="0">
+              <a:scrgbClr r="0" g="0" b="0"/>
+            </a:fillRef>
+            <a:effectRef idx="0">
+              <a:scrgbClr r="0" g="0" b="0"/>
+            </a:effectRef>
+            <a:fontRef idx="minor">
+              <a:schemeClr val="tx1"/>
+            </a:fontRef>
+          </p:style>
+        </p:cxnSp>
+        <p:cxnSp>
+          <p:nvCxnSpPr>
+            <p:cNvPr id="34" name="直接连接符 33">
+              <a:extLst>
+                <a:ext uri="{FF2B5EF4-FFF2-40B4-BE49-F238E27FC236}">
+                  <a16:creationId xmlns:a16="http://schemas.microsoft.com/office/drawing/2014/main" id="{E0D34733-893D-4133-BE32-E61C91883171}"/>
+                </a:ext>
+              </a:extLst>
+            </p:cNvPr>
+            <p:cNvCxnSpPr>
+              <a:cxnSpLocks/>
+            </p:cNvCxnSpPr>
+            <p:nvPr/>
+          </p:nvCxnSpPr>
+          <p:spPr>
+            <a:xfrm flipH="1" flipV="1">
+              <a:off x="7628847" y="2971819"/>
+              <a:ext cx="685800" cy="1060"/>
+            </a:xfrm>
+            <a:prstGeom prst="line">
+              <a:avLst/>
+            </a:prstGeom>
+            <a:ln w="9525" cap="flat" cmpd="sng" algn="ctr">
+              <a:solidFill>
+                <a:schemeClr val="accent3"/>
+              </a:solidFill>
+              <a:prstDash val="dash"/>
+              <a:round/>
+              <a:headEnd type="none" w="med" len="med"/>
+              <a:tailEnd type="none" w="med" len="med"/>
+            </a:ln>
+          </p:spPr>
+          <p:style>
+            <a:lnRef idx="0">
+              <a:scrgbClr r="0" g="0" b="0"/>
+            </a:lnRef>
+            <a:fillRef idx="0">
+              <a:scrgbClr r="0" g="0" b="0"/>
+            </a:fillRef>
+            <a:effectRef idx="0">
+              <a:scrgbClr r="0" g="0" b="0"/>
+            </a:effectRef>
+            <a:fontRef idx="minor">
+              <a:schemeClr val="tx1"/>
+            </a:fontRef>
+          </p:style>
+        </p:cxnSp>
+        <p:cxnSp>
+          <p:nvCxnSpPr>
+            <p:cNvPr id="35" name="直接连接符 34">
+              <a:extLst>
+                <a:ext uri="{FF2B5EF4-FFF2-40B4-BE49-F238E27FC236}">
+                  <a16:creationId xmlns:a16="http://schemas.microsoft.com/office/drawing/2014/main" id="{04DA63C9-5B8F-4153-8FCE-50B415E39115}"/>
+                </a:ext>
+              </a:extLst>
+            </p:cNvPr>
+            <p:cNvCxnSpPr>
+              <a:cxnSpLocks/>
+            </p:cNvCxnSpPr>
+            <p:nvPr/>
+          </p:nvCxnSpPr>
+          <p:spPr>
+            <a:xfrm flipH="1" flipV="1">
+              <a:off x="7629546" y="1457636"/>
+              <a:ext cx="685800" cy="1060"/>
+            </a:xfrm>
+            <a:prstGeom prst="line">
+              <a:avLst/>
+            </a:prstGeom>
+            <a:ln w="9525" cap="flat" cmpd="sng" algn="ctr">
+              <a:solidFill>
+                <a:schemeClr val="accent3"/>
+              </a:solidFill>
+              <a:prstDash val="dash"/>
+              <a:round/>
+              <a:headEnd type="none" w="med" len="med"/>
+              <a:tailEnd type="none" w="med" len="med"/>
+            </a:ln>
+          </p:spPr>
+          <p:style>
+            <a:lnRef idx="0">
+              <a:scrgbClr r="0" g="0" b="0"/>
+            </a:lnRef>
+            <a:fillRef idx="0">
+              <a:scrgbClr r="0" g="0" b="0"/>
+            </a:fillRef>
+            <a:effectRef idx="0">
+              <a:scrgbClr r="0" g="0" b="0"/>
+            </a:effectRef>
+            <a:fontRef idx="minor">
+              <a:schemeClr val="tx1"/>
+            </a:fontRef>
+          </p:style>
+        </p:cxnSp>
+        <p:cxnSp>
+          <p:nvCxnSpPr>
+            <p:cNvPr id="9" name="直接连接符 8">
+              <a:extLst>
+                <a:ext uri="{FF2B5EF4-FFF2-40B4-BE49-F238E27FC236}">
+                  <a16:creationId xmlns:a16="http://schemas.microsoft.com/office/drawing/2014/main" id="{E50FDFEA-C91C-4CBB-8B1A-1E2155BC3C6E}"/>
+                </a:ext>
+              </a:extLst>
+            </p:cNvPr>
+            <p:cNvCxnSpPr>
+              <a:cxnSpLocks/>
+              <a:endCxn id="16" idx="1"/>
+            </p:cNvCxnSpPr>
+            <p:nvPr/>
+          </p:nvCxnSpPr>
+          <p:spPr>
+            <a:xfrm flipV="1">
+              <a:off x="8332659" y="1277590"/>
+              <a:ext cx="333854" cy="174432"/>
+            </a:xfrm>
+            <a:prstGeom prst="line">
+              <a:avLst/>
+            </a:prstGeom>
+            <a:ln w="9525" cap="flat" cmpd="sng" algn="ctr">
+              <a:solidFill>
+                <a:schemeClr val="accent3"/>
+              </a:solidFill>
+              <a:prstDash val="dash"/>
+              <a:round/>
+              <a:headEnd type="none" w="med" len="med"/>
+              <a:tailEnd type="none" w="med" len="med"/>
+            </a:ln>
+          </p:spPr>
+          <p:style>
+            <a:lnRef idx="0">
+              <a:scrgbClr r="0" g="0" b="0"/>
+            </a:lnRef>
+            <a:fillRef idx="0">
+              <a:scrgbClr r="0" g="0" b="0"/>
+            </a:fillRef>
+            <a:effectRef idx="0">
+              <a:scrgbClr r="0" g="0" b="0"/>
+            </a:effectRef>
+            <a:fontRef idx="minor">
+              <a:schemeClr val="tx1"/>
+            </a:fontRef>
+          </p:style>
+        </p:cxnSp>
+        <p:cxnSp>
+          <p:nvCxnSpPr>
+            <p:cNvPr id="12" name="直接连接符 11">
+              <a:extLst>
+                <a:ext uri="{FF2B5EF4-FFF2-40B4-BE49-F238E27FC236}">
+                  <a16:creationId xmlns:a16="http://schemas.microsoft.com/office/drawing/2014/main" id="{93F5C06D-A311-41BC-9EFE-BBEDA2D820B8}"/>
+                </a:ext>
+              </a:extLst>
+            </p:cNvPr>
+            <p:cNvCxnSpPr>
+              <a:cxnSpLocks/>
+              <a:endCxn id="13" idx="1"/>
+            </p:cNvCxnSpPr>
+            <p:nvPr/>
+          </p:nvCxnSpPr>
+          <p:spPr>
+            <a:xfrm>
+              <a:off x="8332659" y="2975441"/>
+              <a:ext cx="333854" cy="174431"/>
+            </a:xfrm>
+            <a:prstGeom prst="line">
+              <a:avLst/>
+            </a:prstGeom>
+            <a:ln w="9525" cap="flat" cmpd="sng" algn="ctr">
+              <a:solidFill>
+                <a:schemeClr val="accent3"/>
+              </a:solidFill>
+              <a:prstDash val="dash"/>
+              <a:round/>
+              <a:headEnd type="none" w="med" len="med"/>
+              <a:tailEnd type="none" w="med" len="med"/>
+            </a:ln>
+          </p:spPr>
+          <p:style>
+            <a:lnRef idx="0">
+              <a:scrgbClr r="0" g="0" b="0"/>
+            </a:lnRef>
+            <a:fillRef idx="0">
+              <a:scrgbClr r="0" g="0" b="0"/>
+            </a:fillRef>
+            <a:effectRef idx="0">
+              <a:scrgbClr r="0" g="0" b="0"/>
+            </a:effectRef>
+            <a:fontRef idx="minor">
+              <a:schemeClr val="tx1"/>
+            </a:fontRef>
+          </p:style>
+        </p:cxnSp>
       </p:grpSp>
-      <p:cxnSp>
-        <p:nvCxnSpPr>
-          <p:cNvPr id="3" name="直接连接符 2">
-            <a:extLst>
-              <a:ext uri="{FF2B5EF4-FFF2-40B4-BE49-F238E27FC236}">
-                <a16:creationId xmlns:a16="http://schemas.microsoft.com/office/drawing/2014/main" id="{5074428D-0BBB-4F5A-87EB-58C291247539}"/>
-              </a:ext>
-            </a:extLst>
-          </p:cNvPr>
-          <p:cNvCxnSpPr>
-            <a:cxnSpLocks/>
-          </p:cNvCxnSpPr>
-          <p:nvPr/>
-        </p:nvCxnSpPr>
-        <p:spPr>
-          <a:xfrm flipH="1" flipV="1">
-            <a:off x="7638445" y="2033063"/>
-            <a:ext cx="1005840" cy="1060"/>
-          </a:xfrm>
-          <a:prstGeom prst="line">
-            <a:avLst/>
-          </a:prstGeom>
-          <a:ln w="9525" cap="flat" cmpd="sng" algn="ctr">
-            <a:solidFill>
-              <a:schemeClr val="accent3"/>
-            </a:solidFill>
-            <a:prstDash val="dash"/>
-            <a:round/>
-            <a:headEnd type="none" w="med" len="med"/>
-            <a:tailEnd type="none" w="med" len="med"/>
-          </a:ln>
-        </p:spPr>
-        <p:style>
-          <a:lnRef idx="0">
-            <a:scrgbClr r="0" g="0" b="0"/>
-          </a:lnRef>
-          <a:fillRef idx="0">
-            <a:scrgbClr r="0" g="0" b="0"/>
-          </a:fillRef>
-          <a:effectRef idx="0">
-            <a:scrgbClr r="0" g="0" b="0"/>
-          </a:effectRef>
-          <a:fontRef idx="minor">
-            <a:schemeClr val="tx1"/>
-          </a:fontRef>
-        </p:style>
-      </p:cxnSp>
-      <p:cxnSp>
-        <p:nvCxnSpPr>
-          <p:cNvPr id="30" name="直接连接符 29">
-            <a:extLst>
-              <a:ext uri="{FF2B5EF4-FFF2-40B4-BE49-F238E27FC236}">
-                <a16:creationId xmlns:a16="http://schemas.microsoft.com/office/drawing/2014/main" id="{2B7B0A3A-1722-47D9-A35D-CC9B531A4222}"/>
-              </a:ext>
-            </a:extLst>
-          </p:cNvPr>
-          <p:cNvCxnSpPr>
-            <a:cxnSpLocks/>
-          </p:cNvCxnSpPr>
-          <p:nvPr/>
-        </p:nvCxnSpPr>
-        <p:spPr>
-          <a:xfrm flipH="1" flipV="1">
-            <a:off x="7657999" y="2374612"/>
-            <a:ext cx="1005840" cy="1060"/>
-          </a:xfrm>
-          <a:prstGeom prst="line">
-            <a:avLst/>
-          </a:prstGeom>
-          <a:ln w="9525" cap="flat" cmpd="sng" algn="ctr">
-            <a:solidFill>
-              <a:schemeClr val="accent3"/>
-            </a:solidFill>
-            <a:prstDash val="dash"/>
-            <a:round/>
-            <a:headEnd type="none" w="med" len="med"/>
-            <a:tailEnd type="none" w="med" len="med"/>
-          </a:ln>
-        </p:spPr>
-        <p:style>
-          <a:lnRef idx="0">
-            <a:scrgbClr r="0" g="0" b="0"/>
-          </a:lnRef>
-          <a:fillRef idx="0">
-            <a:scrgbClr r="0" g="0" b="0"/>
-          </a:fillRef>
-          <a:effectRef idx="0">
-            <a:scrgbClr r="0" g="0" b="0"/>
-          </a:effectRef>
-          <a:fontRef idx="minor">
-            <a:schemeClr val="tx1"/>
-          </a:fontRef>
-        </p:style>
-      </p:cxnSp>
-      <p:cxnSp>
-        <p:nvCxnSpPr>
-          <p:cNvPr id="32" name="直接连接符 31">
-            <a:extLst>
-              <a:ext uri="{FF2B5EF4-FFF2-40B4-BE49-F238E27FC236}">
-                <a16:creationId xmlns:a16="http://schemas.microsoft.com/office/drawing/2014/main" id="{BAC644B3-4454-4B43-88E6-EFFEE344099A}"/>
-              </a:ext>
-            </a:extLst>
-          </p:cNvPr>
-          <p:cNvCxnSpPr>
-            <a:cxnSpLocks/>
-          </p:cNvCxnSpPr>
-          <p:nvPr/>
-        </p:nvCxnSpPr>
-        <p:spPr>
-          <a:xfrm flipH="1" flipV="1">
-            <a:off x="7638445" y="1740646"/>
-            <a:ext cx="1005840" cy="1060"/>
-          </a:xfrm>
-          <a:prstGeom prst="line">
-            <a:avLst/>
-          </a:prstGeom>
-          <a:ln w="9525" cap="flat" cmpd="sng" algn="ctr">
-            <a:solidFill>
-              <a:schemeClr val="accent3"/>
-            </a:solidFill>
-            <a:prstDash val="dash"/>
-            <a:round/>
-            <a:headEnd type="none" w="med" len="med"/>
-            <a:tailEnd type="none" w="med" len="med"/>
-          </a:ln>
-        </p:spPr>
-        <p:style>
-          <a:lnRef idx="0">
-            <a:scrgbClr r="0" g="0" b="0"/>
-          </a:lnRef>
-          <a:fillRef idx="0">
-            <a:scrgbClr r="0" g="0" b="0"/>
-          </a:fillRef>
-          <a:effectRef idx="0">
-            <a:scrgbClr r="0" g="0" b="0"/>
-          </a:effectRef>
-          <a:fontRef idx="minor">
-            <a:schemeClr val="tx1"/>
-          </a:fontRef>
-        </p:style>
-      </p:cxnSp>
-      <p:cxnSp>
-        <p:nvCxnSpPr>
-          <p:cNvPr id="33" name="直接连接符 32">
-            <a:extLst>
-              <a:ext uri="{FF2B5EF4-FFF2-40B4-BE49-F238E27FC236}">
-                <a16:creationId xmlns:a16="http://schemas.microsoft.com/office/drawing/2014/main" id="{234C9E4B-F871-4A22-8E7E-B1EB0588C2EB}"/>
-              </a:ext>
-            </a:extLst>
-          </p:cNvPr>
-          <p:cNvCxnSpPr>
-            <a:cxnSpLocks/>
-          </p:cNvCxnSpPr>
-          <p:nvPr/>
-        </p:nvCxnSpPr>
-        <p:spPr>
-          <a:xfrm flipH="1" flipV="1">
-            <a:off x="7631884" y="2698967"/>
-            <a:ext cx="1005840" cy="1060"/>
-          </a:xfrm>
-          <a:prstGeom prst="line">
-            <a:avLst/>
-          </a:prstGeom>
-          <a:ln w="9525" cap="flat" cmpd="sng" algn="ctr">
-            <a:solidFill>
-              <a:schemeClr val="accent3"/>
-            </a:solidFill>
-            <a:prstDash val="dash"/>
-            <a:round/>
-            <a:headEnd type="none" w="med" len="med"/>
-            <a:tailEnd type="none" w="med" len="med"/>
-          </a:ln>
-        </p:spPr>
-        <p:style>
-          <a:lnRef idx="0">
-            <a:scrgbClr r="0" g="0" b="0"/>
-          </a:lnRef>
-          <a:fillRef idx="0">
-            <a:scrgbClr r="0" g="0" b="0"/>
-          </a:fillRef>
-          <a:effectRef idx="0">
-            <a:scrgbClr r="0" g="0" b="0"/>
-          </a:effectRef>
-          <a:fontRef idx="minor">
-            <a:schemeClr val="tx1"/>
-          </a:fontRef>
-        </p:style>
-      </p:cxnSp>
-      <p:cxnSp>
-        <p:nvCxnSpPr>
-          <p:cNvPr id="34" name="直接连接符 33">
-            <a:extLst>
-              <a:ext uri="{FF2B5EF4-FFF2-40B4-BE49-F238E27FC236}">
-                <a16:creationId xmlns:a16="http://schemas.microsoft.com/office/drawing/2014/main" id="{E0D34733-893D-4133-BE32-E61C91883171}"/>
-              </a:ext>
-            </a:extLst>
-          </p:cNvPr>
-          <p:cNvCxnSpPr>
-            <a:cxnSpLocks/>
-          </p:cNvCxnSpPr>
-          <p:nvPr/>
-        </p:nvCxnSpPr>
-        <p:spPr>
-          <a:xfrm flipH="1" flipV="1">
-            <a:off x="7628847" y="2971819"/>
-            <a:ext cx="685800" cy="1060"/>
-          </a:xfrm>
-          <a:prstGeom prst="line">
-            <a:avLst/>
-          </a:prstGeom>
-          <a:ln w="9525" cap="flat" cmpd="sng" algn="ctr">
-            <a:solidFill>
-              <a:schemeClr val="accent3"/>
-            </a:solidFill>
-            <a:prstDash val="dash"/>
-            <a:round/>
-            <a:headEnd type="none" w="med" len="med"/>
-            <a:tailEnd type="none" w="med" len="med"/>
-          </a:ln>
-        </p:spPr>
-        <p:style>
-          <a:lnRef idx="0">
-            <a:scrgbClr r="0" g="0" b="0"/>
-          </a:lnRef>
-          <a:fillRef idx="0">
-            <a:scrgbClr r="0" g="0" b="0"/>
-          </a:fillRef>
-          <a:effectRef idx="0">
-            <a:scrgbClr r="0" g="0" b="0"/>
-          </a:effectRef>
-          <a:fontRef idx="minor">
-            <a:schemeClr val="tx1"/>
-          </a:fontRef>
-        </p:style>
-      </p:cxnSp>
-      <p:cxnSp>
-        <p:nvCxnSpPr>
-          <p:cNvPr id="35" name="直接连接符 34">
-            <a:extLst>
-              <a:ext uri="{FF2B5EF4-FFF2-40B4-BE49-F238E27FC236}">
-                <a16:creationId xmlns:a16="http://schemas.microsoft.com/office/drawing/2014/main" id="{04DA63C9-5B8F-4153-8FCE-50B415E39115}"/>
-              </a:ext>
-            </a:extLst>
-          </p:cNvPr>
-          <p:cNvCxnSpPr>
-            <a:cxnSpLocks/>
-          </p:cNvCxnSpPr>
-          <p:nvPr/>
-        </p:nvCxnSpPr>
-        <p:spPr>
-          <a:xfrm flipH="1" flipV="1">
-            <a:off x="7629546" y="1457636"/>
-            <a:ext cx="685800" cy="1060"/>
-          </a:xfrm>
-          <a:prstGeom prst="line">
-            <a:avLst/>
-          </a:prstGeom>
-          <a:ln w="9525" cap="flat" cmpd="sng" algn="ctr">
-            <a:solidFill>
-              <a:schemeClr val="accent3"/>
-            </a:solidFill>
-            <a:prstDash val="dash"/>
-            <a:round/>
-            <a:headEnd type="none" w="med" len="med"/>
-            <a:tailEnd type="none" w="med" len="med"/>
-          </a:ln>
-        </p:spPr>
-        <p:style>
-          <a:lnRef idx="0">
-            <a:scrgbClr r="0" g="0" b="0"/>
-          </a:lnRef>
-          <a:fillRef idx="0">
-            <a:scrgbClr r="0" g="0" b="0"/>
-          </a:fillRef>
-          <a:effectRef idx="0">
-            <a:scrgbClr r="0" g="0" b="0"/>
-          </a:effectRef>
-          <a:fontRef idx="minor">
-            <a:schemeClr val="tx1"/>
-          </a:fontRef>
-        </p:style>
-      </p:cxnSp>
-      <p:cxnSp>
-        <p:nvCxnSpPr>
-          <p:cNvPr id="9" name="直接连接符 8">
-            <a:extLst>
-              <a:ext uri="{FF2B5EF4-FFF2-40B4-BE49-F238E27FC236}">
-                <a16:creationId xmlns:a16="http://schemas.microsoft.com/office/drawing/2014/main" id="{E50FDFEA-C91C-4CBB-8B1A-1E2155BC3C6E}"/>
-              </a:ext>
-            </a:extLst>
-          </p:cNvPr>
-          <p:cNvCxnSpPr>
-            <a:cxnSpLocks/>
-            <a:endCxn id="16" idx="1"/>
-          </p:cNvCxnSpPr>
-          <p:nvPr/>
-        </p:nvCxnSpPr>
-        <p:spPr>
-          <a:xfrm flipV="1">
-            <a:off x="8332659" y="1277590"/>
-            <a:ext cx="333854" cy="174432"/>
-          </a:xfrm>
-          <a:prstGeom prst="line">
-            <a:avLst/>
-          </a:prstGeom>
-          <a:ln w="9525" cap="flat" cmpd="sng" algn="ctr">
-            <a:solidFill>
-              <a:schemeClr val="accent3"/>
-            </a:solidFill>
-            <a:prstDash val="dash"/>
-            <a:round/>
-            <a:headEnd type="none" w="med" len="med"/>
-            <a:tailEnd type="none" w="med" len="med"/>
-          </a:ln>
-        </p:spPr>
-        <p:style>
-          <a:lnRef idx="0">
-            <a:scrgbClr r="0" g="0" b="0"/>
-          </a:lnRef>
-          <a:fillRef idx="0">
-            <a:scrgbClr r="0" g="0" b="0"/>
-          </a:fillRef>
-          <a:effectRef idx="0">
-            <a:scrgbClr r="0" g="0" b="0"/>
-          </a:effectRef>
-          <a:fontRef idx="minor">
-            <a:schemeClr val="tx1"/>
-          </a:fontRef>
-        </p:style>
-      </p:cxnSp>
-      <p:cxnSp>
-        <p:nvCxnSpPr>
-          <p:cNvPr id="12" name="直接连接符 11">
-            <a:extLst>
-              <a:ext uri="{FF2B5EF4-FFF2-40B4-BE49-F238E27FC236}">
-                <a16:creationId xmlns:a16="http://schemas.microsoft.com/office/drawing/2014/main" id="{93F5C06D-A311-41BC-9EFE-BBEDA2D820B8}"/>
-              </a:ext>
-            </a:extLst>
-          </p:cNvPr>
-          <p:cNvCxnSpPr>
-            <a:cxnSpLocks/>
-            <a:endCxn id="13" idx="1"/>
-          </p:cNvCxnSpPr>
-          <p:nvPr/>
-        </p:nvCxnSpPr>
-        <p:spPr>
-          <a:xfrm>
-            <a:off x="8332659" y="2975441"/>
-            <a:ext cx="333854" cy="174431"/>
-          </a:xfrm>
-          <a:prstGeom prst="line">
-            <a:avLst/>
-          </a:prstGeom>
-          <a:ln w="9525" cap="flat" cmpd="sng" algn="ctr">
-            <a:solidFill>
-              <a:schemeClr val="accent3"/>
-            </a:solidFill>
-            <a:prstDash val="dash"/>
-            <a:round/>
-            <a:headEnd type="none" w="med" len="med"/>
-            <a:tailEnd type="none" w="med" len="med"/>
-          </a:ln>
-        </p:spPr>
-        <p:style>
-          <a:lnRef idx="0">
-            <a:scrgbClr r="0" g="0" b="0"/>
-          </a:lnRef>
-          <a:fillRef idx="0">
-            <a:scrgbClr r="0" g="0" b="0"/>
-          </a:fillRef>
-          <a:effectRef idx="0">
-            <a:scrgbClr r="0" g="0" b="0"/>
-          </a:effectRef>
-          <a:fontRef idx="minor">
-            <a:schemeClr val="tx1"/>
-          </a:fontRef>
-        </p:style>
-      </p:cxnSp>
       <p:grpSp>
         <p:nvGrpSpPr>
           <p:cNvPr id="22" name="组合 21">
@@ -4993,7 +5034,7 @@
                 <a:ea typeface="Microsoft JhengHei Light" panose="020B0304030504040204" pitchFamily="34" charset="-120"/>
                 <a:cs typeface="Leelawadee UI" panose="020B0502040204020203" pitchFamily="34" charset="-34"/>
               </a:rPr>
-              <a:t>serial data input;data input/output in 3-wire mode</a:t>
+              <a:t>serial data input; data input/output in 3-wire mode</a:t>
             </a:r>
             <a:endParaRPr lang="en-US" sz="1600">
               <a:latin typeface="Leelawadee UI" panose="020B0502040204020203" pitchFamily="34" charset="-34"/>
@@ -5028,7 +5069,7 @@
                 <a:ea typeface="Microsoft JhengHei Light" panose="020B0304030504040204" pitchFamily="34" charset="-120"/>
                 <a:cs typeface="Leelawadee UI" panose="020B0502040204020203" pitchFamily="34" charset="-34"/>
               </a:rPr>
-              <a:t>SDO: serial data output;hi-Z in 3-wire mode</a:t>
+              <a:t>SDO: serial data output; hi-Z in 3-wire mode</a:t>
             </a:r>
           </a:p>
           <a:p>
@@ -5172,6 +5213,1431 @@
     <p:extLst>
       <p:ext uri="{BB962C8B-B14F-4D97-AF65-F5344CB8AC3E}">
         <p14:creationId xmlns:p14="http://schemas.microsoft.com/office/powerpoint/2010/main" val="2496173998"/>
+      </p:ext>
+    </p:extLst>
+  </p:cSld>
+  <p:clrMapOvr>
+    <a:masterClrMapping/>
+  </p:clrMapOvr>
+</p:sld>
+</file>
+
+<file path=ppt/slides/slide2.xml><?xml version="1.0" encoding="utf-8"?>
+<p:sld xmlns:a="http://schemas.openxmlformats.org/drawingml/2006/main" xmlns:r="http://schemas.openxmlformats.org/officeDocument/2006/relationships" xmlns:p="http://schemas.openxmlformats.org/presentationml/2006/main">
+  <p:cSld>
+    <p:spTree>
+      <p:nvGrpSpPr>
+        <p:cNvPr id="1" name=""/>
+        <p:cNvGrpSpPr/>
+        <p:nvPr/>
+      </p:nvGrpSpPr>
+      <p:grpSpPr>
+        <a:xfrm>
+          <a:off x="0" y="0"/>
+          <a:ext cx="0" cy="0"/>
+          <a:chOff x="0" y="0"/>
+          <a:chExt cx="0" cy="0"/>
+        </a:xfrm>
+      </p:grpSpPr>
+      <p:pic>
+        <p:nvPicPr>
+          <p:cNvPr id="4" name="图片 3">
+            <a:extLst>
+              <a:ext uri="{FF2B5EF4-FFF2-40B4-BE49-F238E27FC236}">
+                <a16:creationId xmlns:a16="http://schemas.microsoft.com/office/drawing/2014/main" id="{E53834D6-68A9-457E-A183-07326EF81CB9}"/>
+              </a:ext>
+            </a:extLst>
+          </p:cNvPr>
+          <p:cNvPicPr>
+            <a:picLocks noChangeAspect="1"/>
+          </p:cNvPicPr>
+          <p:nvPr/>
+        </p:nvPicPr>
+        <p:blipFill>
+          <a:blip r:embed="rId2">
+            <a:extLst>
+              <a:ext uri="{28A0092B-C50C-407E-A947-70E740481C1C}">
+                <a14:useLocalDpi xmlns:a14="http://schemas.microsoft.com/office/drawing/2010/main" val="0"/>
+              </a:ext>
+            </a:extLst>
+          </a:blip>
+          <a:stretch>
+            <a:fillRect/>
+          </a:stretch>
+        </p:blipFill>
+        <p:spPr>
+          <a:xfrm rot="5400000">
+            <a:off x="2972034" y="1034193"/>
+            <a:ext cx="5693934" cy="4270451"/>
+          </a:xfrm>
+          <a:prstGeom prst="rect">
+            <a:avLst/>
+          </a:prstGeom>
+        </p:spPr>
+      </p:pic>
+      <p:cxnSp>
+        <p:nvCxnSpPr>
+          <p:cNvPr id="59" name="直接连接符 58">
+            <a:extLst>
+              <a:ext uri="{FF2B5EF4-FFF2-40B4-BE49-F238E27FC236}">
+                <a16:creationId xmlns:a16="http://schemas.microsoft.com/office/drawing/2014/main" id="{554D8D14-D48D-45F6-89A6-634C964B8AE8}"/>
+              </a:ext>
+            </a:extLst>
+          </p:cNvPr>
+          <p:cNvCxnSpPr>
+            <a:cxnSpLocks/>
+          </p:cNvCxnSpPr>
+          <p:nvPr/>
+        </p:nvCxnSpPr>
+        <p:spPr>
+          <a:xfrm>
+            <a:off x="4446593" y="2845455"/>
+            <a:ext cx="1005840" cy="0"/>
+          </a:xfrm>
+          <a:prstGeom prst="line">
+            <a:avLst/>
+          </a:prstGeom>
+          <a:ln w="9525" cap="flat" cmpd="sng" algn="ctr">
+            <a:solidFill>
+              <a:schemeClr val="accent3"/>
+            </a:solidFill>
+            <a:prstDash val="dash"/>
+            <a:round/>
+            <a:headEnd type="none" w="med" len="med"/>
+            <a:tailEnd type="none" w="med" len="med"/>
+          </a:ln>
+        </p:spPr>
+        <p:style>
+          <a:lnRef idx="0">
+            <a:scrgbClr r="0" g="0" b="0"/>
+          </a:lnRef>
+          <a:fillRef idx="0">
+            <a:scrgbClr r="0" g="0" b="0"/>
+          </a:fillRef>
+          <a:effectRef idx="0">
+            <a:scrgbClr r="0" g="0" b="0"/>
+          </a:effectRef>
+          <a:fontRef idx="minor">
+            <a:schemeClr val="tx1"/>
+          </a:fontRef>
+        </p:style>
+      </p:cxnSp>
+      <p:cxnSp>
+        <p:nvCxnSpPr>
+          <p:cNvPr id="62" name="直接连接符 61">
+            <a:extLst>
+              <a:ext uri="{FF2B5EF4-FFF2-40B4-BE49-F238E27FC236}">
+                <a16:creationId xmlns:a16="http://schemas.microsoft.com/office/drawing/2014/main" id="{71513585-2402-4773-B202-B5A94B9B4E68}"/>
+              </a:ext>
+            </a:extLst>
+          </p:cNvPr>
+          <p:cNvCxnSpPr>
+            <a:cxnSpLocks/>
+          </p:cNvCxnSpPr>
+          <p:nvPr/>
+        </p:nvCxnSpPr>
+        <p:spPr>
+          <a:xfrm>
+            <a:off x="4430504" y="2972943"/>
+            <a:ext cx="1005840" cy="0"/>
+          </a:xfrm>
+          <a:prstGeom prst="line">
+            <a:avLst/>
+          </a:prstGeom>
+          <a:ln w="9525" cap="flat" cmpd="sng" algn="ctr">
+            <a:solidFill>
+              <a:schemeClr val="accent3"/>
+            </a:solidFill>
+            <a:prstDash val="dash"/>
+            <a:round/>
+            <a:headEnd type="none" w="med" len="med"/>
+            <a:tailEnd type="none" w="med" len="med"/>
+          </a:ln>
+        </p:spPr>
+        <p:style>
+          <a:lnRef idx="0">
+            <a:scrgbClr r="0" g="0" b="0"/>
+          </a:lnRef>
+          <a:fillRef idx="0">
+            <a:scrgbClr r="0" g="0" b="0"/>
+          </a:fillRef>
+          <a:effectRef idx="0">
+            <a:scrgbClr r="0" g="0" b="0"/>
+          </a:effectRef>
+          <a:fontRef idx="minor">
+            <a:schemeClr val="tx1"/>
+          </a:fontRef>
+        </p:style>
+      </p:cxnSp>
+      <p:cxnSp>
+        <p:nvCxnSpPr>
+          <p:cNvPr id="83" name="直接连接符 82">
+            <a:extLst>
+              <a:ext uri="{FF2B5EF4-FFF2-40B4-BE49-F238E27FC236}">
+                <a16:creationId xmlns:a16="http://schemas.microsoft.com/office/drawing/2014/main" id="{2B1DA2A3-4ED3-4440-94B7-BBD22FB36479}"/>
+              </a:ext>
+            </a:extLst>
+          </p:cNvPr>
+          <p:cNvCxnSpPr>
+            <a:cxnSpLocks/>
+          </p:cNvCxnSpPr>
+          <p:nvPr/>
+        </p:nvCxnSpPr>
+        <p:spPr>
+          <a:xfrm flipH="1" flipV="1">
+            <a:off x="4026176" y="2608640"/>
+            <a:ext cx="401941" cy="237926"/>
+          </a:xfrm>
+          <a:prstGeom prst="line">
+            <a:avLst/>
+          </a:prstGeom>
+          <a:ln w="9525" cap="flat" cmpd="sng" algn="ctr">
+            <a:solidFill>
+              <a:schemeClr val="accent3"/>
+            </a:solidFill>
+            <a:prstDash val="dash"/>
+            <a:round/>
+            <a:headEnd type="none" w="med" len="med"/>
+            <a:tailEnd type="none" w="med" len="med"/>
+          </a:ln>
+        </p:spPr>
+        <p:style>
+          <a:lnRef idx="0">
+            <a:scrgbClr r="0" g="0" b="0"/>
+          </a:lnRef>
+          <a:fillRef idx="0">
+            <a:scrgbClr r="0" g="0" b="0"/>
+          </a:fillRef>
+          <a:effectRef idx="0">
+            <a:scrgbClr r="0" g="0" b="0"/>
+          </a:effectRef>
+          <a:fontRef idx="minor">
+            <a:schemeClr val="tx1"/>
+          </a:fontRef>
+        </p:style>
+      </p:cxnSp>
+      <p:cxnSp>
+        <p:nvCxnSpPr>
+          <p:cNvPr id="86" name="直接连接符 85">
+            <a:extLst>
+              <a:ext uri="{FF2B5EF4-FFF2-40B4-BE49-F238E27FC236}">
+                <a16:creationId xmlns:a16="http://schemas.microsoft.com/office/drawing/2014/main" id="{1DDB23F1-BC13-4F76-9BE4-AB93E1600A98}"/>
+              </a:ext>
+            </a:extLst>
+          </p:cNvPr>
+          <p:cNvCxnSpPr>
+            <a:cxnSpLocks/>
+          </p:cNvCxnSpPr>
+          <p:nvPr/>
+        </p:nvCxnSpPr>
+        <p:spPr>
+          <a:xfrm flipH="1">
+            <a:off x="4015020" y="2983113"/>
+            <a:ext cx="401940" cy="234636"/>
+          </a:xfrm>
+          <a:prstGeom prst="line">
+            <a:avLst/>
+          </a:prstGeom>
+          <a:ln w="9525" cap="flat" cmpd="sng" algn="ctr">
+            <a:solidFill>
+              <a:schemeClr val="accent3"/>
+            </a:solidFill>
+            <a:prstDash val="dash"/>
+            <a:round/>
+            <a:headEnd type="none" w="med" len="med"/>
+            <a:tailEnd type="none" w="med" len="med"/>
+          </a:ln>
+        </p:spPr>
+        <p:style>
+          <a:lnRef idx="0">
+            <a:scrgbClr r="0" g="0" b="0"/>
+          </a:lnRef>
+          <a:fillRef idx="0">
+            <a:scrgbClr r="0" g="0" b="0"/>
+          </a:fillRef>
+          <a:effectRef idx="0">
+            <a:scrgbClr r="0" g="0" b="0"/>
+          </a:effectRef>
+          <a:fontRef idx="minor">
+            <a:schemeClr val="tx1"/>
+          </a:fontRef>
+        </p:style>
+      </p:cxnSp>
+      <p:grpSp>
+        <p:nvGrpSpPr>
+          <p:cNvPr id="2" name="组合 1">
+            <a:extLst>
+              <a:ext uri="{FF2B5EF4-FFF2-40B4-BE49-F238E27FC236}">
+                <a16:creationId xmlns:a16="http://schemas.microsoft.com/office/drawing/2014/main" id="{27F55BD7-3A86-4956-AF09-20859B128EF3}"/>
+              </a:ext>
+            </a:extLst>
+          </p:cNvPr>
+          <p:cNvGrpSpPr/>
+          <p:nvPr/>
+        </p:nvGrpSpPr>
+        <p:grpSpPr>
+          <a:xfrm>
+            <a:off x="6671347" y="2757732"/>
+            <a:ext cx="1036967" cy="181106"/>
+            <a:chOff x="7629546" y="1277590"/>
+            <a:chExt cx="1036967" cy="181106"/>
+          </a:xfrm>
+        </p:grpSpPr>
+        <p:cxnSp>
+          <p:nvCxnSpPr>
+            <p:cNvPr id="35" name="直接连接符 34">
+              <a:extLst>
+                <a:ext uri="{FF2B5EF4-FFF2-40B4-BE49-F238E27FC236}">
+                  <a16:creationId xmlns:a16="http://schemas.microsoft.com/office/drawing/2014/main" id="{04DA63C9-5B8F-4153-8FCE-50B415E39115}"/>
+                </a:ext>
+              </a:extLst>
+            </p:cNvPr>
+            <p:cNvCxnSpPr>
+              <a:cxnSpLocks/>
+            </p:cNvCxnSpPr>
+            <p:nvPr/>
+          </p:nvCxnSpPr>
+          <p:spPr>
+            <a:xfrm flipH="1" flipV="1">
+              <a:off x="7629546" y="1457636"/>
+              <a:ext cx="685800" cy="1060"/>
+            </a:xfrm>
+            <a:prstGeom prst="line">
+              <a:avLst/>
+            </a:prstGeom>
+            <a:ln w="9525" cap="flat" cmpd="sng" algn="ctr">
+              <a:solidFill>
+                <a:schemeClr val="accent3"/>
+              </a:solidFill>
+              <a:prstDash val="dash"/>
+              <a:round/>
+              <a:headEnd type="none" w="med" len="med"/>
+              <a:tailEnd type="none" w="med" len="med"/>
+            </a:ln>
+          </p:spPr>
+          <p:style>
+            <a:lnRef idx="0">
+              <a:scrgbClr r="0" g="0" b="0"/>
+            </a:lnRef>
+            <a:fillRef idx="0">
+              <a:scrgbClr r="0" g="0" b="0"/>
+            </a:fillRef>
+            <a:effectRef idx="0">
+              <a:scrgbClr r="0" g="0" b="0"/>
+            </a:effectRef>
+            <a:fontRef idx="minor">
+              <a:schemeClr val="tx1"/>
+            </a:fontRef>
+          </p:style>
+        </p:cxnSp>
+        <p:cxnSp>
+          <p:nvCxnSpPr>
+            <p:cNvPr id="9" name="直接连接符 8">
+              <a:extLst>
+                <a:ext uri="{FF2B5EF4-FFF2-40B4-BE49-F238E27FC236}">
+                  <a16:creationId xmlns:a16="http://schemas.microsoft.com/office/drawing/2014/main" id="{E50FDFEA-C91C-4CBB-8B1A-1E2155BC3C6E}"/>
+                </a:ext>
+              </a:extLst>
+            </p:cNvPr>
+            <p:cNvCxnSpPr>
+              <a:cxnSpLocks/>
+            </p:cNvCxnSpPr>
+            <p:nvPr/>
+          </p:nvCxnSpPr>
+          <p:spPr>
+            <a:xfrm flipV="1">
+              <a:off x="8332659" y="1277590"/>
+              <a:ext cx="333854" cy="174432"/>
+            </a:xfrm>
+            <a:prstGeom prst="line">
+              <a:avLst/>
+            </a:prstGeom>
+            <a:ln w="9525" cap="flat" cmpd="sng" algn="ctr">
+              <a:solidFill>
+                <a:schemeClr val="accent3"/>
+              </a:solidFill>
+              <a:prstDash val="dash"/>
+              <a:round/>
+              <a:headEnd type="none" w="med" len="med"/>
+              <a:tailEnd type="none" w="med" len="med"/>
+            </a:ln>
+          </p:spPr>
+          <p:style>
+            <a:lnRef idx="0">
+              <a:scrgbClr r="0" g="0" b="0"/>
+            </a:lnRef>
+            <a:fillRef idx="0">
+              <a:scrgbClr r="0" g="0" b="0"/>
+            </a:fillRef>
+            <a:effectRef idx="0">
+              <a:scrgbClr r="0" g="0" b="0"/>
+            </a:effectRef>
+            <a:fontRef idx="minor">
+              <a:schemeClr val="tx1"/>
+            </a:fontRef>
+          </p:style>
+        </p:cxnSp>
+      </p:grpSp>
+      <p:grpSp>
+        <p:nvGrpSpPr>
+          <p:cNvPr id="6" name="组合 5">
+            <a:extLst>
+              <a:ext uri="{FF2B5EF4-FFF2-40B4-BE49-F238E27FC236}">
+                <a16:creationId xmlns:a16="http://schemas.microsoft.com/office/drawing/2014/main" id="{064F0356-A47A-437B-9DE4-7F81737288D8}"/>
+              </a:ext>
+            </a:extLst>
+          </p:cNvPr>
+          <p:cNvGrpSpPr/>
+          <p:nvPr/>
+        </p:nvGrpSpPr>
+        <p:grpSpPr>
+          <a:xfrm>
+            <a:off x="6686739" y="3350513"/>
+            <a:ext cx="1037666" cy="178053"/>
+            <a:chOff x="7628847" y="2971819"/>
+            <a:chExt cx="1037666" cy="178053"/>
+          </a:xfrm>
+        </p:grpSpPr>
+        <p:cxnSp>
+          <p:nvCxnSpPr>
+            <p:cNvPr id="34" name="直接连接符 33">
+              <a:extLst>
+                <a:ext uri="{FF2B5EF4-FFF2-40B4-BE49-F238E27FC236}">
+                  <a16:creationId xmlns:a16="http://schemas.microsoft.com/office/drawing/2014/main" id="{E0D34733-893D-4133-BE32-E61C91883171}"/>
+                </a:ext>
+              </a:extLst>
+            </p:cNvPr>
+            <p:cNvCxnSpPr>
+              <a:cxnSpLocks/>
+            </p:cNvCxnSpPr>
+            <p:nvPr/>
+          </p:nvCxnSpPr>
+          <p:spPr>
+            <a:xfrm flipH="1" flipV="1">
+              <a:off x="7628847" y="2971819"/>
+              <a:ext cx="685800" cy="1060"/>
+            </a:xfrm>
+            <a:prstGeom prst="line">
+              <a:avLst/>
+            </a:prstGeom>
+            <a:ln w="9525" cap="flat" cmpd="sng" algn="ctr">
+              <a:solidFill>
+                <a:schemeClr val="accent3"/>
+              </a:solidFill>
+              <a:prstDash val="dash"/>
+              <a:round/>
+              <a:headEnd type="none" w="med" len="med"/>
+              <a:tailEnd type="none" w="med" len="med"/>
+            </a:ln>
+          </p:spPr>
+          <p:style>
+            <a:lnRef idx="0">
+              <a:scrgbClr r="0" g="0" b="0"/>
+            </a:lnRef>
+            <a:fillRef idx="0">
+              <a:scrgbClr r="0" g="0" b="0"/>
+            </a:fillRef>
+            <a:effectRef idx="0">
+              <a:scrgbClr r="0" g="0" b="0"/>
+            </a:effectRef>
+            <a:fontRef idx="minor">
+              <a:schemeClr val="tx1"/>
+            </a:fontRef>
+          </p:style>
+        </p:cxnSp>
+        <p:cxnSp>
+          <p:nvCxnSpPr>
+            <p:cNvPr id="12" name="直接连接符 11">
+              <a:extLst>
+                <a:ext uri="{FF2B5EF4-FFF2-40B4-BE49-F238E27FC236}">
+                  <a16:creationId xmlns:a16="http://schemas.microsoft.com/office/drawing/2014/main" id="{93F5C06D-A311-41BC-9EFE-BBEDA2D820B8}"/>
+                </a:ext>
+              </a:extLst>
+            </p:cNvPr>
+            <p:cNvCxnSpPr>
+              <a:cxnSpLocks/>
+            </p:cNvCxnSpPr>
+            <p:nvPr/>
+          </p:nvCxnSpPr>
+          <p:spPr>
+            <a:xfrm>
+              <a:off x="8332659" y="2975441"/>
+              <a:ext cx="333854" cy="174431"/>
+            </a:xfrm>
+            <a:prstGeom prst="line">
+              <a:avLst/>
+            </a:prstGeom>
+            <a:ln w="9525" cap="flat" cmpd="sng" algn="ctr">
+              <a:solidFill>
+                <a:schemeClr val="accent3"/>
+              </a:solidFill>
+              <a:prstDash val="dash"/>
+              <a:round/>
+              <a:headEnd type="none" w="med" len="med"/>
+              <a:tailEnd type="none" w="med" len="med"/>
+            </a:ln>
+          </p:spPr>
+          <p:style>
+            <a:lnRef idx="0">
+              <a:scrgbClr r="0" g="0" b="0"/>
+            </a:lnRef>
+            <a:fillRef idx="0">
+              <a:scrgbClr r="0" g="0" b="0"/>
+            </a:fillRef>
+            <a:effectRef idx="0">
+              <a:scrgbClr r="0" g="0" b="0"/>
+            </a:effectRef>
+            <a:fontRef idx="minor">
+              <a:schemeClr val="tx1"/>
+            </a:fontRef>
+          </p:style>
+        </p:cxnSp>
+      </p:grpSp>
+      <p:sp>
+        <p:nvSpPr>
+          <p:cNvPr id="24" name="文本框 23">
+            <a:extLst>
+              <a:ext uri="{FF2B5EF4-FFF2-40B4-BE49-F238E27FC236}">
+                <a16:creationId xmlns:a16="http://schemas.microsoft.com/office/drawing/2014/main" id="{EFB58E41-699A-4C28-8C80-E1F67080B05B}"/>
+              </a:ext>
+            </a:extLst>
+          </p:cNvPr>
+          <p:cNvSpPr txBox="1"/>
+          <p:nvPr/>
+        </p:nvSpPr>
+        <p:spPr>
+          <a:xfrm>
+            <a:off x="3357265" y="3386599"/>
+            <a:ext cx="536289" cy="400110"/>
+          </a:xfrm>
+          <a:prstGeom prst="rect">
+            <a:avLst/>
+          </a:prstGeom>
+          <a:noFill/>
+        </p:spPr>
+        <p:txBody>
+          <a:bodyPr wrap="square" rtlCol="0">
+            <a:spAutoFit/>
+          </a:bodyPr>
+          <a:lstStyle/>
+          <a:p>
+            <a:r>
+              <a:rPr lang="en-US" sz="2000" b="1">
+                <a:solidFill>
+                  <a:schemeClr val="bg1">
+                    <a:lumMod val="75000"/>
+                  </a:schemeClr>
+                </a:solidFill>
+              </a:rPr>
+              <a:t>I2C</a:t>
+            </a:r>
+          </a:p>
+        </p:txBody>
+      </p:sp>
+      <p:sp>
+        <p:nvSpPr>
+          <p:cNvPr id="50" name="文本框 49">
+            <a:extLst>
+              <a:ext uri="{FF2B5EF4-FFF2-40B4-BE49-F238E27FC236}">
+                <a16:creationId xmlns:a16="http://schemas.microsoft.com/office/drawing/2014/main" id="{C1EB85B0-4D6D-4D91-A91A-09CDA81C04E0}"/>
+              </a:ext>
+            </a:extLst>
+          </p:cNvPr>
+          <p:cNvSpPr txBox="1"/>
+          <p:nvPr/>
+        </p:nvSpPr>
+        <p:spPr>
+          <a:xfrm>
+            <a:off x="6183857" y="4053256"/>
+            <a:ext cx="511679" cy="400110"/>
+          </a:xfrm>
+          <a:prstGeom prst="rect">
+            <a:avLst/>
+          </a:prstGeom>
+          <a:noFill/>
+        </p:spPr>
+        <p:txBody>
+          <a:bodyPr wrap="none" rtlCol="0">
+            <a:spAutoFit/>
+          </a:bodyPr>
+          <a:lstStyle/>
+          <a:p>
+            <a:r>
+              <a:rPr lang="en-US" sz="2000" b="1">
+                <a:solidFill>
+                  <a:schemeClr val="bg1">
+                    <a:lumMod val="75000"/>
+                  </a:schemeClr>
+                </a:solidFill>
+              </a:rPr>
+              <a:t>SPI</a:t>
+            </a:r>
+          </a:p>
+        </p:txBody>
+      </p:sp>
+      <p:sp>
+        <p:nvSpPr>
+          <p:cNvPr id="7" name="矩形 6">
+            <a:extLst>
+              <a:ext uri="{FF2B5EF4-FFF2-40B4-BE49-F238E27FC236}">
+                <a16:creationId xmlns:a16="http://schemas.microsoft.com/office/drawing/2014/main" id="{A568C91A-04F5-415C-B3DA-1B843FF7ED3F}"/>
+              </a:ext>
+            </a:extLst>
+          </p:cNvPr>
+          <p:cNvSpPr/>
+          <p:nvPr/>
+        </p:nvSpPr>
+        <p:spPr>
+          <a:xfrm>
+            <a:off x="7819879" y="2680244"/>
+            <a:ext cx="536289" cy="249381"/>
+          </a:xfrm>
+          <a:prstGeom prst="rect">
+            <a:avLst/>
+          </a:prstGeom>
+          <a:ln>
+            <a:noFill/>
+          </a:ln>
+        </p:spPr>
+        <p:style>
+          <a:lnRef idx="2">
+            <a:schemeClr val="accent3">
+              <a:shade val="50000"/>
+            </a:schemeClr>
+          </a:lnRef>
+          <a:fillRef idx="1">
+            <a:schemeClr val="accent3"/>
+          </a:fillRef>
+          <a:effectRef idx="0">
+            <a:schemeClr val="accent3"/>
+          </a:effectRef>
+          <a:fontRef idx="minor">
+            <a:schemeClr val="lt1"/>
+          </a:fontRef>
+        </p:style>
+        <p:txBody>
+          <a:bodyPr rtlCol="0" anchor="ctr"/>
+          <a:lstStyle/>
+          <a:p>
+            <a:pPr algn="ctr"/>
+            <a:endParaRPr lang="en-US"/>
+          </a:p>
+        </p:txBody>
+      </p:sp>
+      <p:sp>
+        <p:nvSpPr>
+          <p:cNvPr id="48" name="矩形 47">
+            <a:extLst>
+              <a:ext uri="{FF2B5EF4-FFF2-40B4-BE49-F238E27FC236}">
+                <a16:creationId xmlns:a16="http://schemas.microsoft.com/office/drawing/2014/main" id="{7D00CF00-14A2-4C33-A83B-D1A92A99BAAE}"/>
+              </a:ext>
+            </a:extLst>
+          </p:cNvPr>
+          <p:cNvSpPr/>
+          <p:nvPr/>
+        </p:nvSpPr>
+        <p:spPr>
+          <a:xfrm>
+            <a:off x="7819879" y="3036068"/>
+            <a:ext cx="536289" cy="249381"/>
+          </a:xfrm>
+          <a:prstGeom prst="rect">
+            <a:avLst/>
+          </a:prstGeom>
+          <a:ln>
+            <a:noFill/>
+          </a:ln>
+        </p:spPr>
+        <p:style>
+          <a:lnRef idx="2">
+            <a:schemeClr val="accent3">
+              <a:shade val="50000"/>
+            </a:schemeClr>
+          </a:lnRef>
+          <a:fillRef idx="1">
+            <a:schemeClr val="accent3"/>
+          </a:fillRef>
+          <a:effectRef idx="0">
+            <a:schemeClr val="accent3"/>
+          </a:effectRef>
+          <a:fontRef idx="minor">
+            <a:schemeClr val="lt1"/>
+          </a:fontRef>
+        </p:style>
+        <p:txBody>
+          <a:bodyPr rtlCol="0" anchor="ctr"/>
+          <a:lstStyle/>
+          <a:p>
+            <a:pPr algn="ctr"/>
+            <a:endParaRPr lang="en-US"/>
+          </a:p>
+        </p:txBody>
+      </p:sp>
+      <p:sp>
+        <p:nvSpPr>
+          <p:cNvPr id="49" name="矩形 48">
+            <a:extLst>
+              <a:ext uri="{FF2B5EF4-FFF2-40B4-BE49-F238E27FC236}">
+                <a16:creationId xmlns:a16="http://schemas.microsoft.com/office/drawing/2014/main" id="{4B2526B3-7571-424F-B32D-1B6A64631AE9}"/>
+              </a:ext>
+            </a:extLst>
+          </p:cNvPr>
+          <p:cNvSpPr/>
+          <p:nvPr/>
+        </p:nvSpPr>
+        <p:spPr>
+          <a:xfrm>
+            <a:off x="7819879" y="3391892"/>
+            <a:ext cx="536289" cy="249381"/>
+          </a:xfrm>
+          <a:prstGeom prst="rect">
+            <a:avLst/>
+          </a:prstGeom>
+          <a:ln>
+            <a:noFill/>
+          </a:ln>
+        </p:spPr>
+        <p:style>
+          <a:lnRef idx="2">
+            <a:schemeClr val="accent3">
+              <a:shade val="50000"/>
+            </a:schemeClr>
+          </a:lnRef>
+          <a:fillRef idx="1">
+            <a:schemeClr val="accent3"/>
+          </a:fillRef>
+          <a:effectRef idx="0">
+            <a:schemeClr val="accent3"/>
+          </a:effectRef>
+          <a:fontRef idx="minor">
+            <a:schemeClr val="lt1"/>
+          </a:fontRef>
+        </p:style>
+        <p:txBody>
+          <a:bodyPr rtlCol="0" anchor="ctr"/>
+          <a:lstStyle/>
+          <a:p>
+            <a:pPr algn="ctr"/>
+            <a:endParaRPr lang="en-US"/>
+          </a:p>
+        </p:txBody>
+      </p:sp>
+      <p:sp>
+        <p:nvSpPr>
+          <p:cNvPr id="51" name="矩形 50">
+            <a:extLst>
+              <a:ext uri="{FF2B5EF4-FFF2-40B4-BE49-F238E27FC236}">
+                <a16:creationId xmlns:a16="http://schemas.microsoft.com/office/drawing/2014/main" id="{486C5EC8-B193-4CD8-B8B5-D08755207025}"/>
+              </a:ext>
+            </a:extLst>
+          </p:cNvPr>
+          <p:cNvSpPr/>
+          <p:nvPr/>
+        </p:nvSpPr>
+        <p:spPr>
+          <a:xfrm>
+            <a:off x="8003525" y="3225822"/>
+            <a:ext cx="168996" cy="249381"/>
+          </a:xfrm>
+          <a:prstGeom prst="rect">
+            <a:avLst/>
+          </a:prstGeom>
+          <a:ln>
+            <a:noFill/>
+          </a:ln>
+        </p:spPr>
+        <p:style>
+          <a:lnRef idx="2">
+            <a:schemeClr val="accent3">
+              <a:shade val="50000"/>
+            </a:schemeClr>
+          </a:lnRef>
+          <a:fillRef idx="1">
+            <a:schemeClr val="accent3"/>
+          </a:fillRef>
+          <a:effectRef idx="0">
+            <a:schemeClr val="accent3"/>
+          </a:effectRef>
+          <a:fontRef idx="minor">
+            <a:schemeClr val="lt1"/>
+          </a:fontRef>
+        </p:style>
+        <p:txBody>
+          <a:bodyPr rtlCol="0" anchor="ctr"/>
+          <a:lstStyle/>
+          <a:p>
+            <a:pPr algn="ctr"/>
+            <a:endParaRPr lang="en-US"/>
+          </a:p>
+        </p:txBody>
+      </p:sp>
+      <p:sp>
+        <p:nvSpPr>
+          <p:cNvPr id="52" name="矩形 51">
+            <a:extLst>
+              <a:ext uri="{FF2B5EF4-FFF2-40B4-BE49-F238E27FC236}">
+                <a16:creationId xmlns:a16="http://schemas.microsoft.com/office/drawing/2014/main" id="{09672E4F-91A2-421E-BC36-DE4402C30000}"/>
+              </a:ext>
+            </a:extLst>
+          </p:cNvPr>
+          <p:cNvSpPr/>
+          <p:nvPr/>
+        </p:nvSpPr>
+        <p:spPr>
+          <a:xfrm>
+            <a:off x="8568732" y="2680244"/>
+            <a:ext cx="536289" cy="249381"/>
+          </a:xfrm>
+          <a:prstGeom prst="rect">
+            <a:avLst/>
+          </a:prstGeom>
+          <a:ln>
+            <a:noFill/>
+          </a:ln>
+        </p:spPr>
+        <p:style>
+          <a:lnRef idx="2">
+            <a:schemeClr val="accent3">
+              <a:shade val="50000"/>
+            </a:schemeClr>
+          </a:lnRef>
+          <a:fillRef idx="1">
+            <a:schemeClr val="accent3"/>
+          </a:fillRef>
+          <a:effectRef idx="0">
+            <a:schemeClr val="accent3"/>
+          </a:effectRef>
+          <a:fontRef idx="minor">
+            <a:schemeClr val="lt1"/>
+          </a:fontRef>
+        </p:style>
+        <p:txBody>
+          <a:bodyPr rtlCol="0" anchor="ctr"/>
+          <a:lstStyle/>
+          <a:p>
+            <a:pPr algn="ctr"/>
+            <a:endParaRPr lang="en-US"/>
+          </a:p>
+        </p:txBody>
+      </p:sp>
+      <p:sp>
+        <p:nvSpPr>
+          <p:cNvPr id="53" name="矩形 52">
+            <a:extLst>
+              <a:ext uri="{FF2B5EF4-FFF2-40B4-BE49-F238E27FC236}">
+                <a16:creationId xmlns:a16="http://schemas.microsoft.com/office/drawing/2014/main" id="{335C78CC-C358-45F1-A0DC-6E44A1499C2F}"/>
+              </a:ext>
+            </a:extLst>
+          </p:cNvPr>
+          <p:cNvSpPr/>
+          <p:nvPr/>
+        </p:nvSpPr>
+        <p:spPr>
+          <a:xfrm>
+            <a:off x="8568732" y="3036068"/>
+            <a:ext cx="536289" cy="249381"/>
+          </a:xfrm>
+          <a:prstGeom prst="rect">
+            <a:avLst/>
+          </a:prstGeom>
+          <a:ln>
+            <a:noFill/>
+          </a:ln>
+        </p:spPr>
+        <p:style>
+          <a:lnRef idx="2">
+            <a:schemeClr val="accent3">
+              <a:shade val="50000"/>
+            </a:schemeClr>
+          </a:lnRef>
+          <a:fillRef idx="1">
+            <a:schemeClr val="accent3"/>
+          </a:fillRef>
+          <a:effectRef idx="0">
+            <a:schemeClr val="accent3"/>
+          </a:effectRef>
+          <a:fontRef idx="minor">
+            <a:schemeClr val="lt1"/>
+          </a:fontRef>
+        </p:style>
+        <p:txBody>
+          <a:bodyPr rtlCol="0" anchor="ctr"/>
+          <a:lstStyle/>
+          <a:p>
+            <a:pPr algn="ctr"/>
+            <a:endParaRPr lang="en-US"/>
+          </a:p>
+        </p:txBody>
+      </p:sp>
+      <p:sp>
+        <p:nvSpPr>
+          <p:cNvPr id="54" name="矩形 53">
+            <a:extLst>
+              <a:ext uri="{FF2B5EF4-FFF2-40B4-BE49-F238E27FC236}">
+                <a16:creationId xmlns:a16="http://schemas.microsoft.com/office/drawing/2014/main" id="{414D4CE3-FF7D-4FE2-A8DA-1F633DDA1DAC}"/>
+              </a:ext>
+            </a:extLst>
+          </p:cNvPr>
+          <p:cNvSpPr/>
+          <p:nvPr/>
+        </p:nvSpPr>
+        <p:spPr>
+          <a:xfrm>
+            <a:off x="8568732" y="3391892"/>
+            <a:ext cx="536289" cy="249381"/>
+          </a:xfrm>
+          <a:prstGeom prst="rect">
+            <a:avLst/>
+          </a:prstGeom>
+          <a:ln>
+            <a:noFill/>
+          </a:ln>
+        </p:spPr>
+        <p:style>
+          <a:lnRef idx="2">
+            <a:schemeClr val="accent3">
+              <a:shade val="50000"/>
+            </a:schemeClr>
+          </a:lnRef>
+          <a:fillRef idx="1">
+            <a:schemeClr val="accent3"/>
+          </a:fillRef>
+          <a:effectRef idx="0">
+            <a:schemeClr val="accent3"/>
+          </a:effectRef>
+          <a:fontRef idx="minor">
+            <a:schemeClr val="lt1"/>
+          </a:fontRef>
+        </p:style>
+        <p:txBody>
+          <a:bodyPr rtlCol="0" anchor="ctr"/>
+          <a:lstStyle/>
+          <a:p>
+            <a:pPr algn="ctr"/>
+            <a:endParaRPr lang="en-US"/>
+          </a:p>
+        </p:txBody>
+      </p:sp>
+      <p:sp>
+        <p:nvSpPr>
+          <p:cNvPr id="55" name="矩形 54">
+            <a:extLst>
+              <a:ext uri="{FF2B5EF4-FFF2-40B4-BE49-F238E27FC236}">
+                <a16:creationId xmlns:a16="http://schemas.microsoft.com/office/drawing/2014/main" id="{5FC77FFD-48D2-4B6E-9D0D-BF93114F9BE8}"/>
+              </a:ext>
+            </a:extLst>
+          </p:cNvPr>
+          <p:cNvSpPr/>
+          <p:nvPr/>
+        </p:nvSpPr>
+        <p:spPr>
+          <a:xfrm>
+            <a:off x="8734375" y="2862751"/>
+            <a:ext cx="168996" cy="249381"/>
+          </a:xfrm>
+          <a:prstGeom prst="rect">
+            <a:avLst/>
+          </a:prstGeom>
+          <a:ln>
+            <a:noFill/>
+          </a:ln>
+        </p:spPr>
+        <p:style>
+          <a:lnRef idx="2">
+            <a:schemeClr val="accent3">
+              <a:shade val="50000"/>
+            </a:schemeClr>
+          </a:lnRef>
+          <a:fillRef idx="1">
+            <a:schemeClr val="accent3"/>
+          </a:fillRef>
+          <a:effectRef idx="0">
+            <a:schemeClr val="accent3"/>
+          </a:effectRef>
+          <a:fontRef idx="minor">
+            <a:schemeClr val="lt1"/>
+          </a:fontRef>
+        </p:style>
+        <p:txBody>
+          <a:bodyPr rtlCol="0" anchor="ctr"/>
+          <a:lstStyle/>
+          <a:p>
+            <a:pPr algn="ctr"/>
+            <a:endParaRPr lang="en-US"/>
+          </a:p>
+        </p:txBody>
+      </p:sp>
+      <p:sp>
+        <p:nvSpPr>
+          <p:cNvPr id="8" name="文本框 7">
+            <a:extLst>
+              <a:ext uri="{FF2B5EF4-FFF2-40B4-BE49-F238E27FC236}">
+                <a16:creationId xmlns:a16="http://schemas.microsoft.com/office/drawing/2014/main" id="{F13649A9-23B8-4A93-9ED9-37F1269453D3}"/>
+              </a:ext>
+            </a:extLst>
+          </p:cNvPr>
+          <p:cNvSpPr txBox="1"/>
+          <p:nvPr/>
+        </p:nvSpPr>
+        <p:spPr>
+          <a:xfrm>
+            <a:off x="7649640" y="3747716"/>
+            <a:ext cx="1025089" cy="707886"/>
+          </a:xfrm>
+          <a:prstGeom prst="rect">
+            <a:avLst/>
+          </a:prstGeom>
+          <a:noFill/>
+        </p:spPr>
+        <p:txBody>
+          <a:bodyPr wrap="none" rtlCol="0">
+            <a:spAutoFit/>
+          </a:bodyPr>
+          <a:lstStyle/>
+          <a:p>
+            <a:r>
+              <a:rPr lang="en-US" sz="2000" b="1">
+                <a:solidFill>
+                  <a:schemeClr val="bg1">
+                    <a:lumMod val="75000"/>
+                  </a:schemeClr>
+                </a:solidFill>
+              </a:rPr>
+              <a:t>  0x76</a:t>
+            </a:r>
+          </a:p>
+          <a:p>
+            <a:r>
+              <a:rPr lang="en-US" sz="2000" b="1">
+                <a:solidFill>
+                  <a:schemeClr val="bg1">
+                    <a:lumMod val="75000"/>
+                  </a:schemeClr>
+                </a:solidFill>
+              </a:rPr>
+              <a:t>Default </a:t>
+            </a:r>
+          </a:p>
+        </p:txBody>
+      </p:sp>
+      <p:sp>
+        <p:nvSpPr>
+          <p:cNvPr id="56" name="文本框 55">
+            <a:extLst>
+              <a:ext uri="{FF2B5EF4-FFF2-40B4-BE49-F238E27FC236}">
+                <a16:creationId xmlns:a16="http://schemas.microsoft.com/office/drawing/2014/main" id="{57FB1E9E-AE29-41F1-8DBF-78803ACE9A6B}"/>
+              </a:ext>
+            </a:extLst>
+          </p:cNvPr>
+          <p:cNvSpPr txBox="1"/>
+          <p:nvPr/>
+        </p:nvSpPr>
+        <p:spPr>
+          <a:xfrm>
+            <a:off x="8447185" y="3747716"/>
+            <a:ext cx="865943" cy="400110"/>
+          </a:xfrm>
+          <a:prstGeom prst="rect">
+            <a:avLst/>
+          </a:prstGeom>
+          <a:noFill/>
+        </p:spPr>
+        <p:txBody>
+          <a:bodyPr wrap="none" rtlCol="0">
+            <a:spAutoFit/>
+          </a:bodyPr>
+          <a:lstStyle/>
+          <a:p>
+            <a:r>
+              <a:rPr lang="en-US" sz="2000" b="1">
+                <a:solidFill>
+                  <a:schemeClr val="bg1">
+                    <a:lumMod val="75000"/>
+                  </a:schemeClr>
+                </a:solidFill>
+              </a:rPr>
+              <a:t>  0x77 </a:t>
+            </a:r>
+          </a:p>
+        </p:txBody>
+      </p:sp>
+      <p:grpSp>
+        <p:nvGrpSpPr>
+          <p:cNvPr id="10" name="组合 9">
+            <a:extLst>
+              <a:ext uri="{FF2B5EF4-FFF2-40B4-BE49-F238E27FC236}">
+                <a16:creationId xmlns:a16="http://schemas.microsoft.com/office/drawing/2014/main" id="{864797F7-35F3-4675-B014-5D5448EAC336}"/>
+              </a:ext>
+            </a:extLst>
+          </p:cNvPr>
+          <p:cNvGrpSpPr/>
+          <p:nvPr/>
+        </p:nvGrpSpPr>
+        <p:grpSpPr>
+          <a:xfrm>
+            <a:off x="2681749" y="2621779"/>
+            <a:ext cx="1284325" cy="605206"/>
+            <a:chOff x="1975956" y="2422240"/>
+            <a:chExt cx="1284325" cy="605206"/>
+          </a:xfrm>
+        </p:grpSpPr>
+        <p:sp>
+          <p:nvSpPr>
+            <p:cNvPr id="57" name="矩形 56">
+              <a:extLst>
+                <a:ext uri="{FF2B5EF4-FFF2-40B4-BE49-F238E27FC236}">
+                  <a16:creationId xmlns:a16="http://schemas.microsoft.com/office/drawing/2014/main" id="{CDDB2EC9-1773-4C9C-8322-E1903F66D0B7}"/>
+                </a:ext>
+              </a:extLst>
+            </p:cNvPr>
+            <p:cNvSpPr/>
+            <p:nvPr/>
+          </p:nvSpPr>
+          <p:spPr>
+            <a:xfrm>
+              <a:off x="2723992" y="2422241"/>
+              <a:ext cx="536289" cy="249381"/>
+            </a:xfrm>
+            <a:prstGeom prst="rect">
+              <a:avLst/>
+            </a:prstGeom>
+            <a:ln>
+              <a:noFill/>
+            </a:ln>
+          </p:spPr>
+          <p:style>
+            <a:lnRef idx="2">
+              <a:schemeClr val="accent3">
+                <a:shade val="50000"/>
+              </a:schemeClr>
+            </a:lnRef>
+            <a:fillRef idx="1">
+              <a:schemeClr val="accent3"/>
+            </a:fillRef>
+            <a:effectRef idx="0">
+              <a:schemeClr val="accent3"/>
+            </a:effectRef>
+            <a:fontRef idx="minor">
+              <a:schemeClr val="lt1"/>
+            </a:fontRef>
+          </p:style>
+          <p:txBody>
+            <a:bodyPr rtlCol="0" anchor="ctr"/>
+            <a:lstStyle/>
+            <a:p>
+              <a:pPr algn="ctr"/>
+              <a:endParaRPr lang="en-US"/>
+            </a:p>
+          </p:txBody>
+        </p:sp>
+        <p:sp>
+          <p:nvSpPr>
+            <p:cNvPr id="58" name="矩形 57">
+              <a:extLst>
+                <a:ext uri="{FF2B5EF4-FFF2-40B4-BE49-F238E27FC236}">
+                  <a16:creationId xmlns:a16="http://schemas.microsoft.com/office/drawing/2014/main" id="{9B455BB3-D5C9-4687-B8DB-22B88771C6D1}"/>
+                </a:ext>
+              </a:extLst>
+            </p:cNvPr>
+            <p:cNvSpPr/>
+            <p:nvPr/>
+          </p:nvSpPr>
+          <p:spPr>
+            <a:xfrm>
+              <a:off x="2723992" y="2778065"/>
+              <a:ext cx="536289" cy="249381"/>
+            </a:xfrm>
+            <a:prstGeom prst="rect">
+              <a:avLst/>
+            </a:prstGeom>
+            <a:ln>
+              <a:noFill/>
+            </a:ln>
+          </p:spPr>
+          <p:style>
+            <a:lnRef idx="2">
+              <a:schemeClr val="accent3">
+                <a:shade val="50000"/>
+              </a:schemeClr>
+            </a:lnRef>
+            <a:fillRef idx="1">
+              <a:schemeClr val="accent3"/>
+            </a:fillRef>
+            <a:effectRef idx="0">
+              <a:schemeClr val="accent3"/>
+            </a:effectRef>
+            <a:fontRef idx="minor">
+              <a:schemeClr val="lt1"/>
+            </a:fontRef>
+          </p:style>
+          <p:txBody>
+            <a:bodyPr rtlCol="0" anchor="ctr"/>
+            <a:lstStyle/>
+            <a:p>
+              <a:pPr algn="ctr"/>
+              <a:endParaRPr lang="en-US"/>
+            </a:p>
+          </p:txBody>
+        </p:sp>
+        <p:sp>
+          <p:nvSpPr>
+            <p:cNvPr id="60" name="矩形 59">
+              <a:extLst>
+                <a:ext uri="{FF2B5EF4-FFF2-40B4-BE49-F238E27FC236}">
+                  <a16:creationId xmlns:a16="http://schemas.microsoft.com/office/drawing/2014/main" id="{AB48BB11-EE7C-4317-82F3-937479420452}"/>
+                </a:ext>
+              </a:extLst>
+            </p:cNvPr>
+            <p:cNvSpPr/>
+            <p:nvPr/>
+          </p:nvSpPr>
+          <p:spPr>
+            <a:xfrm>
+              <a:off x="2889635" y="2604748"/>
+              <a:ext cx="168996" cy="249381"/>
+            </a:xfrm>
+            <a:prstGeom prst="rect">
+              <a:avLst/>
+            </a:prstGeom>
+            <a:ln>
+              <a:noFill/>
+            </a:ln>
+          </p:spPr>
+          <p:style>
+            <a:lnRef idx="2">
+              <a:schemeClr val="accent3">
+                <a:shade val="50000"/>
+              </a:schemeClr>
+            </a:lnRef>
+            <a:fillRef idx="1">
+              <a:schemeClr val="accent3"/>
+            </a:fillRef>
+            <a:effectRef idx="0">
+              <a:schemeClr val="accent3"/>
+            </a:effectRef>
+            <a:fontRef idx="minor">
+              <a:schemeClr val="lt1"/>
+            </a:fontRef>
+          </p:style>
+          <p:txBody>
+            <a:bodyPr rtlCol="0" anchor="ctr"/>
+            <a:lstStyle/>
+            <a:p>
+              <a:pPr algn="ctr"/>
+              <a:endParaRPr lang="en-US"/>
+            </a:p>
+          </p:txBody>
+        </p:sp>
+        <p:sp>
+          <p:nvSpPr>
+            <p:cNvPr id="61" name="矩形 60">
+              <a:extLst>
+                <a:ext uri="{FF2B5EF4-FFF2-40B4-BE49-F238E27FC236}">
+                  <a16:creationId xmlns:a16="http://schemas.microsoft.com/office/drawing/2014/main" id="{1B32E334-F1CE-4368-B912-F1329A60CD0F}"/>
+                </a:ext>
+              </a:extLst>
+            </p:cNvPr>
+            <p:cNvSpPr/>
+            <p:nvPr/>
+          </p:nvSpPr>
+          <p:spPr>
+            <a:xfrm>
+              <a:off x="1975956" y="2422240"/>
+              <a:ext cx="536289" cy="249381"/>
+            </a:xfrm>
+            <a:prstGeom prst="rect">
+              <a:avLst/>
+            </a:prstGeom>
+            <a:ln>
+              <a:noFill/>
+            </a:ln>
+          </p:spPr>
+          <p:style>
+            <a:lnRef idx="2">
+              <a:schemeClr val="accent3">
+                <a:shade val="50000"/>
+              </a:schemeClr>
+            </a:lnRef>
+            <a:fillRef idx="1">
+              <a:schemeClr val="accent3"/>
+            </a:fillRef>
+            <a:effectRef idx="0">
+              <a:schemeClr val="accent3"/>
+            </a:effectRef>
+            <a:fontRef idx="minor">
+              <a:schemeClr val="lt1"/>
+            </a:fontRef>
+          </p:style>
+          <p:txBody>
+            <a:bodyPr rtlCol="0" anchor="ctr"/>
+            <a:lstStyle/>
+            <a:p>
+              <a:pPr algn="ctr"/>
+              <a:endParaRPr lang="en-US"/>
+            </a:p>
+          </p:txBody>
+        </p:sp>
+        <p:sp>
+          <p:nvSpPr>
+            <p:cNvPr id="63" name="矩形 62">
+              <a:extLst>
+                <a:ext uri="{FF2B5EF4-FFF2-40B4-BE49-F238E27FC236}">
+                  <a16:creationId xmlns:a16="http://schemas.microsoft.com/office/drawing/2014/main" id="{0FC1E562-F062-4F89-B557-DBF5E98F9D9B}"/>
+                </a:ext>
+              </a:extLst>
+            </p:cNvPr>
+            <p:cNvSpPr/>
+            <p:nvPr/>
+          </p:nvSpPr>
+          <p:spPr>
+            <a:xfrm>
+              <a:off x="1975956" y="2778064"/>
+              <a:ext cx="536289" cy="249381"/>
+            </a:xfrm>
+            <a:prstGeom prst="rect">
+              <a:avLst/>
+            </a:prstGeom>
+            <a:ln>
+              <a:noFill/>
+            </a:ln>
+          </p:spPr>
+          <p:style>
+            <a:lnRef idx="2">
+              <a:schemeClr val="accent3">
+                <a:shade val="50000"/>
+              </a:schemeClr>
+            </a:lnRef>
+            <a:fillRef idx="1">
+              <a:schemeClr val="accent3"/>
+            </a:fillRef>
+            <a:effectRef idx="0">
+              <a:schemeClr val="accent3"/>
+            </a:effectRef>
+            <a:fontRef idx="minor">
+              <a:schemeClr val="lt1"/>
+            </a:fontRef>
+          </p:style>
+          <p:txBody>
+            <a:bodyPr rtlCol="0" anchor="ctr"/>
+            <a:lstStyle/>
+            <a:p>
+              <a:pPr algn="ctr"/>
+              <a:endParaRPr lang="en-US"/>
+            </a:p>
+          </p:txBody>
+        </p:sp>
+      </p:grpSp>
+      <p:sp>
+        <p:nvSpPr>
+          <p:cNvPr id="66" name="文本框 65">
+            <a:extLst>
+              <a:ext uri="{FF2B5EF4-FFF2-40B4-BE49-F238E27FC236}">
+                <a16:creationId xmlns:a16="http://schemas.microsoft.com/office/drawing/2014/main" id="{3D8D75AE-75CD-45C4-A470-B4807554FE75}"/>
+              </a:ext>
+            </a:extLst>
+          </p:cNvPr>
+          <p:cNvSpPr txBox="1"/>
+          <p:nvPr/>
+        </p:nvSpPr>
+        <p:spPr>
+          <a:xfrm>
+            <a:off x="2692909" y="3386599"/>
+            <a:ext cx="536289" cy="400110"/>
+          </a:xfrm>
+          <a:prstGeom prst="rect">
+            <a:avLst/>
+          </a:prstGeom>
+          <a:noFill/>
+        </p:spPr>
+        <p:txBody>
+          <a:bodyPr wrap="square" rtlCol="0">
+            <a:spAutoFit/>
+          </a:bodyPr>
+          <a:lstStyle/>
+          <a:p>
+            <a:r>
+              <a:rPr lang="en-US" sz="2000" b="1">
+                <a:solidFill>
+                  <a:schemeClr val="bg1">
+                    <a:lumMod val="75000"/>
+                  </a:schemeClr>
+                </a:solidFill>
+              </a:rPr>
+              <a:t>SPI</a:t>
+            </a:r>
+          </a:p>
+        </p:txBody>
+      </p:sp>
+    </p:spTree>
+    <p:extLst>
+      <p:ext uri="{BB962C8B-B14F-4D97-AF65-F5344CB8AC3E}">
+        <p14:creationId xmlns:p14="http://schemas.microsoft.com/office/powerpoint/2010/main" val="3027457322"/>
+      </p:ext>
+    </p:extLst>
+  </p:cSld>
+  <p:clrMapOvr>
+    <a:masterClrMapping/>
+  </p:clrMapOvr>
+</p:sld>
+</file>
+
+<file path=ppt/slides/slide3.xml><?xml version="1.0" encoding="utf-8"?>
+<p:sld xmlns:a="http://schemas.openxmlformats.org/drawingml/2006/main" xmlns:r="http://schemas.openxmlformats.org/officeDocument/2006/relationships" xmlns:p="http://schemas.openxmlformats.org/presentationml/2006/main">
+  <p:cSld>
+    <p:spTree>
+      <p:nvGrpSpPr>
+        <p:cNvPr id="1" name=""/>
+        <p:cNvGrpSpPr/>
+        <p:nvPr/>
+      </p:nvGrpSpPr>
+      <p:grpSpPr>
+        <a:xfrm>
+          <a:off x="0" y="0"/>
+          <a:ext cx="0" cy="0"/>
+          <a:chOff x="0" y="0"/>
+          <a:chExt cx="0" cy="0"/>
+        </a:xfrm>
+      </p:grpSpPr>
+      <p:pic>
+        <p:nvPicPr>
+          <p:cNvPr id="3" name="图片 2">
+            <a:extLst>
+              <a:ext uri="{FF2B5EF4-FFF2-40B4-BE49-F238E27FC236}">
+                <a16:creationId xmlns:a16="http://schemas.microsoft.com/office/drawing/2014/main" id="{8901DA6B-7649-45DD-8FD8-6DCFAEA27F78}"/>
+              </a:ext>
+            </a:extLst>
+          </p:cNvPr>
+          <p:cNvPicPr>
+            <a:picLocks noChangeAspect="1"/>
+          </p:cNvPicPr>
+          <p:nvPr/>
+        </p:nvPicPr>
+        <p:blipFill>
+          <a:blip r:embed="rId2">
+            <a:extLst>
+              <a:ext uri="{28A0092B-C50C-407E-A947-70E740481C1C}">
+                <a14:useLocalDpi xmlns:a14="http://schemas.microsoft.com/office/drawing/2010/main" val="0"/>
+              </a:ext>
+            </a:extLst>
+          </a:blip>
+          <a:stretch>
+            <a:fillRect/>
+          </a:stretch>
+        </p:blipFill>
+        <p:spPr>
+          <a:xfrm>
+            <a:off x="3962400" y="1828800"/>
+            <a:ext cx="4267200" cy="3200400"/>
+          </a:xfrm>
+          <a:prstGeom prst="rect">
+            <a:avLst/>
+          </a:prstGeom>
+        </p:spPr>
+      </p:pic>
+    </p:spTree>
+    <p:extLst>
+      <p:ext uri="{BB962C8B-B14F-4D97-AF65-F5344CB8AC3E}">
+        <p14:creationId xmlns:p14="http://schemas.microsoft.com/office/powerpoint/2010/main" val="1664655220"/>
       </p:ext>
     </p:extLst>
   </p:cSld>

--- a/img/pin_map.pptx
+++ b/img/pin_map.pptx
@@ -3361,278 +3361,6 @@
           <a:chExt cx="0" cy="0"/>
         </a:xfrm>
       </p:grpSpPr>
-      <p:sp>
-        <p:nvSpPr>
-          <p:cNvPr id="5" name="文本框 4">
-            <a:extLst>
-              <a:ext uri="{FF2B5EF4-FFF2-40B4-BE49-F238E27FC236}">
-                <a16:creationId xmlns:a16="http://schemas.microsoft.com/office/drawing/2014/main" id="{D01C0A0C-C039-423C-A515-A9BDBADCF5E6}"/>
-              </a:ext>
-            </a:extLst>
-          </p:cNvPr>
-          <p:cNvSpPr txBox="1"/>
-          <p:nvPr/>
-        </p:nvSpPr>
-        <p:spPr>
-          <a:xfrm>
-            <a:off x="1140093" y="4472583"/>
-            <a:ext cx="4616147" cy="2205732"/>
-          </a:xfrm>
-          <a:prstGeom prst="rect">
-            <a:avLst/>
-          </a:prstGeom>
-          <a:noFill/>
-        </p:spPr>
-        <p:txBody>
-          <a:bodyPr wrap="square" rtlCol="0">
-            <a:spAutoFit/>
-          </a:bodyPr>
-          <a:lstStyle/>
-          <a:p>
-            <a:pPr>
-              <a:lnSpc>
-                <a:spcPts val="2500"/>
-              </a:lnSpc>
-            </a:pPr>
-            <a:r>
-              <a:rPr lang="en-US" sz="1600">
-                <a:latin typeface="Leelawadee UI" panose="020B0502040204020203" pitchFamily="34" charset="-34"/>
-                <a:ea typeface="Microsoft JhengHei Light" panose="020B0304030504040204" pitchFamily="34" charset="-120"/>
-                <a:cs typeface="Leelawadee UI" panose="020B0502040204020203" pitchFamily="34" charset="-34"/>
-              </a:rPr>
-              <a:t>GND: connect this module </a:t>
-            </a:r>
-            <a:r>
-              <a:rPr lang="en-US" altLang="zh-CN" sz="1600">
-                <a:latin typeface="Leelawadee UI" panose="020B0502040204020203" pitchFamily="34" charset="-34"/>
-                <a:ea typeface="Microsoft JhengHei Light" panose="020B0304030504040204" pitchFamily="34" charset="-120"/>
-                <a:cs typeface="Leelawadee UI" panose="020B0502040204020203" pitchFamily="34" charset="-34"/>
-              </a:rPr>
-              <a:t>to</a:t>
-            </a:r>
-            <a:r>
-              <a:rPr lang="en-US" sz="1600">
-                <a:latin typeface="Leelawadee UI" panose="020B0502040204020203" pitchFamily="34" charset="-34"/>
-                <a:ea typeface="Microsoft JhengHei Light" panose="020B0304030504040204" pitchFamily="34" charset="-120"/>
-                <a:cs typeface="Leelawadee UI" panose="020B0502040204020203" pitchFamily="34" charset="-34"/>
-              </a:rPr>
-              <a:t> the system GND </a:t>
-            </a:r>
-          </a:p>
-          <a:p>
-            <a:pPr>
-              <a:lnSpc>
-                <a:spcPts val="2500"/>
-              </a:lnSpc>
-            </a:pPr>
-            <a:r>
-              <a:rPr lang="en-US" sz="1600">
-                <a:latin typeface="Leelawadee UI" panose="020B0502040204020203" pitchFamily="34" charset="-34"/>
-                <a:ea typeface="Microsoft JhengHei Light" panose="020B0304030504040204" pitchFamily="34" charset="-120"/>
-                <a:cs typeface="Leelawadee UI" panose="020B0502040204020203" pitchFamily="34" charset="-34"/>
-              </a:rPr>
-              <a:t>VCC: you can use 5V or 3.3V for this module</a:t>
-            </a:r>
-          </a:p>
-          <a:p>
-            <a:pPr>
-              <a:lnSpc>
-                <a:spcPts val="2500"/>
-              </a:lnSpc>
-            </a:pPr>
-            <a:r>
-              <a:rPr lang="en-US" sz="1600">
-                <a:latin typeface="Leelawadee UI" panose="020B0502040204020203" pitchFamily="34" charset="-34"/>
-                <a:ea typeface="Microsoft JhengHei Light" panose="020B0304030504040204" pitchFamily="34" charset="-120"/>
-                <a:cs typeface="Leelawadee UI" panose="020B0502040204020203" pitchFamily="34" charset="-34"/>
-              </a:rPr>
-              <a:t>SDA: serial data</a:t>
-            </a:r>
-          </a:p>
-          <a:p>
-            <a:pPr>
-              <a:lnSpc>
-                <a:spcPts val="2500"/>
-              </a:lnSpc>
-            </a:pPr>
-            <a:r>
-              <a:rPr lang="en-US" sz="1600">
-                <a:latin typeface="Leelawadee UI" panose="020B0502040204020203" pitchFamily="34" charset="-34"/>
-                <a:ea typeface="Microsoft JhengHei Light" panose="020B0304030504040204" pitchFamily="34" charset="-120"/>
-                <a:cs typeface="Leelawadee UI" panose="020B0502040204020203" pitchFamily="34" charset="-34"/>
-              </a:rPr>
-              <a:t>SCL: serial clock</a:t>
-            </a:r>
-          </a:p>
-          <a:p>
-            <a:endParaRPr lang="en-US" sz="1200">
-              <a:solidFill>
-                <a:srgbClr val="D4D4D4"/>
-              </a:solidFill>
-              <a:latin typeface="Consolas" panose="020B0609020204030204" pitchFamily="49" charset="0"/>
-            </a:endParaRPr>
-          </a:p>
-          <a:p>
-            <a:endParaRPr lang="en-US" sz="1200">
-              <a:latin typeface="Times New Roman" panose="02020603050405020304" pitchFamily="18" charset="0"/>
-              <a:cs typeface="Times New Roman" panose="02020603050405020304" pitchFamily="18" charset="0"/>
-            </a:endParaRPr>
-          </a:p>
-          <a:p>
-            <a:endParaRPr lang="en-US" sz="1200">
-              <a:latin typeface="Times New Roman" panose="02020603050405020304" pitchFamily="18" charset="0"/>
-              <a:cs typeface="Times New Roman" panose="02020603050405020304" pitchFamily="18" charset="0"/>
-            </a:endParaRPr>
-          </a:p>
-          <a:p>
-            <a:endParaRPr lang="en-US"/>
-          </a:p>
-        </p:txBody>
-      </p:sp>
-      <p:pic>
-        <p:nvPicPr>
-          <p:cNvPr id="25" name="图片 24">
-            <a:extLst>
-              <a:ext uri="{FF2B5EF4-FFF2-40B4-BE49-F238E27FC236}">
-                <a16:creationId xmlns:a16="http://schemas.microsoft.com/office/drawing/2014/main" id="{37126308-0125-4A61-8548-BB4E1513B07D}"/>
-              </a:ext>
-            </a:extLst>
-          </p:cNvPr>
-          <p:cNvPicPr>
-            <a:picLocks noChangeAspect="1"/>
-          </p:cNvPicPr>
-          <p:nvPr/>
-        </p:nvPicPr>
-        <p:blipFill>
-          <a:blip r:embed="rId2">
-            <a:extLst>
-              <a:ext uri="{28A0092B-C50C-407E-A947-70E740481C1C}">
-                <a14:useLocalDpi xmlns:a14="http://schemas.microsoft.com/office/drawing/2010/main" val="0"/>
-              </a:ext>
-            </a:extLst>
-          </a:blip>
-          <a:stretch>
-            <a:fillRect/>
-          </a:stretch>
-        </p:blipFill>
-        <p:spPr>
-          <a:xfrm>
-            <a:off x="897803" y="4539349"/>
-            <a:ext cx="269089" cy="260760"/>
-          </a:xfrm>
-          <a:prstGeom prst="rect">
-            <a:avLst/>
-          </a:prstGeom>
-        </p:spPr>
-      </p:pic>
-      <p:pic>
-        <p:nvPicPr>
-          <p:cNvPr id="26" name="图片 25">
-            <a:extLst>
-              <a:ext uri="{FF2B5EF4-FFF2-40B4-BE49-F238E27FC236}">
-                <a16:creationId xmlns:a16="http://schemas.microsoft.com/office/drawing/2014/main" id="{D43424B8-FD8A-40A7-BA9C-3B9B28427892}"/>
-              </a:ext>
-            </a:extLst>
-          </p:cNvPr>
-          <p:cNvPicPr>
-            <a:picLocks noChangeAspect="1"/>
-          </p:cNvPicPr>
-          <p:nvPr/>
-        </p:nvPicPr>
-        <p:blipFill>
-          <a:blip r:embed="rId3">
-            <a:extLst>
-              <a:ext uri="{28A0092B-C50C-407E-A947-70E740481C1C}">
-                <a14:useLocalDpi xmlns:a14="http://schemas.microsoft.com/office/drawing/2010/main" val="0"/>
-              </a:ext>
-            </a:extLst>
-          </a:blip>
-          <a:stretch>
-            <a:fillRect/>
-          </a:stretch>
-        </p:blipFill>
-        <p:spPr>
-          <a:xfrm>
-            <a:off x="897803" y="4866838"/>
-            <a:ext cx="269089" cy="260760"/>
-          </a:xfrm>
-          <a:prstGeom prst="rect">
-            <a:avLst/>
-          </a:prstGeom>
-        </p:spPr>
-      </p:pic>
-      <p:pic>
-        <p:nvPicPr>
-          <p:cNvPr id="27" name="图片 26">
-            <a:extLst>
-              <a:ext uri="{FF2B5EF4-FFF2-40B4-BE49-F238E27FC236}">
-                <a16:creationId xmlns:a16="http://schemas.microsoft.com/office/drawing/2014/main" id="{E7DFF96D-EFCF-411F-A96C-0982E2CB0AA5}"/>
-              </a:ext>
-            </a:extLst>
-          </p:cNvPr>
-          <p:cNvPicPr>
-            <a:picLocks noChangeAspect="1"/>
-          </p:cNvPicPr>
-          <p:nvPr/>
-        </p:nvPicPr>
-        <p:blipFill>
-          <a:blip r:embed="rId4">
-            <a:extLst>
-              <a:ext uri="{28A0092B-C50C-407E-A947-70E740481C1C}">
-                <a14:useLocalDpi xmlns:a14="http://schemas.microsoft.com/office/drawing/2010/main" val="0"/>
-              </a:ext>
-            </a:extLst>
-          </a:blip>
-          <a:stretch>
-            <a:fillRect/>
-          </a:stretch>
-        </p:blipFill>
-        <p:spPr>
-          <a:xfrm>
-            <a:off x="897803" y="5194327"/>
-            <a:ext cx="269089" cy="260760"/>
-          </a:xfrm>
-          <a:prstGeom prst="rect">
-            <a:avLst/>
-          </a:prstGeom>
-        </p:spPr>
-      </p:pic>
-      <p:pic>
-        <p:nvPicPr>
-          <p:cNvPr id="28" name="图片 27">
-            <a:extLst>
-              <a:ext uri="{FF2B5EF4-FFF2-40B4-BE49-F238E27FC236}">
-                <a16:creationId xmlns:a16="http://schemas.microsoft.com/office/drawing/2014/main" id="{F26BB28F-8841-4089-94D8-F8433A1D9031}"/>
-              </a:ext>
-            </a:extLst>
-          </p:cNvPr>
-          <p:cNvPicPr>
-            <a:picLocks noChangeAspect="1"/>
-          </p:cNvPicPr>
-          <p:nvPr/>
-        </p:nvPicPr>
-        <p:blipFill>
-          <a:blip r:embed="rId5">
-            <a:extLst>
-              <a:ext uri="{28A0092B-C50C-407E-A947-70E740481C1C}">
-                <a14:useLocalDpi xmlns:a14="http://schemas.microsoft.com/office/drawing/2010/main" val="0"/>
-              </a:ext>
-            </a:extLst>
-          </a:blip>
-          <a:stretch>
-            <a:fillRect/>
-          </a:stretch>
-        </p:blipFill>
-        <p:spPr>
-          <a:xfrm>
-            <a:off x="897803" y="5521817"/>
-            <a:ext cx="269089" cy="260760"/>
-          </a:xfrm>
-          <a:prstGeom prst="rect">
-            <a:avLst/>
-          </a:prstGeom>
-        </p:spPr>
-      </p:pic>
       <p:grpSp>
         <p:nvGrpSpPr>
           <p:cNvPr id="2" name="组合 1">
@@ -3670,7 +3398,7 @@
             <p:nvPr/>
           </p:nvPicPr>
           <p:blipFill>
-            <a:blip r:embed="rId6">
+            <a:blip r:embed="rId2">
               <a:extLst>
                 <a:ext uri="{28A0092B-C50C-407E-A947-70E740481C1C}">
                   <a14:useLocalDpi xmlns:a14="http://schemas.microsoft.com/office/drawing/2010/main" val="0"/>
@@ -3706,7 +3434,7 @@
             <p:nvPr/>
           </p:nvPicPr>
           <p:blipFill>
-            <a:blip r:embed="rId2">
+            <a:blip r:embed="rId3">
               <a:extLst>
                 <a:ext uri="{28A0092B-C50C-407E-A947-70E740481C1C}">
                   <a14:useLocalDpi xmlns:a14="http://schemas.microsoft.com/office/drawing/2010/main" val="0"/>
@@ -3742,7 +3470,7 @@
             <p:nvPr/>
           </p:nvPicPr>
           <p:blipFill>
-            <a:blip r:embed="rId3">
+            <a:blip r:embed="rId4">
               <a:extLst>
                 <a:ext uri="{28A0092B-C50C-407E-A947-70E740481C1C}">
                   <a14:useLocalDpi xmlns:a14="http://schemas.microsoft.com/office/drawing/2010/main" val="0"/>
@@ -3778,7 +3506,7 @@
             <p:nvPr/>
           </p:nvPicPr>
           <p:blipFill>
-            <a:blip r:embed="rId4">
+            <a:blip r:embed="rId5">
               <a:extLst>
                 <a:ext uri="{28A0092B-C50C-407E-A947-70E740481C1C}">
                   <a14:useLocalDpi xmlns:a14="http://schemas.microsoft.com/office/drawing/2010/main" val="0"/>
@@ -3814,7 +3542,7 @@
             <p:nvPr/>
           </p:nvPicPr>
           <p:blipFill>
-            <a:blip r:embed="rId5">
+            <a:blip r:embed="rId6">
               <a:extLst>
                 <a:ext uri="{28A0092B-C50C-407E-A947-70E740481C1C}">
                   <a14:useLocalDpi xmlns:a14="http://schemas.microsoft.com/office/drawing/2010/main" val="0"/>
@@ -4735,6 +4463,278 @@
           </p:style>
         </p:cxnSp>
       </p:grpSp>
+      <p:sp>
+        <p:nvSpPr>
+          <p:cNvPr id="5" name="文本框 4">
+            <a:extLst>
+              <a:ext uri="{FF2B5EF4-FFF2-40B4-BE49-F238E27FC236}">
+                <a16:creationId xmlns:a16="http://schemas.microsoft.com/office/drawing/2014/main" id="{D01C0A0C-C039-423C-A515-A9BDBADCF5E6}"/>
+              </a:ext>
+            </a:extLst>
+          </p:cNvPr>
+          <p:cNvSpPr txBox="1"/>
+          <p:nvPr/>
+        </p:nvSpPr>
+        <p:spPr>
+          <a:xfrm>
+            <a:off x="1140093" y="4472583"/>
+            <a:ext cx="4616147" cy="2205732"/>
+          </a:xfrm>
+          <a:prstGeom prst="rect">
+            <a:avLst/>
+          </a:prstGeom>
+          <a:noFill/>
+        </p:spPr>
+        <p:txBody>
+          <a:bodyPr wrap="square" rtlCol="0">
+            <a:spAutoFit/>
+          </a:bodyPr>
+          <a:lstStyle/>
+          <a:p>
+            <a:pPr>
+              <a:lnSpc>
+                <a:spcPts val="2500"/>
+              </a:lnSpc>
+            </a:pPr>
+            <a:r>
+              <a:rPr lang="en-US" sz="1600">
+                <a:latin typeface="Leelawadee UI" panose="020B0502040204020203" pitchFamily="34" charset="-34"/>
+                <a:ea typeface="Microsoft JhengHei Light" panose="020B0304030504040204" pitchFamily="34" charset="-120"/>
+                <a:cs typeface="Leelawadee UI" panose="020B0502040204020203" pitchFamily="34" charset="-34"/>
+              </a:rPr>
+              <a:t>GND: connect this module </a:t>
+            </a:r>
+            <a:r>
+              <a:rPr lang="en-US" altLang="zh-CN" sz="1600">
+                <a:latin typeface="Leelawadee UI" panose="020B0502040204020203" pitchFamily="34" charset="-34"/>
+                <a:ea typeface="Microsoft JhengHei Light" panose="020B0304030504040204" pitchFamily="34" charset="-120"/>
+                <a:cs typeface="Leelawadee UI" panose="020B0502040204020203" pitchFamily="34" charset="-34"/>
+              </a:rPr>
+              <a:t>to</a:t>
+            </a:r>
+            <a:r>
+              <a:rPr lang="en-US" sz="1600">
+                <a:latin typeface="Leelawadee UI" panose="020B0502040204020203" pitchFamily="34" charset="-34"/>
+                <a:ea typeface="Microsoft JhengHei Light" panose="020B0304030504040204" pitchFamily="34" charset="-120"/>
+                <a:cs typeface="Leelawadee UI" panose="020B0502040204020203" pitchFamily="34" charset="-34"/>
+              </a:rPr>
+              <a:t> the system GND </a:t>
+            </a:r>
+          </a:p>
+          <a:p>
+            <a:pPr>
+              <a:lnSpc>
+                <a:spcPts val="2500"/>
+              </a:lnSpc>
+            </a:pPr>
+            <a:r>
+              <a:rPr lang="en-US" sz="1600">
+                <a:latin typeface="Leelawadee UI" panose="020B0502040204020203" pitchFamily="34" charset="-34"/>
+                <a:ea typeface="Microsoft JhengHei Light" panose="020B0304030504040204" pitchFamily="34" charset="-120"/>
+                <a:cs typeface="Leelawadee UI" panose="020B0502040204020203" pitchFamily="34" charset="-34"/>
+              </a:rPr>
+              <a:t>VCC: you can use 5V or 3.3V for this module</a:t>
+            </a:r>
+          </a:p>
+          <a:p>
+            <a:pPr>
+              <a:lnSpc>
+                <a:spcPts val="2500"/>
+              </a:lnSpc>
+            </a:pPr>
+            <a:r>
+              <a:rPr lang="en-US" sz="1600">
+                <a:latin typeface="Leelawadee UI" panose="020B0502040204020203" pitchFamily="34" charset="-34"/>
+                <a:ea typeface="Microsoft JhengHei Light" panose="020B0304030504040204" pitchFamily="34" charset="-120"/>
+                <a:cs typeface="Leelawadee UI" panose="020B0502040204020203" pitchFamily="34" charset="-34"/>
+              </a:rPr>
+              <a:t>SDA: serial data</a:t>
+            </a:r>
+          </a:p>
+          <a:p>
+            <a:pPr>
+              <a:lnSpc>
+                <a:spcPts val="2500"/>
+              </a:lnSpc>
+            </a:pPr>
+            <a:r>
+              <a:rPr lang="en-US" sz="1600">
+                <a:latin typeface="Leelawadee UI" panose="020B0502040204020203" pitchFamily="34" charset="-34"/>
+                <a:ea typeface="Microsoft JhengHei Light" panose="020B0304030504040204" pitchFamily="34" charset="-120"/>
+                <a:cs typeface="Leelawadee UI" panose="020B0502040204020203" pitchFamily="34" charset="-34"/>
+              </a:rPr>
+              <a:t>SCL: serial clock</a:t>
+            </a:r>
+          </a:p>
+          <a:p>
+            <a:endParaRPr lang="en-US" sz="1200">
+              <a:solidFill>
+                <a:srgbClr val="D4D4D4"/>
+              </a:solidFill>
+              <a:latin typeface="Consolas" panose="020B0609020204030204" pitchFamily="49" charset="0"/>
+            </a:endParaRPr>
+          </a:p>
+          <a:p>
+            <a:endParaRPr lang="en-US" sz="1200">
+              <a:latin typeface="Times New Roman" panose="02020603050405020304" pitchFamily="18" charset="0"/>
+              <a:cs typeface="Times New Roman" panose="02020603050405020304" pitchFamily="18" charset="0"/>
+            </a:endParaRPr>
+          </a:p>
+          <a:p>
+            <a:endParaRPr lang="en-US" sz="1200">
+              <a:latin typeface="Times New Roman" panose="02020603050405020304" pitchFamily="18" charset="0"/>
+              <a:cs typeface="Times New Roman" panose="02020603050405020304" pitchFamily="18" charset="0"/>
+            </a:endParaRPr>
+          </a:p>
+          <a:p>
+            <a:endParaRPr lang="en-US"/>
+          </a:p>
+        </p:txBody>
+      </p:sp>
+      <p:pic>
+        <p:nvPicPr>
+          <p:cNvPr id="25" name="图片 24">
+            <a:extLst>
+              <a:ext uri="{FF2B5EF4-FFF2-40B4-BE49-F238E27FC236}">
+                <a16:creationId xmlns:a16="http://schemas.microsoft.com/office/drawing/2014/main" id="{37126308-0125-4A61-8548-BB4E1513B07D}"/>
+              </a:ext>
+            </a:extLst>
+          </p:cNvPr>
+          <p:cNvPicPr>
+            <a:picLocks noChangeAspect="1"/>
+          </p:cNvPicPr>
+          <p:nvPr/>
+        </p:nvPicPr>
+        <p:blipFill>
+          <a:blip r:embed="rId3">
+            <a:extLst>
+              <a:ext uri="{28A0092B-C50C-407E-A947-70E740481C1C}">
+                <a14:useLocalDpi xmlns:a14="http://schemas.microsoft.com/office/drawing/2010/main" val="0"/>
+              </a:ext>
+            </a:extLst>
+          </a:blip>
+          <a:stretch>
+            <a:fillRect/>
+          </a:stretch>
+        </p:blipFill>
+        <p:spPr>
+          <a:xfrm>
+            <a:off x="897803" y="4539349"/>
+            <a:ext cx="269089" cy="260760"/>
+          </a:xfrm>
+          <a:prstGeom prst="rect">
+            <a:avLst/>
+          </a:prstGeom>
+        </p:spPr>
+      </p:pic>
+      <p:pic>
+        <p:nvPicPr>
+          <p:cNvPr id="26" name="图片 25">
+            <a:extLst>
+              <a:ext uri="{FF2B5EF4-FFF2-40B4-BE49-F238E27FC236}">
+                <a16:creationId xmlns:a16="http://schemas.microsoft.com/office/drawing/2014/main" id="{D43424B8-FD8A-40A7-BA9C-3B9B28427892}"/>
+              </a:ext>
+            </a:extLst>
+          </p:cNvPr>
+          <p:cNvPicPr>
+            <a:picLocks noChangeAspect="1"/>
+          </p:cNvPicPr>
+          <p:nvPr/>
+        </p:nvPicPr>
+        <p:blipFill>
+          <a:blip r:embed="rId4">
+            <a:extLst>
+              <a:ext uri="{28A0092B-C50C-407E-A947-70E740481C1C}">
+                <a14:useLocalDpi xmlns:a14="http://schemas.microsoft.com/office/drawing/2010/main" val="0"/>
+              </a:ext>
+            </a:extLst>
+          </a:blip>
+          <a:stretch>
+            <a:fillRect/>
+          </a:stretch>
+        </p:blipFill>
+        <p:spPr>
+          <a:xfrm>
+            <a:off x="897803" y="4866838"/>
+            <a:ext cx="269089" cy="260760"/>
+          </a:xfrm>
+          <a:prstGeom prst="rect">
+            <a:avLst/>
+          </a:prstGeom>
+        </p:spPr>
+      </p:pic>
+      <p:pic>
+        <p:nvPicPr>
+          <p:cNvPr id="27" name="图片 26">
+            <a:extLst>
+              <a:ext uri="{FF2B5EF4-FFF2-40B4-BE49-F238E27FC236}">
+                <a16:creationId xmlns:a16="http://schemas.microsoft.com/office/drawing/2014/main" id="{E7DFF96D-EFCF-411F-A96C-0982E2CB0AA5}"/>
+              </a:ext>
+            </a:extLst>
+          </p:cNvPr>
+          <p:cNvPicPr>
+            <a:picLocks noChangeAspect="1"/>
+          </p:cNvPicPr>
+          <p:nvPr/>
+        </p:nvPicPr>
+        <p:blipFill>
+          <a:blip r:embed="rId5">
+            <a:extLst>
+              <a:ext uri="{28A0092B-C50C-407E-A947-70E740481C1C}">
+                <a14:useLocalDpi xmlns:a14="http://schemas.microsoft.com/office/drawing/2010/main" val="0"/>
+              </a:ext>
+            </a:extLst>
+          </a:blip>
+          <a:stretch>
+            <a:fillRect/>
+          </a:stretch>
+        </p:blipFill>
+        <p:spPr>
+          <a:xfrm>
+            <a:off x="897803" y="5194327"/>
+            <a:ext cx="269089" cy="260760"/>
+          </a:xfrm>
+          <a:prstGeom prst="rect">
+            <a:avLst/>
+          </a:prstGeom>
+        </p:spPr>
+      </p:pic>
+      <p:pic>
+        <p:nvPicPr>
+          <p:cNvPr id="28" name="图片 27">
+            <a:extLst>
+              <a:ext uri="{FF2B5EF4-FFF2-40B4-BE49-F238E27FC236}">
+                <a16:creationId xmlns:a16="http://schemas.microsoft.com/office/drawing/2014/main" id="{F26BB28F-8841-4089-94D8-F8433A1D9031}"/>
+              </a:ext>
+            </a:extLst>
+          </p:cNvPr>
+          <p:cNvPicPr>
+            <a:picLocks noChangeAspect="1"/>
+          </p:cNvPicPr>
+          <p:nvPr/>
+        </p:nvPicPr>
+        <p:blipFill>
+          <a:blip r:embed="rId6">
+            <a:extLst>
+              <a:ext uri="{28A0092B-C50C-407E-A947-70E740481C1C}">
+                <a14:useLocalDpi xmlns:a14="http://schemas.microsoft.com/office/drawing/2010/main" val="0"/>
+              </a:ext>
+            </a:extLst>
+          </a:blip>
+          <a:stretch>
+            <a:fillRect/>
+          </a:stretch>
+        </p:blipFill>
+        <p:spPr>
+          <a:xfrm>
+            <a:off x="897803" y="5521817"/>
+            <a:ext cx="269089" cy="260760"/>
+          </a:xfrm>
+          <a:prstGeom prst="rect">
+            <a:avLst/>
+          </a:prstGeom>
+        </p:spPr>
+      </p:pic>
       <p:grpSp>
         <p:nvGrpSpPr>
           <p:cNvPr id="22" name="组合 21">

--- a/img/pin_map.pptx
+++ b/img/pin_map.pptx
@@ -7,7 +7,6 @@
   <p:sldIdLst>
     <p:sldId id="256" r:id="rId2"/>
     <p:sldId id="258" r:id="rId3"/>
-    <p:sldId id="257" r:id="rId4"/>
   </p:sldIdLst>
   <p:sldSz cx="12192000" cy="6858000"/>
   <p:notesSz cx="6858000" cy="9144000"/>
@@ -5707,8 +5706,8 @@
         </p:nvSpPr>
         <p:spPr>
           <a:xfrm>
-            <a:off x="3357265" y="3386599"/>
-            <a:ext cx="536289" cy="400110"/>
+            <a:off x="3186067" y="3393773"/>
+            <a:ext cx="1014857" cy="707886"/>
           </a:xfrm>
           <a:prstGeom prst="rect">
             <a:avLst/>
@@ -5729,8 +5728,37 @@
                   </a:schemeClr>
                 </a:solidFill>
               </a:rPr>
-              <a:t>I2C</a:t>
-            </a:r>
+              <a:t>    I2C</a:t>
+            </a:r>
+          </a:p>
+          <a:p>
+            <a:r>
+              <a:rPr lang="en-US" sz="2000" b="1">
+                <a:solidFill>
+                  <a:schemeClr val="bg1">
+                    <a:lumMod val="75000"/>
+                  </a:schemeClr>
+                </a:solidFill>
+              </a:rPr>
+              <a:t>D</a:t>
+            </a:r>
+            <a:r>
+              <a:rPr lang="en-US" altLang="zh-CN" sz="2000" b="1">
+                <a:solidFill>
+                  <a:schemeClr val="bg1">
+                    <a:lumMod val="75000"/>
+                  </a:schemeClr>
+                </a:solidFill>
+              </a:rPr>
+              <a:t>efault</a:t>
+            </a:r>
+            <a:endParaRPr lang="en-US" sz="2000" b="1">
+              <a:solidFill>
+                <a:schemeClr val="bg1">
+                  <a:lumMod val="75000"/>
+                </a:schemeClr>
+              </a:solidFill>
+            </a:endParaRPr>
           </a:p>
         </p:txBody>
       </p:sp>
@@ -6572,72 +6600,6 @@
     <p:extLst>
       <p:ext uri="{BB962C8B-B14F-4D97-AF65-F5344CB8AC3E}">
         <p14:creationId xmlns:p14="http://schemas.microsoft.com/office/powerpoint/2010/main" val="3027457322"/>
-      </p:ext>
-    </p:extLst>
-  </p:cSld>
-  <p:clrMapOvr>
-    <a:masterClrMapping/>
-  </p:clrMapOvr>
-</p:sld>
-</file>
-
-<file path=ppt/slides/slide3.xml><?xml version="1.0" encoding="utf-8"?>
-<p:sld xmlns:a="http://schemas.openxmlformats.org/drawingml/2006/main" xmlns:r="http://schemas.openxmlformats.org/officeDocument/2006/relationships" xmlns:p="http://schemas.openxmlformats.org/presentationml/2006/main">
-  <p:cSld>
-    <p:spTree>
-      <p:nvGrpSpPr>
-        <p:cNvPr id="1" name=""/>
-        <p:cNvGrpSpPr/>
-        <p:nvPr/>
-      </p:nvGrpSpPr>
-      <p:grpSpPr>
-        <a:xfrm>
-          <a:off x="0" y="0"/>
-          <a:ext cx="0" cy="0"/>
-          <a:chOff x="0" y="0"/>
-          <a:chExt cx="0" cy="0"/>
-        </a:xfrm>
-      </p:grpSpPr>
-      <p:pic>
-        <p:nvPicPr>
-          <p:cNvPr id="3" name="图片 2">
-            <a:extLst>
-              <a:ext uri="{FF2B5EF4-FFF2-40B4-BE49-F238E27FC236}">
-                <a16:creationId xmlns:a16="http://schemas.microsoft.com/office/drawing/2014/main" id="{8901DA6B-7649-45DD-8FD8-6DCFAEA27F78}"/>
-              </a:ext>
-            </a:extLst>
-          </p:cNvPr>
-          <p:cNvPicPr>
-            <a:picLocks noChangeAspect="1"/>
-          </p:cNvPicPr>
-          <p:nvPr/>
-        </p:nvPicPr>
-        <p:blipFill>
-          <a:blip r:embed="rId2">
-            <a:extLst>
-              <a:ext uri="{28A0092B-C50C-407E-A947-70E740481C1C}">
-                <a14:useLocalDpi xmlns:a14="http://schemas.microsoft.com/office/drawing/2010/main" val="0"/>
-              </a:ext>
-            </a:extLst>
-          </a:blip>
-          <a:stretch>
-            <a:fillRect/>
-          </a:stretch>
-        </p:blipFill>
-        <p:spPr>
-          <a:xfrm>
-            <a:off x="3962400" y="1828800"/>
-            <a:ext cx="4267200" cy="3200400"/>
-          </a:xfrm>
-          <a:prstGeom prst="rect">
-            <a:avLst/>
-          </a:prstGeom>
-        </p:spPr>
-      </p:pic>
-    </p:spTree>
-    <p:extLst>
-      <p:ext uri="{BB962C8B-B14F-4D97-AF65-F5344CB8AC3E}">
-        <p14:creationId xmlns:p14="http://schemas.microsoft.com/office/powerpoint/2010/main" val="1664655220"/>
       </p:ext>
     </p:extLst>
   </p:cSld>

--- a/img/pin_map.pptx
+++ b/img/pin_map.pptx
@@ -274,7 +274,7 @@
           <a:p>
             <a:fld id="{6BAEC7DB-416E-4648-AE31-15D6F0A9A9FB}" type="datetimeFigureOut">
               <a:rPr lang="en-US" smtClean="0"/>
-              <a:t>8/6/2018</a:t>
+              <a:t>8/8/2018</a:t>
             </a:fld>
             <a:endParaRPr lang="en-US"/>
           </a:p>
@@ -474,7 +474,7 @@
           <a:p>
             <a:fld id="{6BAEC7DB-416E-4648-AE31-15D6F0A9A9FB}" type="datetimeFigureOut">
               <a:rPr lang="en-US" smtClean="0"/>
-              <a:t>8/6/2018</a:t>
+              <a:t>8/8/2018</a:t>
             </a:fld>
             <a:endParaRPr lang="en-US"/>
           </a:p>
@@ -684,7 +684,7 @@
           <a:p>
             <a:fld id="{6BAEC7DB-416E-4648-AE31-15D6F0A9A9FB}" type="datetimeFigureOut">
               <a:rPr lang="en-US" smtClean="0"/>
-              <a:t>8/6/2018</a:t>
+              <a:t>8/8/2018</a:t>
             </a:fld>
             <a:endParaRPr lang="en-US"/>
           </a:p>
@@ -884,7 +884,7 @@
           <a:p>
             <a:fld id="{6BAEC7DB-416E-4648-AE31-15D6F0A9A9FB}" type="datetimeFigureOut">
               <a:rPr lang="en-US" smtClean="0"/>
-              <a:t>8/6/2018</a:t>
+              <a:t>8/8/2018</a:t>
             </a:fld>
             <a:endParaRPr lang="en-US"/>
           </a:p>
@@ -1160,7 +1160,7 @@
           <a:p>
             <a:fld id="{6BAEC7DB-416E-4648-AE31-15D6F0A9A9FB}" type="datetimeFigureOut">
               <a:rPr lang="en-US" smtClean="0"/>
-              <a:t>8/6/2018</a:t>
+              <a:t>8/8/2018</a:t>
             </a:fld>
             <a:endParaRPr lang="en-US"/>
           </a:p>
@@ -1428,7 +1428,7 @@
           <a:p>
             <a:fld id="{6BAEC7DB-416E-4648-AE31-15D6F0A9A9FB}" type="datetimeFigureOut">
               <a:rPr lang="en-US" smtClean="0"/>
-              <a:t>8/6/2018</a:t>
+              <a:t>8/8/2018</a:t>
             </a:fld>
             <a:endParaRPr lang="en-US"/>
           </a:p>
@@ -1843,7 +1843,7 @@
           <a:p>
             <a:fld id="{6BAEC7DB-416E-4648-AE31-15D6F0A9A9FB}" type="datetimeFigureOut">
               <a:rPr lang="en-US" smtClean="0"/>
-              <a:t>8/6/2018</a:t>
+              <a:t>8/8/2018</a:t>
             </a:fld>
             <a:endParaRPr lang="en-US"/>
           </a:p>
@@ -1985,7 +1985,7 @@
           <a:p>
             <a:fld id="{6BAEC7DB-416E-4648-AE31-15D6F0A9A9FB}" type="datetimeFigureOut">
               <a:rPr lang="en-US" smtClean="0"/>
-              <a:t>8/6/2018</a:t>
+              <a:t>8/8/2018</a:t>
             </a:fld>
             <a:endParaRPr lang="en-US"/>
           </a:p>
@@ -2098,7 +2098,7 @@
           <a:p>
             <a:fld id="{6BAEC7DB-416E-4648-AE31-15D6F0A9A9FB}" type="datetimeFigureOut">
               <a:rPr lang="en-US" smtClean="0"/>
-              <a:t>8/6/2018</a:t>
+              <a:t>8/8/2018</a:t>
             </a:fld>
             <a:endParaRPr lang="en-US"/>
           </a:p>
@@ -2411,7 +2411,7 @@
           <a:p>
             <a:fld id="{6BAEC7DB-416E-4648-AE31-15D6F0A9A9FB}" type="datetimeFigureOut">
               <a:rPr lang="en-US" smtClean="0"/>
-              <a:t>8/6/2018</a:t>
+              <a:t>8/8/2018</a:t>
             </a:fld>
             <a:endParaRPr lang="en-US"/>
           </a:p>
@@ -2700,7 +2700,7 @@
           <a:p>
             <a:fld id="{6BAEC7DB-416E-4648-AE31-15D6F0A9A9FB}" type="datetimeFigureOut">
               <a:rPr lang="en-US" smtClean="0"/>
-              <a:t>8/6/2018</a:t>
+              <a:t>8/8/2018</a:t>
             </a:fld>
             <a:endParaRPr lang="en-US"/>
           </a:p>
@@ -2943,7 +2943,7 @@
           <a:p>
             <a:fld id="{6BAEC7DB-416E-4648-AE31-15D6F0A9A9FB}" type="datetimeFigureOut">
               <a:rPr lang="en-US" smtClean="0"/>
-              <a:t>8/6/2018</a:t>
+              <a:t>8/8/2018</a:t>
             </a:fld>
             <a:endParaRPr lang="en-US"/>
           </a:p>
@@ -5240,10 +5240,10 @@
       </p:grpSpPr>
       <p:pic>
         <p:nvPicPr>
-          <p:cNvPr id="4" name="图片 3">
-            <a:extLst>
-              <a:ext uri="{FF2B5EF4-FFF2-40B4-BE49-F238E27FC236}">
-                <a16:creationId xmlns:a16="http://schemas.microsoft.com/office/drawing/2014/main" id="{E53834D6-68A9-457E-A183-07326EF81CB9}"/>
+          <p:cNvPr id="5" name="图片 4">
+            <a:extLst>
+              <a:ext uri="{FF2B5EF4-FFF2-40B4-BE49-F238E27FC236}">
+                <a16:creationId xmlns:a16="http://schemas.microsoft.com/office/drawing/2014/main" id="{3014A54A-9BBC-4E6A-BA3B-2A27B09AE7A2}"/>
               </a:ext>
             </a:extLst>
           </p:cNvPr>
@@ -5265,9 +5265,9 @@
           </a:stretch>
         </p:blipFill>
         <p:spPr>
-          <a:xfrm rot="5400000">
-            <a:off x="2972034" y="1034193"/>
-            <a:ext cx="5693934" cy="4270451"/>
+          <a:xfrm>
+            <a:off x="4399961" y="942980"/>
+            <a:ext cx="3324444" cy="4435555"/>
           </a:xfrm>
           <a:prstGeom prst="rect">
             <a:avLst/>

--- a/img/pin_map.pptx
+++ b/img/pin_map.pptx
@@ -274,7 +274,7 @@
           <a:p>
             <a:fld id="{6BAEC7DB-416E-4648-AE31-15D6F0A9A9FB}" type="datetimeFigureOut">
               <a:rPr lang="en-US" smtClean="0"/>
-              <a:t>8/8/2018</a:t>
+              <a:t>8/20/2018</a:t>
             </a:fld>
             <a:endParaRPr lang="en-US"/>
           </a:p>
@@ -474,7 +474,7 @@
           <a:p>
             <a:fld id="{6BAEC7DB-416E-4648-AE31-15D6F0A9A9FB}" type="datetimeFigureOut">
               <a:rPr lang="en-US" smtClean="0"/>
-              <a:t>8/8/2018</a:t>
+              <a:t>8/20/2018</a:t>
             </a:fld>
             <a:endParaRPr lang="en-US"/>
           </a:p>
@@ -684,7 +684,7 @@
           <a:p>
             <a:fld id="{6BAEC7DB-416E-4648-AE31-15D6F0A9A9FB}" type="datetimeFigureOut">
               <a:rPr lang="en-US" smtClean="0"/>
-              <a:t>8/8/2018</a:t>
+              <a:t>8/20/2018</a:t>
             </a:fld>
             <a:endParaRPr lang="en-US"/>
           </a:p>
@@ -884,7 +884,7 @@
           <a:p>
             <a:fld id="{6BAEC7DB-416E-4648-AE31-15D6F0A9A9FB}" type="datetimeFigureOut">
               <a:rPr lang="en-US" smtClean="0"/>
-              <a:t>8/8/2018</a:t>
+              <a:t>8/20/2018</a:t>
             </a:fld>
             <a:endParaRPr lang="en-US"/>
           </a:p>
@@ -1160,7 +1160,7 @@
           <a:p>
             <a:fld id="{6BAEC7DB-416E-4648-AE31-15D6F0A9A9FB}" type="datetimeFigureOut">
               <a:rPr lang="en-US" smtClean="0"/>
-              <a:t>8/8/2018</a:t>
+              <a:t>8/20/2018</a:t>
             </a:fld>
             <a:endParaRPr lang="en-US"/>
           </a:p>
@@ -1428,7 +1428,7 @@
           <a:p>
             <a:fld id="{6BAEC7DB-416E-4648-AE31-15D6F0A9A9FB}" type="datetimeFigureOut">
               <a:rPr lang="en-US" smtClean="0"/>
-              <a:t>8/8/2018</a:t>
+              <a:t>8/20/2018</a:t>
             </a:fld>
             <a:endParaRPr lang="en-US"/>
           </a:p>
@@ -1843,7 +1843,7 @@
           <a:p>
             <a:fld id="{6BAEC7DB-416E-4648-AE31-15D6F0A9A9FB}" type="datetimeFigureOut">
               <a:rPr lang="en-US" smtClean="0"/>
-              <a:t>8/8/2018</a:t>
+              <a:t>8/20/2018</a:t>
             </a:fld>
             <a:endParaRPr lang="en-US"/>
           </a:p>
@@ -1985,7 +1985,7 @@
           <a:p>
             <a:fld id="{6BAEC7DB-416E-4648-AE31-15D6F0A9A9FB}" type="datetimeFigureOut">
               <a:rPr lang="en-US" smtClean="0"/>
-              <a:t>8/8/2018</a:t>
+              <a:t>8/20/2018</a:t>
             </a:fld>
             <a:endParaRPr lang="en-US"/>
           </a:p>
@@ -2098,7 +2098,7 @@
           <a:p>
             <a:fld id="{6BAEC7DB-416E-4648-AE31-15D6F0A9A9FB}" type="datetimeFigureOut">
               <a:rPr lang="en-US" smtClean="0"/>
-              <a:t>8/8/2018</a:t>
+              <a:t>8/20/2018</a:t>
             </a:fld>
             <a:endParaRPr lang="en-US"/>
           </a:p>
@@ -2411,7 +2411,7 @@
           <a:p>
             <a:fld id="{6BAEC7DB-416E-4648-AE31-15D6F0A9A9FB}" type="datetimeFigureOut">
               <a:rPr lang="en-US" smtClean="0"/>
-              <a:t>8/8/2018</a:t>
+              <a:t>8/20/2018</a:t>
             </a:fld>
             <a:endParaRPr lang="en-US"/>
           </a:p>
@@ -2700,7 +2700,7 @@
           <a:p>
             <a:fld id="{6BAEC7DB-416E-4648-AE31-15D6F0A9A9FB}" type="datetimeFigureOut">
               <a:rPr lang="en-US" smtClean="0"/>
-              <a:t>8/8/2018</a:t>
+              <a:t>8/20/2018</a:t>
             </a:fld>
             <a:endParaRPr lang="en-US"/>
           </a:p>
@@ -2943,7 +2943,7 @@
           <a:p>
             <a:fld id="{6BAEC7DB-416E-4648-AE31-15D6F0A9A9FB}" type="datetimeFigureOut">
               <a:rPr lang="en-US" smtClean="0"/>
-              <a:t>8/8/2018</a:t>
+              <a:t>8/20/2018</a:t>
             </a:fld>
             <a:endParaRPr lang="en-US"/>
           </a:p>
@@ -3360,1242 +3360,330 @@
           <a:chExt cx="0" cy="0"/>
         </a:xfrm>
       </p:grpSpPr>
-      <p:grpSp>
-        <p:nvGrpSpPr>
-          <p:cNvPr id="2" name="组合 1">
-            <a:extLst>
-              <a:ext uri="{FF2B5EF4-FFF2-40B4-BE49-F238E27FC236}">
-                <a16:creationId xmlns:a16="http://schemas.microsoft.com/office/drawing/2014/main" id="{4D5144E4-66D9-4701-816F-F7AEC6185E34}"/>
-              </a:ext>
-            </a:extLst>
-          </p:cNvPr>
-          <p:cNvGrpSpPr>
-            <a:grpSpLocks noChangeAspect="1"/>
-          </p:cNvGrpSpPr>
+      <p:pic>
+        <p:nvPicPr>
+          <p:cNvPr id="4" name="图片 3">
+            <a:extLst>
+              <a:ext uri="{FF2B5EF4-FFF2-40B4-BE49-F238E27FC236}">
+                <a16:creationId xmlns:a16="http://schemas.microsoft.com/office/drawing/2014/main" id="{E53834D6-68A9-457E-A183-07326EF81CB9}"/>
+              </a:ext>
+            </a:extLst>
+          </p:cNvPr>
+          <p:cNvPicPr>
+            <a:picLocks noChangeAspect="1"/>
+          </p:cNvPicPr>
           <p:nvPr/>
-        </p:nvGrpSpPr>
-        <p:grpSpPr>
-          <a:xfrm>
-            <a:off x="2257341" y="-237567"/>
-            <a:ext cx="7853031" cy="5039132"/>
-            <a:chOff x="2411445" y="77585"/>
-            <a:chExt cx="6655118" cy="4270451"/>
-          </a:xfrm>
-        </p:grpSpPr>
-        <p:pic>
-          <p:nvPicPr>
-            <p:cNvPr id="4" name="图片 3">
-              <a:extLst>
-                <a:ext uri="{FF2B5EF4-FFF2-40B4-BE49-F238E27FC236}">
-                  <a16:creationId xmlns:a16="http://schemas.microsoft.com/office/drawing/2014/main" id="{E53834D6-68A9-457E-A183-07326EF81CB9}"/>
-                </a:ext>
-              </a:extLst>
-            </p:cNvPr>
-            <p:cNvPicPr>
-              <a:picLocks noChangeAspect="1"/>
-            </p:cNvPicPr>
-            <p:nvPr/>
-          </p:nvPicPr>
-          <p:blipFill>
-            <a:blip r:embed="rId2">
-              <a:extLst>
-                <a:ext uri="{28A0092B-C50C-407E-A947-70E740481C1C}">
-                  <a14:useLocalDpi xmlns:a14="http://schemas.microsoft.com/office/drawing/2010/main" val="0"/>
-                </a:ext>
-              </a:extLst>
-            </a:blip>
-            <a:stretch>
-              <a:fillRect/>
-            </a:stretch>
-          </p:blipFill>
-          <p:spPr>
-            <a:xfrm>
-              <a:off x="2885607" y="77585"/>
-              <a:ext cx="5693935" cy="4270451"/>
-            </a:xfrm>
-            <a:prstGeom prst="rect">
-              <a:avLst/>
-            </a:prstGeom>
-          </p:spPr>
-        </p:pic>
-        <p:pic>
-          <p:nvPicPr>
-            <p:cNvPr id="15" name="图片 14">
-              <a:extLst>
-                <a:ext uri="{FF2B5EF4-FFF2-40B4-BE49-F238E27FC236}">
-                  <a16:creationId xmlns:a16="http://schemas.microsoft.com/office/drawing/2014/main" id="{90FF3E6A-CD31-42D0-AE3C-13BDCB845E81}"/>
-                </a:ext>
-              </a:extLst>
-            </p:cNvPr>
-            <p:cNvPicPr>
-              <a:picLocks noChangeAspect="1"/>
-            </p:cNvPicPr>
-            <p:nvPr/>
-          </p:nvPicPr>
-          <p:blipFill>
-            <a:blip r:embed="rId3">
-              <a:extLst>
-                <a:ext uri="{28A0092B-C50C-407E-A947-70E740481C1C}">
-                  <a14:useLocalDpi xmlns:a14="http://schemas.microsoft.com/office/drawing/2010/main" val="0"/>
-                </a:ext>
-              </a:extLst>
-            </a:blip>
-            <a:stretch>
-              <a:fillRect/>
-            </a:stretch>
-          </p:blipFill>
-          <p:spPr>
-            <a:xfrm>
-              <a:off x="2411445" y="1426546"/>
-              <a:ext cx="403562" cy="403562"/>
-            </a:xfrm>
-            <a:prstGeom prst="rect">
-              <a:avLst/>
-            </a:prstGeom>
-          </p:spPr>
-        </p:pic>
-        <p:pic>
-          <p:nvPicPr>
-            <p:cNvPr id="17" name="图片 16">
-              <a:extLst>
-                <a:ext uri="{FF2B5EF4-FFF2-40B4-BE49-F238E27FC236}">
-                  <a16:creationId xmlns:a16="http://schemas.microsoft.com/office/drawing/2014/main" id="{C01174B4-89C2-4D0C-B26F-33035E962224}"/>
-                </a:ext>
-              </a:extLst>
-            </p:cNvPr>
-            <p:cNvPicPr>
-              <a:picLocks noChangeAspect="1"/>
-            </p:cNvPicPr>
-            <p:nvPr/>
-          </p:nvPicPr>
-          <p:blipFill>
-            <a:blip r:embed="rId4">
-              <a:extLst>
-                <a:ext uri="{28A0092B-C50C-407E-A947-70E740481C1C}">
-                  <a14:useLocalDpi xmlns:a14="http://schemas.microsoft.com/office/drawing/2010/main" val="0"/>
-                </a:ext>
-              </a:extLst>
-            </a:blip>
-            <a:stretch>
-              <a:fillRect/>
-            </a:stretch>
-          </p:blipFill>
-          <p:spPr>
-            <a:xfrm>
-              <a:off x="2411445" y="1817805"/>
-              <a:ext cx="403562" cy="403562"/>
-            </a:xfrm>
-            <a:prstGeom prst="rect">
-              <a:avLst/>
-            </a:prstGeom>
-          </p:spPr>
-        </p:pic>
-        <p:pic>
-          <p:nvPicPr>
-            <p:cNvPr id="19" name="图片 18">
-              <a:extLst>
-                <a:ext uri="{FF2B5EF4-FFF2-40B4-BE49-F238E27FC236}">
-                  <a16:creationId xmlns:a16="http://schemas.microsoft.com/office/drawing/2014/main" id="{07BC457B-E507-47EA-A887-0ABE6C066AD7}"/>
-                </a:ext>
-              </a:extLst>
-            </p:cNvPr>
-            <p:cNvPicPr>
-              <a:picLocks noChangeAspect="1"/>
-            </p:cNvPicPr>
-            <p:nvPr/>
-          </p:nvPicPr>
-          <p:blipFill>
-            <a:blip r:embed="rId5">
-              <a:extLst>
-                <a:ext uri="{28A0092B-C50C-407E-A947-70E740481C1C}">
-                  <a14:useLocalDpi xmlns:a14="http://schemas.microsoft.com/office/drawing/2010/main" val="0"/>
-                </a:ext>
-              </a:extLst>
-            </a:blip>
-            <a:stretch>
-              <a:fillRect/>
-            </a:stretch>
-          </p:blipFill>
-          <p:spPr>
-            <a:xfrm>
-              <a:off x="2411445" y="2209065"/>
-              <a:ext cx="403562" cy="403562"/>
-            </a:xfrm>
-            <a:prstGeom prst="rect">
-              <a:avLst/>
-            </a:prstGeom>
-          </p:spPr>
-        </p:pic>
-        <p:pic>
-          <p:nvPicPr>
-            <p:cNvPr id="21" name="图片 20">
-              <a:extLst>
-                <a:ext uri="{FF2B5EF4-FFF2-40B4-BE49-F238E27FC236}">
-                  <a16:creationId xmlns:a16="http://schemas.microsoft.com/office/drawing/2014/main" id="{C6EF89C3-AFE4-4732-9118-178D0EDE0DE1}"/>
-                </a:ext>
-              </a:extLst>
-            </p:cNvPr>
-            <p:cNvPicPr>
-              <a:picLocks noChangeAspect="1"/>
-            </p:cNvPicPr>
-            <p:nvPr/>
-          </p:nvPicPr>
-          <p:blipFill>
-            <a:blip r:embed="rId6">
-              <a:extLst>
-                <a:ext uri="{28A0092B-C50C-407E-A947-70E740481C1C}">
-                  <a14:useLocalDpi xmlns:a14="http://schemas.microsoft.com/office/drawing/2010/main" val="0"/>
-                </a:ext>
-              </a:extLst>
-            </a:blip>
-            <a:stretch>
-              <a:fillRect/>
-            </a:stretch>
-          </p:blipFill>
-          <p:spPr>
-            <a:xfrm>
-              <a:off x="2411445" y="2600324"/>
-              <a:ext cx="403562" cy="403562"/>
-            </a:xfrm>
-            <a:prstGeom prst="rect">
-              <a:avLst/>
-            </a:prstGeom>
-          </p:spPr>
-        </p:pic>
-        <p:cxnSp>
-          <p:nvCxnSpPr>
-            <p:cNvPr id="59" name="直接连接符 58">
-              <a:extLst>
-                <a:ext uri="{FF2B5EF4-FFF2-40B4-BE49-F238E27FC236}">
-                  <a16:creationId xmlns:a16="http://schemas.microsoft.com/office/drawing/2014/main" id="{554D8D14-D48D-45F6-89A6-634C964B8AE8}"/>
-                </a:ext>
-              </a:extLst>
-            </p:cNvPr>
-            <p:cNvCxnSpPr>
-              <a:cxnSpLocks/>
-            </p:cNvCxnSpPr>
-            <p:nvPr/>
-          </p:nvCxnSpPr>
-          <p:spPr>
-            <a:xfrm>
-              <a:off x="3216948" y="1866252"/>
-              <a:ext cx="1005840" cy="0"/>
-            </a:xfrm>
-            <a:prstGeom prst="line">
-              <a:avLst/>
-            </a:prstGeom>
-            <a:ln w="9525" cap="flat" cmpd="sng" algn="ctr">
-              <a:solidFill>
-                <a:schemeClr val="accent3"/>
-              </a:solidFill>
-              <a:prstDash val="dash"/>
-              <a:round/>
-              <a:headEnd type="none" w="med" len="med"/>
-              <a:tailEnd type="none" w="med" len="med"/>
-            </a:ln>
-          </p:spPr>
-          <p:style>
-            <a:lnRef idx="0">
-              <a:scrgbClr r="0" g="0" b="0"/>
-            </a:lnRef>
-            <a:fillRef idx="0">
-              <a:scrgbClr r="0" g="0" b="0"/>
-            </a:fillRef>
-            <a:effectRef idx="0">
-              <a:scrgbClr r="0" g="0" b="0"/>
-            </a:effectRef>
-            <a:fontRef idx="minor">
-              <a:schemeClr val="tx1"/>
-            </a:fontRef>
-          </p:style>
-        </p:cxnSp>
-        <p:cxnSp>
-          <p:nvCxnSpPr>
-            <p:cNvPr id="62" name="直接连接符 61">
-              <a:extLst>
-                <a:ext uri="{FF2B5EF4-FFF2-40B4-BE49-F238E27FC236}">
-                  <a16:creationId xmlns:a16="http://schemas.microsoft.com/office/drawing/2014/main" id="{71513585-2402-4773-B202-B5A94B9B4E68}"/>
-                </a:ext>
-              </a:extLst>
-            </p:cNvPr>
-            <p:cNvCxnSpPr>
-              <a:cxnSpLocks/>
-            </p:cNvCxnSpPr>
-            <p:nvPr/>
-          </p:nvCxnSpPr>
-          <p:spPr>
-            <a:xfrm>
-              <a:off x="3216948" y="2567469"/>
-              <a:ext cx="1005840" cy="0"/>
-            </a:xfrm>
-            <a:prstGeom prst="line">
-              <a:avLst/>
-            </a:prstGeom>
-            <a:ln w="9525" cap="flat" cmpd="sng" algn="ctr">
-              <a:solidFill>
-                <a:schemeClr val="accent3"/>
-              </a:solidFill>
-              <a:prstDash val="dash"/>
-              <a:round/>
-              <a:headEnd type="none" w="med" len="med"/>
-              <a:tailEnd type="none" w="med" len="med"/>
-            </a:ln>
-          </p:spPr>
-          <p:style>
-            <a:lnRef idx="0">
-              <a:scrgbClr r="0" g="0" b="0"/>
-            </a:lnRef>
-            <a:fillRef idx="0">
-              <a:scrgbClr r="0" g="0" b="0"/>
-            </a:fillRef>
-            <a:effectRef idx="0">
-              <a:scrgbClr r="0" g="0" b="0"/>
-            </a:effectRef>
-            <a:fontRef idx="minor">
-              <a:schemeClr val="tx1"/>
-            </a:fontRef>
-          </p:style>
-        </p:cxnSp>
-        <p:cxnSp>
-          <p:nvCxnSpPr>
-            <p:cNvPr id="64" name="直接连接符 63">
-              <a:extLst>
-                <a:ext uri="{FF2B5EF4-FFF2-40B4-BE49-F238E27FC236}">
-                  <a16:creationId xmlns:a16="http://schemas.microsoft.com/office/drawing/2014/main" id="{F11B205F-0707-4A55-ACA4-3B1022C2AD5E}"/>
-                </a:ext>
-              </a:extLst>
-            </p:cNvPr>
-            <p:cNvCxnSpPr>
-              <a:cxnSpLocks/>
-            </p:cNvCxnSpPr>
-            <p:nvPr/>
-          </p:nvCxnSpPr>
-          <p:spPr>
-            <a:xfrm flipV="1">
-              <a:off x="2809531" y="2336363"/>
-              <a:ext cx="1371600" cy="0"/>
-            </a:xfrm>
-            <a:prstGeom prst="line">
-              <a:avLst/>
-            </a:prstGeom>
-            <a:ln w="9525" cap="flat" cmpd="sng" algn="ctr">
-              <a:solidFill>
-                <a:schemeClr val="accent3"/>
-              </a:solidFill>
-              <a:prstDash val="dash"/>
-              <a:round/>
-              <a:headEnd type="none" w="med" len="med"/>
-              <a:tailEnd type="none" w="med" len="med"/>
-            </a:ln>
-          </p:spPr>
-          <p:style>
-            <a:lnRef idx="0">
-              <a:scrgbClr r="0" g="0" b="0"/>
-            </a:lnRef>
-            <a:fillRef idx="0">
-              <a:scrgbClr r="0" g="0" b="0"/>
-            </a:fillRef>
-            <a:effectRef idx="0">
-              <a:scrgbClr r="0" g="0" b="0"/>
-            </a:effectRef>
-            <a:fontRef idx="minor">
-              <a:schemeClr val="tx1"/>
-            </a:fontRef>
-          </p:style>
-        </p:cxnSp>
-        <p:cxnSp>
-          <p:nvCxnSpPr>
-            <p:cNvPr id="69" name="直接连接符 68">
-              <a:extLst>
-                <a:ext uri="{FF2B5EF4-FFF2-40B4-BE49-F238E27FC236}">
-                  <a16:creationId xmlns:a16="http://schemas.microsoft.com/office/drawing/2014/main" id="{C23963EC-181B-4C8C-91B5-30994438B94F}"/>
-                </a:ext>
-              </a:extLst>
-            </p:cNvPr>
-            <p:cNvCxnSpPr>
-              <a:cxnSpLocks/>
-            </p:cNvCxnSpPr>
-            <p:nvPr/>
-          </p:nvCxnSpPr>
-          <p:spPr>
-            <a:xfrm>
-              <a:off x="2815007" y="2094618"/>
-              <a:ext cx="1371600" cy="0"/>
-            </a:xfrm>
-            <a:prstGeom prst="line">
-              <a:avLst/>
-            </a:prstGeom>
-            <a:ln w="9525" cap="flat" cmpd="sng" algn="ctr">
-              <a:solidFill>
-                <a:schemeClr val="accent3"/>
-              </a:solidFill>
-              <a:prstDash val="dash"/>
-              <a:round/>
-              <a:headEnd type="none" w="med" len="med"/>
-              <a:tailEnd type="none" w="med" len="med"/>
-            </a:ln>
-          </p:spPr>
-          <p:style>
-            <a:lnRef idx="0">
-              <a:scrgbClr r="0" g="0" b="0"/>
-            </a:lnRef>
-            <a:fillRef idx="0">
-              <a:scrgbClr r="0" g="0" b="0"/>
-            </a:fillRef>
-            <a:effectRef idx="0">
-              <a:scrgbClr r="0" g="0" b="0"/>
-            </a:effectRef>
-            <a:fontRef idx="minor">
-              <a:schemeClr val="tx1"/>
-            </a:fontRef>
-          </p:style>
-        </p:cxnSp>
-        <p:cxnSp>
-          <p:nvCxnSpPr>
-            <p:cNvPr id="83" name="直接连接符 82">
-              <a:extLst>
-                <a:ext uri="{FF2B5EF4-FFF2-40B4-BE49-F238E27FC236}">
-                  <a16:creationId xmlns:a16="http://schemas.microsoft.com/office/drawing/2014/main" id="{2B1DA2A3-4ED3-4440-94B7-BBD22FB36479}"/>
-                </a:ext>
-              </a:extLst>
-            </p:cNvPr>
-            <p:cNvCxnSpPr>
-              <a:cxnSpLocks/>
-              <a:endCxn id="15" idx="3"/>
-            </p:cNvCxnSpPr>
-            <p:nvPr/>
-          </p:nvCxnSpPr>
-          <p:spPr>
-            <a:xfrm flipH="1" flipV="1">
-              <a:off x="2815007" y="1628327"/>
-              <a:ext cx="401941" cy="237926"/>
-            </a:xfrm>
-            <a:prstGeom prst="line">
-              <a:avLst/>
-            </a:prstGeom>
-            <a:ln w="9525" cap="flat" cmpd="sng" algn="ctr">
-              <a:solidFill>
-                <a:schemeClr val="accent3"/>
-              </a:solidFill>
-              <a:prstDash val="dash"/>
-              <a:round/>
-              <a:headEnd type="none" w="med" len="med"/>
-              <a:tailEnd type="none" w="med" len="med"/>
-            </a:ln>
-          </p:spPr>
-          <p:style>
-            <a:lnRef idx="0">
-              <a:scrgbClr r="0" g="0" b="0"/>
-            </a:lnRef>
-            <a:fillRef idx="0">
-              <a:scrgbClr r="0" g="0" b="0"/>
-            </a:fillRef>
-            <a:effectRef idx="0">
-              <a:scrgbClr r="0" g="0" b="0"/>
-            </a:effectRef>
-            <a:fontRef idx="minor">
-              <a:schemeClr val="tx1"/>
-            </a:fontRef>
-          </p:style>
-        </p:cxnSp>
-        <p:cxnSp>
-          <p:nvCxnSpPr>
-            <p:cNvPr id="86" name="直接连接符 85">
-              <a:extLst>
-                <a:ext uri="{FF2B5EF4-FFF2-40B4-BE49-F238E27FC236}">
-                  <a16:creationId xmlns:a16="http://schemas.microsoft.com/office/drawing/2014/main" id="{1DDB23F1-BC13-4F76-9BE4-AB93E1600A98}"/>
-                </a:ext>
-              </a:extLst>
-            </p:cNvPr>
-            <p:cNvCxnSpPr>
-              <a:cxnSpLocks/>
-              <a:endCxn id="21" idx="3"/>
-            </p:cNvCxnSpPr>
-            <p:nvPr/>
-          </p:nvCxnSpPr>
-          <p:spPr>
-            <a:xfrm flipH="1">
-              <a:off x="2815007" y="2567469"/>
-              <a:ext cx="401940" cy="234636"/>
-            </a:xfrm>
-            <a:prstGeom prst="line">
-              <a:avLst/>
-            </a:prstGeom>
-            <a:ln w="9525" cap="flat" cmpd="sng" algn="ctr">
-              <a:solidFill>
-                <a:schemeClr val="accent3"/>
-              </a:solidFill>
-              <a:prstDash val="dash"/>
-              <a:round/>
-              <a:headEnd type="none" w="med" len="med"/>
-              <a:tailEnd type="none" w="med" len="med"/>
-            </a:ln>
-          </p:spPr>
-          <p:style>
-            <a:lnRef idx="0">
-              <a:scrgbClr r="0" g="0" b="0"/>
-            </a:lnRef>
-            <a:fillRef idx="0">
-              <a:scrgbClr r="0" g="0" b="0"/>
-            </a:fillRef>
-            <a:effectRef idx="0">
-              <a:scrgbClr r="0" g="0" b="0"/>
-            </a:effectRef>
-            <a:fontRef idx="minor">
-              <a:schemeClr val="tx1"/>
-            </a:fontRef>
-          </p:style>
-        </p:cxnSp>
-        <p:grpSp>
-          <p:nvGrpSpPr>
-            <p:cNvPr id="18" name="组合 17">
-              <a:extLst>
-                <a:ext uri="{FF2B5EF4-FFF2-40B4-BE49-F238E27FC236}">
-                  <a16:creationId xmlns:a16="http://schemas.microsoft.com/office/drawing/2014/main" id="{57387AA5-5F0B-4730-9254-B2727F78AF6F}"/>
-                </a:ext>
-              </a:extLst>
-            </p:cNvPr>
-            <p:cNvGrpSpPr/>
-            <p:nvPr/>
-          </p:nvGrpSpPr>
-          <p:grpSpPr>
-            <a:xfrm>
-              <a:off x="8666513" y="1077565"/>
-              <a:ext cx="400050" cy="2272332"/>
-              <a:chOff x="7539700" y="1077565"/>
-              <a:chExt cx="400050" cy="2272332"/>
-            </a:xfrm>
-          </p:grpSpPr>
-          <p:pic>
-            <p:nvPicPr>
-              <p:cNvPr id="13" name="图片 12">
-                <a:extLst>
-                  <a:ext uri="{FF2B5EF4-FFF2-40B4-BE49-F238E27FC236}">
-                    <a16:creationId xmlns:a16="http://schemas.microsoft.com/office/drawing/2014/main" id="{4024C4B6-F1AB-4297-AED4-F76AA51CF6A0}"/>
-                  </a:ext>
-                </a:extLst>
-              </p:cNvPr>
-              <p:cNvPicPr>
-                <a:picLocks noChangeAspect="1"/>
-              </p:cNvPicPr>
-              <p:nvPr/>
-            </p:nvPicPr>
-            <p:blipFill>
-              <a:blip r:embed="rId7">
-                <a:extLst>
-                  <a:ext uri="{28A0092B-C50C-407E-A947-70E740481C1C}">
-                    <a14:useLocalDpi xmlns:a14="http://schemas.microsoft.com/office/drawing/2010/main" val="0"/>
-                  </a:ext>
-                </a:extLst>
-              </a:blip>
-              <a:stretch>
-                <a:fillRect/>
-              </a:stretch>
-            </p:blipFill>
-            <p:spPr>
-              <a:xfrm>
-                <a:off x="7539700" y="2949847"/>
-                <a:ext cx="400050" cy="400050"/>
-              </a:xfrm>
-              <a:prstGeom prst="rect">
-                <a:avLst/>
-              </a:prstGeom>
-            </p:spPr>
-          </p:pic>
-          <p:pic>
-            <p:nvPicPr>
-              <p:cNvPr id="16" name="图片 15">
-                <a:extLst>
-                  <a:ext uri="{FF2B5EF4-FFF2-40B4-BE49-F238E27FC236}">
-                    <a16:creationId xmlns:a16="http://schemas.microsoft.com/office/drawing/2014/main" id="{88BF9D0F-EA84-4D6D-86A2-F5D93E379A03}"/>
-                  </a:ext>
-                </a:extLst>
-              </p:cNvPr>
-              <p:cNvPicPr>
-                <a:picLocks noChangeAspect="1"/>
-              </p:cNvPicPr>
-              <p:nvPr/>
-            </p:nvPicPr>
-            <p:blipFill>
-              <a:blip r:embed="rId8">
-                <a:extLst>
-                  <a:ext uri="{28A0092B-C50C-407E-A947-70E740481C1C}">
-                    <a14:useLocalDpi xmlns:a14="http://schemas.microsoft.com/office/drawing/2010/main" val="0"/>
-                  </a:ext>
-                </a:extLst>
-              </a:blip>
-              <a:stretch>
-                <a:fillRect/>
-              </a:stretch>
-            </p:blipFill>
-            <p:spPr>
-              <a:xfrm>
-                <a:off x="7539700" y="1077565"/>
-                <a:ext cx="400050" cy="400050"/>
-              </a:xfrm>
-              <a:prstGeom prst="rect">
-                <a:avLst/>
-              </a:prstGeom>
-            </p:spPr>
-          </p:pic>
-          <p:pic>
-            <p:nvPicPr>
-              <p:cNvPr id="20" name="图片 19">
-                <a:extLst>
-                  <a:ext uri="{FF2B5EF4-FFF2-40B4-BE49-F238E27FC236}">
-                    <a16:creationId xmlns:a16="http://schemas.microsoft.com/office/drawing/2014/main" id="{FD507FA7-479F-463D-9A86-9252F46244B8}"/>
-                  </a:ext>
-                </a:extLst>
-              </p:cNvPr>
-              <p:cNvPicPr>
-                <a:picLocks noChangeAspect="1"/>
-              </p:cNvPicPr>
-              <p:nvPr/>
-            </p:nvPicPr>
-            <p:blipFill>
-              <a:blip r:embed="rId9">
-                <a:extLst>
-                  <a:ext uri="{28A0092B-C50C-407E-A947-70E740481C1C}">
-                    <a14:useLocalDpi xmlns:a14="http://schemas.microsoft.com/office/drawing/2010/main" val="0"/>
-                  </a:ext>
-                </a:extLst>
-              </a:blip>
-              <a:stretch>
-                <a:fillRect/>
-              </a:stretch>
-            </p:blipFill>
-            <p:spPr>
-              <a:xfrm>
-                <a:off x="7539700" y="1452021"/>
-                <a:ext cx="400050" cy="400050"/>
-              </a:xfrm>
-              <a:prstGeom prst="rect">
-                <a:avLst/>
-              </a:prstGeom>
-            </p:spPr>
-          </p:pic>
-          <p:pic>
-            <p:nvPicPr>
-              <p:cNvPr id="23" name="图片 22">
-                <a:extLst>
-                  <a:ext uri="{FF2B5EF4-FFF2-40B4-BE49-F238E27FC236}">
-                    <a16:creationId xmlns:a16="http://schemas.microsoft.com/office/drawing/2014/main" id="{4D10176D-A5F5-4306-A4FC-F8A53BFED3C0}"/>
-                  </a:ext>
-                </a:extLst>
-              </p:cNvPr>
-              <p:cNvPicPr>
-                <a:picLocks noChangeAspect="1"/>
-              </p:cNvPicPr>
-              <p:nvPr/>
-            </p:nvPicPr>
-            <p:blipFill>
-              <a:blip r:embed="rId10">
-                <a:extLst>
-                  <a:ext uri="{28A0092B-C50C-407E-A947-70E740481C1C}">
-                    <a14:useLocalDpi xmlns:a14="http://schemas.microsoft.com/office/drawing/2010/main" val="0"/>
-                  </a:ext>
-                </a:extLst>
-              </a:blip>
-              <a:stretch>
-                <a:fillRect/>
-              </a:stretch>
-            </p:blipFill>
-            <p:spPr>
-              <a:xfrm>
-                <a:off x="7539700" y="1826478"/>
-                <a:ext cx="400050" cy="400050"/>
-              </a:xfrm>
-              <a:prstGeom prst="rect">
-                <a:avLst/>
-              </a:prstGeom>
-            </p:spPr>
-          </p:pic>
-          <p:pic>
-            <p:nvPicPr>
-              <p:cNvPr id="29" name="图片 28">
-                <a:extLst>
-                  <a:ext uri="{FF2B5EF4-FFF2-40B4-BE49-F238E27FC236}">
-                    <a16:creationId xmlns:a16="http://schemas.microsoft.com/office/drawing/2014/main" id="{5D4FC4BC-CD1C-46DC-9099-E7D46F539C43}"/>
-                  </a:ext>
-                </a:extLst>
-              </p:cNvPr>
-              <p:cNvPicPr>
-                <a:picLocks noChangeAspect="1"/>
-              </p:cNvPicPr>
-              <p:nvPr/>
-            </p:nvPicPr>
-            <p:blipFill>
-              <a:blip r:embed="rId11">
-                <a:extLst>
-                  <a:ext uri="{28A0092B-C50C-407E-A947-70E740481C1C}">
-                    <a14:useLocalDpi xmlns:a14="http://schemas.microsoft.com/office/drawing/2010/main" val="0"/>
-                  </a:ext>
-                </a:extLst>
-              </a:blip>
-              <a:stretch>
-                <a:fillRect/>
-              </a:stretch>
-            </p:blipFill>
-            <p:spPr>
-              <a:xfrm>
-                <a:off x="7539700" y="2200934"/>
-                <a:ext cx="400050" cy="400050"/>
-              </a:xfrm>
-              <a:prstGeom prst="rect">
-                <a:avLst/>
-              </a:prstGeom>
-            </p:spPr>
-          </p:pic>
-          <p:pic>
-            <p:nvPicPr>
-              <p:cNvPr id="31" name="图片 30">
-                <a:extLst>
-                  <a:ext uri="{FF2B5EF4-FFF2-40B4-BE49-F238E27FC236}">
-                    <a16:creationId xmlns:a16="http://schemas.microsoft.com/office/drawing/2014/main" id="{81E5315C-9E58-4CD1-A5D0-FC21BECB8B68}"/>
-                  </a:ext>
-                </a:extLst>
-              </p:cNvPr>
-              <p:cNvPicPr>
-                <a:picLocks noChangeAspect="1"/>
-              </p:cNvPicPr>
-              <p:nvPr/>
-            </p:nvPicPr>
-            <p:blipFill>
-              <a:blip r:embed="rId12">
-                <a:extLst>
-                  <a:ext uri="{28A0092B-C50C-407E-A947-70E740481C1C}">
-                    <a14:useLocalDpi xmlns:a14="http://schemas.microsoft.com/office/drawing/2010/main" val="0"/>
-                  </a:ext>
-                </a:extLst>
-              </a:blip>
-              <a:stretch>
-                <a:fillRect/>
-              </a:stretch>
-            </p:blipFill>
-            <p:spPr>
-              <a:xfrm>
-                <a:off x="7539700" y="2575391"/>
-                <a:ext cx="400050" cy="400050"/>
-              </a:xfrm>
-              <a:prstGeom prst="rect">
-                <a:avLst/>
-              </a:prstGeom>
-            </p:spPr>
-          </p:pic>
-        </p:grpSp>
-        <p:cxnSp>
-          <p:nvCxnSpPr>
-            <p:cNvPr id="3" name="直接连接符 2">
-              <a:extLst>
-                <a:ext uri="{FF2B5EF4-FFF2-40B4-BE49-F238E27FC236}">
-                  <a16:creationId xmlns:a16="http://schemas.microsoft.com/office/drawing/2014/main" id="{5074428D-0BBB-4F5A-87EB-58C291247539}"/>
-                </a:ext>
-              </a:extLst>
-            </p:cNvPr>
-            <p:cNvCxnSpPr>
-              <a:cxnSpLocks/>
-            </p:cNvCxnSpPr>
-            <p:nvPr/>
-          </p:nvCxnSpPr>
-          <p:spPr>
-            <a:xfrm flipH="1" flipV="1">
-              <a:off x="7638445" y="2033063"/>
-              <a:ext cx="1005840" cy="1060"/>
-            </a:xfrm>
-            <a:prstGeom prst="line">
-              <a:avLst/>
-            </a:prstGeom>
-            <a:ln w="9525" cap="flat" cmpd="sng" algn="ctr">
-              <a:solidFill>
-                <a:schemeClr val="accent3"/>
-              </a:solidFill>
-              <a:prstDash val="dash"/>
-              <a:round/>
-              <a:headEnd type="none" w="med" len="med"/>
-              <a:tailEnd type="none" w="med" len="med"/>
-            </a:ln>
-          </p:spPr>
-          <p:style>
-            <a:lnRef idx="0">
-              <a:scrgbClr r="0" g="0" b="0"/>
-            </a:lnRef>
-            <a:fillRef idx="0">
-              <a:scrgbClr r="0" g="0" b="0"/>
-            </a:fillRef>
-            <a:effectRef idx="0">
-              <a:scrgbClr r="0" g="0" b="0"/>
-            </a:effectRef>
-            <a:fontRef idx="minor">
-              <a:schemeClr val="tx1"/>
-            </a:fontRef>
-          </p:style>
-        </p:cxnSp>
-        <p:cxnSp>
-          <p:nvCxnSpPr>
-            <p:cNvPr id="30" name="直接连接符 29">
-              <a:extLst>
-                <a:ext uri="{FF2B5EF4-FFF2-40B4-BE49-F238E27FC236}">
-                  <a16:creationId xmlns:a16="http://schemas.microsoft.com/office/drawing/2014/main" id="{2B7B0A3A-1722-47D9-A35D-CC9B531A4222}"/>
-                </a:ext>
-              </a:extLst>
-            </p:cNvPr>
-            <p:cNvCxnSpPr>
-              <a:cxnSpLocks/>
-            </p:cNvCxnSpPr>
-            <p:nvPr/>
-          </p:nvCxnSpPr>
-          <p:spPr>
-            <a:xfrm flipH="1" flipV="1">
-              <a:off x="7657999" y="2374612"/>
-              <a:ext cx="1005840" cy="1060"/>
-            </a:xfrm>
-            <a:prstGeom prst="line">
-              <a:avLst/>
-            </a:prstGeom>
-            <a:ln w="9525" cap="flat" cmpd="sng" algn="ctr">
-              <a:solidFill>
-                <a:schemeClr val="accent3"/>
-              </a:solidFill>
-              <a:prstDash val="dash"/>
-              <a:round/>
-              <a:headEnd type="none" w="med" len="med"/>
-              <a:tailEnd type="none" w="med" len="med"/>
-            </a:ln>
-          </p:spPr>
-          <p:style>
-            <a:lnRef idx="0">
-              <a:scrgbClr r="0" g="0" b="0"/>
-            </a:lnRef>
-            <a:fillRef idx="0">
-              <a:scrgbClr r="0" g="0" b="0"/>
-            </a:fillRef>
-            <a:effectRef idx="0">
-              <a:scrgbClr r="0" g="0" b="0"/>
-            </a:effectRef>
-            <a:fontRef idx="minor">
-              <a:schemeClr val="tx1"/>
-            </a:fontRef>
-          </p:style>
-        </p:cxnSp>
-        <p:cxnSp>
-          <p:nvCxnSpPr>
-            <p:cNvPr id="32" name="直接连接符 31">
-              <a:extLst>
-                <a:ext uri="{FF2B5EF4-FFF2-40B4-BE49-F238E27FC236}">
-                  <a16:creationId xmlns:a16="http://schemas.microsoft.com/office/drawing/2014/main" id="{BAC644B3-4454-4B43-88E6-EFFEE344099A}"/>
-                </a:ext>
-              </a:extLst>
-            </p:cNvPr>
-            <p:cNvCxnSpPr>
-              <a:cxnSpLocks/>
-            </p:cNvCxnSpPr>
-            <p:nvPr/>
-          </p:nvCxnSpPr>
-          <p:spPr>
-            <a:xfrm flipH="1" flipV="1">
-              <a:off x="7638445" y="1740646"/>
-              <a:ext cx="1005840" cy="1060"/>
-            </a:xfrm>
-            <a:prstGeom prst="line">
-              <a:avLst/>
-            </a:prstGeom>
-            <a:ln w="9525" cap="flat" cmpd="sng" algn="ctr">
-              <a:solidFill>
-                <a:schemeClr val="accent3"/>
-              </a:solidFill>
-              <a:prstDash val="dash"/>
-              <a:round/>
-              <a:headEnd type="none" w="med" len="med"/>
-              <a:tailEnd type="none" w="med" len="med"/>
-            </a:ln>
-          </p:spPr>
-          <p:style>
-            <a:lnRef idx="0">
-              <a:scrgbClr r="0" g="0" b="0"/>
-            </a:lnRef>
-            <a:fillRef idx="0">
-              <a:scrgbClr r="0" g="0" b="0"/>
-            </a:fillRef>
-            <a:effectRef idx="0">
-              <a:scrgbClr r="0" g="0" b="0"/>
-            </a:effectRef>
-            <a:fontRef idx="minor">
-              <a:schemeClr val="tx1"/>
-            </a:fontRef>
-          </p:style>
-        </p:cxnSp>
-        <p:cxnSp>
-          <p:nvCxnSpPr>
-            <p:cNvPr id="33" name="直接连接符 32">
-              <a:extLst>
-                <a:ext uri="{FF2B5EF4-FFF2-40B4-BE49-F238E27FC236}">
-                  <a16:creationId xmlns:a16="http://schemas.microsoft.com/office/drawing/2014/main" id="{234C9E4B-F871-4A22-8E7E-B1EB0588C2EB}"/>
-                </a:ext>
-              </a:extLst>
-            </p:cNvPr>
-            <p:cNvCxnSpPr>
-              <a:cxnSpLocks/>
-            </p:cNvCxnSpPr>
-            <p:nvPr/>
-          </p:nvCxnSpPr>
-          <p:spPr>
-            <a:xfrm flipH="1" flipV="1">
-              <a:off x="7631884" y="2698967"/>
-              <a:ext cx="1005840" cy="1060"/>
-            </a:xfrm>
-            <a:prstGeom prst="line">
-              <a:avLst/>
-            </a:prstGeom>
-            <a:ln w="9525" cap="flat" cmpd="sng" algn="ctr">
-              <a:solidFill>
-                <a:schemeClr val="accent3"/>
-              </a:solidFill>
-              <a:prstDash val="dash"/>
-              <a:round/>
-              <a:headEnd type="none" w="med" len="med"/>
-              <a:tailEnd type="none" w="med" len="med"/>
-            </a:ln>
-          </p:spPr>
-          <p:style>
-            <a:lnRef idx="0">
-              <a:scrgbClr r="0" g="0" b="0"/>
-            </a:lnRef>
-            <a:fillRef idx="0">
-              <a:scrgbClr r="0" g="0" b="0"/>
-            </a:fillRef>
-            <a:effectRef idx="0">
-              <a:scrgbClr r="0" g="0" b="0"/>
-            </a:effectRef>
-            <a:fontRef idx="minor">
-              <a:schemeClr val="tx1"/>
-            </a:fontRef>
-          </p:style>
-        </p:cxnSp>
-        <p:cxnSp>
-          <p:nvCxnSpPr>
-            <p:cNvPr id="34" name="直接连接符 33">
-              <a:extLst>
-                <a:ext uri="{FF2B5EF4-FFF2-40B4-BE49-F238E27FC236}">
-                  <a16:creationId xmlns:a16="http://schemas.microsoft.com/office/drawing/2014/main" id="{E0D34733-893D-4133-BE32-E61C91883171}"/>
-                </a:ext>
-              </a:extLst>
-            </p:cNvPr>
-            <p:cNvCxnSpPr>
-              <a:cxnSpLocks/>
-            </p:cNvCxnSpPr>
-            <p:nvPr/>
-          </p:nvCxnSpPr>
-          <p:spPr>
-            <a:xfrm flipH="1" flipV="1">
-              <a:off x="7628847" y="2971819"/>
-              <a:ext cx="685800" cy="1060"/>
-            </a:xfrm>
-            <a:prstGeom prst="line">
-              <a:avLst/>
-            </a:prstGeom>
-            <a:ln w="9525" cap="flat" cmpd="sng" algn="ctr">
-              <a:solidFill>
-                <a:schemeClr val="accent3"/>
-              </a:solidFill>
-              <a:prstDash val="dash"/>
-              <a:round/>
-              <a:headEnd type="none" w="med" len="med"/>
-              <a:tailEnd type="none" w="med" len="med"/>
-            </a:ln>
-          </p:spPr>
-          <p:style>
-            <a:lnRef idx="0">
-              <a:scrgbClr r="0" g="0" b="0"/>
-            </a:lnRef>
-            <a:fillRef idx="0">
-              <a:scrgbClr r="0" g="0" b="0"/>
-            </a:fillRef>
-            <a:effectRef idx="0">
-              <a:scrgbClr r="0" g="0" b="0"/>
-            </a:effectRef>
-            <a:fontRef idx="minor">
-              <a:schemeClr val="tx1"/>
-            </a:fontRef>
-          </p:style>
-        </p:cxnSp>
-        <p:cxnSp>
-          <p:nvCxnSpPr>
-            <p:cNvPr id="35" name="直接连接符 34">
-              <a:extLst>
-                <a:ext uri="{FF2B5EF4-FFF2-40B4-BE49-F238E27FC236}">
-                  <a16:creationId xmlns:a16="http://schemas.microsoft.com/office/drawing/2014/main" id="{04DA63C9-5B8F-4153-8FCE-50B415E39115}"/>
-                </a:ext>
-              </a:extLst>
-            </p:cNvPr>
-            <p:cNvCxnSpPr>
-              <a:cxnSpLocks/>
-            </p:cNvCxnSpPr>
-            <p:nvPr/>
-          </p:nvCxnSpPr>
-          <p:spPr>
-            <a:xfrm flipH="1" flipV="1">
-              <a:off x="7629546" y="1457636"/>
-              <a:ext cx="685800" cy="1060"/>
-            </a:xfrm>
-            <a:prstGeom prst="line">
-              <a:avLst/>
-            </a:prstGeom>
-            <a:ln w="9525" cap="flat" cmpd="sng" algn="ctr">
-              <a:solidFill>
-                <a:schemeClr val="accent3"/>
-              </a:solidFill>
-              <a:prstDash val="dash"/>
-              <a:round/>
-              <a:headEnd type="none" w="med" len="med"/>
-              <a:tailEnd type="none" w="med" len="med"/>
-            </a:ln>
-          </p:spPr>
-          <p:style>
-            <a:lnRef idx="0">
-              <a:scrgbClr r="0" g="0" b="0"/>
-            </a:lnRef>
-            <a:fillRef idx="0">
-              <a:scrgbClr r="0" g="0" b="0"/>
-            </a:fillRef>
-            <a:effectRef idx="0">
-              <a:scrgbClr r="0" g="0" b="0"/>
-            </a:effectRef>
-            <a:fontRef idx="minor">
-              <a:schemeClr val="tx1"/>
-            </a:fontRef>
-          </p:style>
-        </p:cxnSp>
-        <p:cxnSp>
-          <p:nvCxnSpPr>
-            <p:cNvPr id="9" name="直接连接符 8">
-              <a:extLst>
-                <a:ext uri="{FF2B5EF4-FFF2-40B4-BE49-F238E27FC236}">
-                  <a16:creationId xmlns:a16="http://schemas.microsoft.com/office/drawing/2014/main" id="{E50FDFEA-C91C-4CBB-8B1A-1E2155BC3C6E}"/>
-                </a:ext>
-              </a:extLst>
-            </p:cNvPr>
-            <p:cNvCxnSpPr>
-              <a:cxnSpLocks/>
-              <a:endCxn id="16" idx="1"/>
-            </p:cNvCxnSpPr>
-            <p:nvPr/>
-          </p:nvCxnSpPr>
-          <p:spPr>
-            <a:xfrm flipV="1">
-              <a:off x="8332659" y="1277590"/>
-              <a:ext cx="333854" cy="174432"/>
-            </a:xfrm>
-            <a:prstGeom prst="line">
-              <a:avLst/>
-            </a:prstGeom>
-            <a:ln w="9525" cap="flat" cmpd="sng" algn="ctr">
-              <a:solidFill>
-                <a:schemeClr val="accent3"/>
-              </a:solidFill>
-              <a:prstDash val="dash"/>
-              <a:round/>
-              <a:headEnd type="none" w="med" len="med"/>
-              <a:tailEnd type="none" w="med" len="med"/>
-            </a:ln>
-          </p:spPr>
-          <p:style>
-            <a:lnRef idx="0">
-              <a:scrgbClr r="0" g="0" b="0"/>
-            </a:lnRef>
-            <a:fillRef idx="0">
-              <a:scrgbClr r="0" g="0" b="0"/>
-            </a:fillRef>
-            <a:effectRef idx="0">
-              <a:scrgbClr r="0" g="0" b="0"/>
-            </a:effectRef>
-            <a:fontRef idx="minor">
-              <a:schemeClr val="tx1"/>
-            </a:fontRef>
-          </p:style>
-        </p:cxnSp>
-        <p:cxnSp>
-          <p:nvCxnSpPr>
-            <p:cNvPr id="12" name="直接连接符 11">
-              <a:extLst>
-                <a:ext uri="{FF2B5EF4-FFF2-40B4-BE49-F238E27FC236}">
-                  <a16:creationId xmlns:a16="http://schemas.microsoft.com/office/drawing/2014/main" id="{93F5C06D-A311-41BC-9EFE-BBEDA2D820B8}"/>
-                </a:ext>
-              </a:extLst>
-            </p:cNvPr>
-            <p:cNvCxnSpPr>
-              <a:cxnSpLocks/>
-              <a:endCxn id="13" idx="1"/>
-            </p:cNvCxnSpPr>
-            <p:nvPr/>
-          </p:nvCxnSpPr>
-          <p:spPr>
-            <a:xfrm>
-              <a:off x="8332659" y="2975441"/>
-              <a:ext cx="333854" cy="174431"/>
-            </a:xfrm>
-            <a:prstGeom prst="line">
-              <a:avLst/>
-            </a:prstGeom>
-            <a:ln w="9525" cap="flat" cmpd="sng" algn="ctr">
-              <a:solidFill>
-                <a:schemeClr val="accent3"/>
-              </a:solidFill>
-              <a:prstDash val="dash"/>
-              <a:round/>
-              <a:headEnd type="none" w="med" len="med"/>
-              <a:tailEnd type="none" w="med" len="med"/>
-            </a:ln>
-          </p:spPr>
-          <p:style>
-            <a:lnRef idx="0">
-              <a:scrgbClr r="0" g="0" b="0"/>
-            </a:lnRef>
-            <a:fillRef idx="0">
-              <a:scrgbClr r="0" g="0" b="0"/>
-            </a:fillRef>
-            <a:effectRef idx="0">
-              <a:scrgbClr r="0" g="0" b="0"/>
-            </a:effectRef>
-            <a:fontRef idx="minor">
-              <a:schemeClr val="tx1"/>
-            </a:fontRef>
-          </p:style>
-        </p:cxnSp>
-      </p:grpSp>
-      <p:sp>
-        <p:nvSpPr>
-          <p:cNvPr id="5" name="文本框 4">
-            <a:extLst>
-              <a:ext uri="{FF2B5EF4-FFF2-40B4-BE49-F238E27FC236}">
-                <a16:creationId xmlns:a16="http://schemas.microsoft.com/office/drawing/2014/main" id="{D01C0A0C-C039-423C-A515-A9BDBADCF5E6}"/>
-              </a:ext>
-            </a:extLst>
-          </p:cNvPr>
-          <p:cNvSpPr txBox="1"/>
-          <p:nvPr/>
-        </p:nvSpPr>
-        <p:spPr>
-          <a:xfrm>
-            <a:off x="1140093" y="4472583"/>
-            <a:ext cx="4616147" cy="2205732"/>
+        </p:nvPicPr>
+        <p:blipFill>
+          <a:blip r:embed="rId2">
+            <a:extLst>
+              <a:ext uri="{28A0092B-C50C-407E-A947-70E740481C1C}">
+                <a14:useLocalDpi xmlns:a14="http://schemas.microsoft.com/office/drawing/2010/main" val="0"/>
+              </a:ext>
+            </a:extLst>
+          </a:blip>
+          <a:stretch>
+            <a:fillRect/>
+          </a:stretch>
+        </p:blipFill>
+        <p:spPr>
+          <a:xfrm>
+            <a:off x="2816852" y="-237567"/>
+            <a:ext cx="6718836" cy="5039132"/>
           </a:xfrm>
           <a:prstGeom prst="rect">
             <a:avLst/>
           </a:prstGeom>
-          <a:noFill/>
-        </p:spPr>
-        <p:txBody>
-          <a:bodyPr wrap="square" rtlCol="0">
-            <a:spAutoFit/>
-          </a:bodyPr>
-          <a:lstStyle/>
-          <a:p>
-            <a:pPr>
-              <a:lnSpc>
-                <a:spcPts val="2500"/>
-              </a:lnSpc>
-            </a:pPr>
-            <a:r>
-              <a:rPr lang="en-US" sz="1600">
-                <a:latin typeface="Leelawadee UI" panose="020B0502040204020203" pitchFamily="34" charset="-34"/>
-                <a:ea typeface="Microsoft JhengHei Light" panose="020B0304030504040204" pitchFamily="34" charset="-120"/>
-                <a:cs typeface="Leelawadee UI" panose="020B0502040204020203" pitchFamily="34" charset="-34"/>
-              </a:rPr>
-              <a:t>GND: connect this module </a:t>
-            </a:r>
-            <a:r>
-              <a:rPr lang="en-US" altLang="zh-CN" sz="1600">
-                <a:latin typeface="Leelawadee UI" panose="020B0502040204020203" pitchFamily="34" charset="-34"/>
-                <a:ea typeface="Microsoft JhengHei Light" panose="020B0304030504040204" pitchFamily="34" charset="-120"/>
-                <a:cs typeface="Leelawadee UI" panose="020B0502040204020203" pitchFamily="34" charset="-34"/>
-              </a:rPr>
-              <a:t>to</a:t>
-            </a:r>
-            <a:r>
-              <a:rPr lang="en-US" sz="1600">
-                <a:latin typeface="Leelawadee UI" panose="020B0502040204020203" pitchFamily="34" charset="-34"/>
-                <a:ea typeface="Microsoft JhengHei Light" panose="020B0304030504040204" pitchFamily="34" charset="-120"/>
-                <a:cs typeface="Leelawadee UI" panose="020B0502040204020203" pitchFamily="34" charset="-34"/>
-              </a:rPr>
-              <a:t> the system GND </a:t>
-            </a:r>
-          </a:p>
-          <a:p>
-            <a:pPr>
-              <a:lnSpc>
-                <a:spcPts val="2500"/>
-              </a:lnSpc>
-            </a:pPr>
-            <a:r>
-              <a:rPr lang="en-US" sz="1600">
-                <a:latin typeface="Leelawadee UI" panose="020B0502040204020203" pitchFamily="34" charset="-34"/>
-                <a:ea typeface="Microsoft JhengHei Light" panose="020B0304030504040204" pitchFamily="34" charset="-120"/>
-                <a:cs typeface="Leelawadee UI" panose="020B0502040204020203" pitchFamily="34" charset="-34"/>
-              </a:rPr>
-              <a:t>VCC: you can use 5V or 3.3V for this module</a:t>
-            </a:r>
-          </a:p>
-          <a:p>
-            <a:pPr>
-              <a:lnSpc>
-                <a:spcPts val="2500"/>
-              </a:lnSpc>
-            </a:pPr>
-            <a:r>
-              <a:rPr lang="en-US" sz="1600">
-                <a:latin typeface="Leelawadee UI" panose="020B0502040204020203" pitchFamily="34" charset="-34"/>
-                <a:ea typeface="Microsoft JhengHei Light" panose="020B0304030504040204" pitchFamily="34" charset="-120"/>
-                <a:cs typeface="Leelawadee UI" panose="020B0502040204020203" pitchFamily="34" charset="-34"/>
-              </a:rPr>
-              <a:t>SDA: serial data</a:t>
-            </a:r>
-          </a:p>
-          <a:p>
-            <a:pPr>
-              <a:lnSpc>
-                <a:spcPts val="2500"/>
-              </a:lnSpc>
-            </a:pPr>
-            <a:r>
-              <a:rPr lang="en-US" sz="1600">
-                <a:latin typeface="Leelawadee UI" panose="020B0502040204020203" pitchFamily="34" charset="-34"/>
-                <a:ea typeface="Microsoft JhengHei Light" panose="020B0304030504040204" pitchFamily="34" charset="-120"/>
-                <a:cs typeface="Leelawadee UI" panose="020B0502040204020203" pitchFamily="34" charset="-34"/>
-              </a:rPr>
-              <a:t>SCL: serial clock</a:t>
-            </a:r>
-          </a:p>
-          <a:p>
-            <a:endParaRPr lang="en-US" sz="1200">
-              <a:solidFill>
-                <a:srgbClr val="D4D4D4"/>
-              </a:solidFill>
-              <a:latin typeface="Consolas" panose="020B0609020204030204" pitchFamily="49" charset="0"/>
-            </a:endParaRPr>
-          </a:p>
-          <a:p>
-            <a:endParaRPr lang="en-US" sz="1200">
-              <a:latin typeface="Times New Roman" panose="02020603050405020304" pitchFamily="18" charset="0"/>
-              <a:cs typeface="Times New Roman" panose="02020603050405020304" pitchFamily="18" charset="0"/>
-            </a:endParaRPr>
-          </a:p>
-          <a:p>
-            <a:endParaRPr lang="en-US" sz="1200">
-              <a:latin typeface="Times New Roman" panose="02020603050405020304" pitchFamily="18" charset="0"/>
-              <a:cs typeface="Times New Roman" panose="02020603050405020304" pitchFamily="18" charset="0"/>
-            </a:endParaRPr>
-          </a:p>
-          <a:p>
-            <a:endParaRPr lang="en-US"/>
-          </a:p>
-        </p:txBody>
-      </p:sp>
+        </p:spPr>
+      </p:pic>
+      <p:cxnSp>
+        <p:nvCxnSpPr>
+          <p:cNvPr id="59" name="直接连接符 58">
+            <a:extLst>
+              <a:ext uri="{FF2B5EF4-FFF2-40B4-BE49-F238E27FC236}">
+                <a16:creationId xmlns:a16="http://schemas.microsoft.com/office/drawing/2014/main" id="{554D8D14-D48D-45F6-89A6-634C964B8AE8}"/>
+              </a:ext>
+            </a:extLst>
+          </p:cNvPr>
+          <p:cNvCxnSpPr>
+            <a:cxnSpLocks/>
+          </p:cNvCxnSpPr>
+          <p:nvPr/>
+        </p:nvCxnSpPr>
+        <p:spPr>
+          <a:xfrm>
+            <a:off x="3207834" y="1873060"/>
+            <a:ext cx="1186890" cy="0"/>
+          </a:xfrm>
+          <a:prstGeom prst="line">
+            <a:avLst/>
+          </a:prstGeom>
+          <a:ln w="9525" cap="flat" cmpd="sng" algn="ctr">
+            <a:solidFill>
+              <a:schemeClr val="accent3"/>
+            </a:solidFill>
+            <a:prstDash val="dash"/>
+            <a:round/>
+            <a:headEnd type="none" w="med" len="med"/>
+            <a:tailEnd type="none" w="med" len="med"/>
+          </a:ln>
+        </p:spPr>
+        <p:style>
+          <a:lnRef idx="0">
+            <a:scrgbClr r="0" g="0" b="0"/>
+          </a:lnRef>
+          <a:fillRef idx="0">
+            <a:scrgbClr r="0" g="0" b="0"/>
+          </a:fillRef>
+          <a:effectRef idx="0">
+            <a:scrgbClr r="0" g="0" b="0"/>
+          </a:effectRef>
+          <a:fontRef idx="minor">
+            <a:schemeClr val="tx1"/>
+          </a:fontRef>
+        </p:style>
+      </p:cxnSp>
+      <p:cxnSp>
+        <p:nvCxnSpPr>
+          <p:cNvPr id="62" name="直接连接符 61">
+            <a:extLst>
+              <a:ext uri="{FF2B5EF4-FFF2-40B4-BE49-F238E27FC236}">
+                <a16:creationId xmlns:a16="http://schemas.microsoft.com/office/drawing/2014/main" id="{71513585-2402-4773-B202-B5A94B9B4E68}"/>
+              </a:ext>
+            </a:extLst>
+          </p:cNvPr>
+          <p:cNvCxnSpPr>
+            <a:cxnSpLocks/>
+          </p:cNvCxnSpPr>
+          <p:nvPr/>
+        </p:nvCxnSpPr>
+        <p:spPr>
+          <a:xfrm>
+            <a:off x="3207834" y="2700496"/>
+            <a:ext cx="1186890" cy="0"/>
+          </a:xfrm>
+          <a:prstGeom prst="line">
+            <a:avLst/>
+          </a:prstGeom>
+          <a:ln w="9525" cap="flat" cmpd="sng" algn="ctr">
+            <a:solidFill>
+              <a:schemeClr val="accent3"/>
+            </a:solidFill>
+            <a:prstDash val="dash"/>
+            <a:round/>
+            <a:headEnd type="none" w="med" len="med"/>
+            <a:tailEnd type="none" w="med" len="med"/>
+          </a:ln>
+        </p:spPr>
+        <p:style>
+          <a:lnRef idx="0">
+            <a:scrgbClr r="0" g="0" b="0"/>
+          </a:lnRef>
+          <a:fillRef idx="0">
+            <a:scrgbClr r="0" g="0" b="0"/>
+          </a:fillRef>
+          <a:effectRef idx="0">
+            <a:scrgbClr r="0" g="0" b="0"/>
+          </a:effectRef>
+          <a:fontRef idx="minor">
+            <a:schemeClr val="tx1"/>
+          </a:fontRef>
+        </p:style>
+      </p:cxnSp>
+      <p:cxnSp>
+        <p:nvCxnSpPr>
+          <p:cNvPr id="64" name="直接连接符 63">
+            <a:extLst>
+              <a:ext uri="{FF2B5EF4-FFF2-40B4-BE49-F238E27FC236}">
+                <a16:creationId xmlns:a16="http://schemas.microsoft.com/office/drawing/2014/main" id="{F11B205F-0707-4A55-ACA4-3B1022C2AD5E}"/>
+              </a:ext>
+            </a:extLst>
+          </p:cNvPr>
+          <p:cNvCxnSpPr>
+            <a:cxnSpLocks/>
+          </p:cNvCxnSpPr>
+          <p:nvPr/>
+        </p:nvCxnSpPr>
+        <p:spPr>
+          <a:xfrm flipV="1">
+            <a:off x="2727082" y="2427791"/>
+            <a:ext cx="1618486" cy="0"/>
+          </a:xfrm>
+          <a:prstGeom prst="line">
+            <a:avLst/>
+          </a:prstGeom>
+          <a:ln w="9525" cap="flat" cmpd="sng" algn="ctr">
+            <a:solidFill>
+              <a:schemeClr val="accent3"/>
+            </a:solidFill>
+            <a:prstDash val="dash"/>
+            <a:round/>
+            <a:headEnd type="none" w="med" len="med"/>
+            <a:tailEnd type="none" w="med" len="med"/>
+          </a:ln>
+        </p:spPr>
+        <p:style>
+          <a:lnRef idx="0">
+            <a:scrgbClr r="0" g="0" b="0"/>
+          </a:lnRef>
+          <a:fillRef idx="0">
+            <a:scrgbClr r="0" g="0" b="0"/>
+          </a:fillRef>
+          <a:effectRef idx="0">
+            <a:scrgbClr r="0" g="0" b="0"/>
+          </a:effectRef>
+          <a:fontRef idx="minor">
+            <a:schemeClr val="tx1"/>
+          </a:fontRef>
+        </p:style>
+      </p:cxnSp>
+      <p:cxnSp>
+        <p:nvCxnSpPr>
+          <p:cNvPr id="69" name="直接连接符 68">
+            <a:extLst>
+              <a:ext uri="{FF2B5EF4-FFF2-40B4-BE49-F238E27FC236}">
+                <a16:creationId xmlns:a16="http://schemas.microsoft.com/office/drawing/2014/main" id="{C23963EC-181B-4C8C-91B5-30994438B94F}"/>
+              </a:ext>
+            </a:extLst>
+          </p:cNvPr>
+          <p:cNvCxnSpPr>
+            <a:cxnSpLocks/>
+          </p:cNvCxnSpPr>
+          <p:nvPr/>
+        </p:nvCxnSpPr>
+        <p:spPr>
+          <a:xfrm>
+            <a:off x="2733544" y="2142532"/>
+            <a:ext cx="1618486" cy="0"/>
+          </a:xfrm>
+          <a:prstGeom prst="line">
+            <a:avLst/>
+          </a:prstGeom>
+          <a:ln w="9525" cap="flat" cmpd="sng" algn="ctr">
+            <a:solidFill>
+              <a:schemeClr val="accent3"/>
+            </a:solidFill>
+            <a:prstDash val="dash"/>
+            <a:round/>
+            <a:headEnd type="none" w="med" len="med"/>
+            <a:tailEnd type="none" w="med" len="med"/>
+          </a:ln>
+        </p:spPr>
+        <p:style>
+          <a:lnRef idx="0">
+            <a:scrgbClr r="0" g="0" b="0"/>
+          </a:lnRef>
+          <a:fillRef idx="0">
+            <a:scrgbClr r="0" g="0" b="0"/>
+          </a:fillRef>
+          <a:effectRef idx="0">
+            <a:scrgbClr r="0" g="0" b="0"/>
+          </a:effectRef>
+          <a:fontRef idx="minor">
+            <a:schemeClr val="tx1"/>
+          </a:fontRef>
+        </p:style>
+      </p:cxnSp>
+      <p:cxnSp>
+        <p:nvCxnSpPr>
+          <p:cNvPr id="83" name="直接连接符 82">
+            <a:extLst>
+              <a:ext uri="{FF2B5EF4-FFF2-40B4-BE49-F238E27FC236}">
+                <a16:creationId xmlns:a16="http://schemas.microsoft.com/office/drawing/2014/main" id="{2B1DA2A3-4ED3-4440-94B7-BBD22FB36479}"/>
+              </a:ext>
+            </a:extLst>
+          </p:cNvPr>
+          <p:cNvCxnSpPr>
+            <a:cxnSpLocks/>
+          </p:cNvCxnSpPr>
+          <p:nvPr/>
+        </p:nvCxnSpPr>
+        <p:spPr>
+          <a:xfrm flipH="1" flipV="1">
+            <a:off x="2733544" y="1592308"/>
+            <a:ext cx="474290" cy="280753"/>
+          </a:xfrm>
+          <a:prstGeom prst="line">
+            <a:avLst/>
+          </a:prstGeom>
+          <a:ln w="9525" cap="flat" cmpd="sng" algn="ctr">
+            <a:solidFill>
+              <a:schemeClr val="accent3"/>
+            </a:solidFill>
+            <a:prstDash val="dash"/>
+            <a:round/>
+            <a:headEnd type="none" w="med" len="med"/>
+            <a:tailEnd type="none" w="med" len="med"/>
+          </a:ln>
+        </p:spPr>
+        <p:style>
+          <a:lnRef idx="0">
+            <a:scrgbClr r="0" g="0" b="0"/>
+          </a:lnRef>
+          <a:fillRef idx="0">
+            <a:scrgbClr r="0" g="0" b="0"/>
+          </a:fillRef>
+          <a:effectRef idx="0">
+            <a:scrgbClr r="0" g="0" b="0"/>
+          </a:effectRef>
+          <a:fontRef idx="minor">
+            <a:schemeClr val="tx1"/>
+          </a:fontRef>
+        </p:style>
+      </p:cxnSp>
+      <p:cxnSp>
+        <p:nvCxnSpPr>
+          <p:cNvPr id="86" name="直接连接符 85">
+            <a:extLst>
+              <a:ext uri="{FF2B5EF4-FFF2-40B4-BE49-F238E27FC236}">
+                <a16:creationId xmlns:a16="http://schemas.microsoft.com/office/drawing/2014/main" id="{1DDB23F1-BC13-4F76-9BE4-AB93E1600A98}"/>
+              </a:ext>
+            </a:extLst>
+          </p:cNvPr>
+          <p:cNvCxnSpPr>
+            <a:cxnSpLocks/>
+          </p:cNvCxnSpPr>
+          <p:nvPr/>
+        </p:nvCxnSpPr>
+        <p:spPr>
+          <a:xfrm flipH="1">
+            <a:off x="2733544" y="2700496"/>
+            <a:ext cx="474289" cy="276870"/>
+          </a:xfrm>
+          <a:prstGeom prst="line">
+            <a:avLst/>
+          </a:prstGeom>
+          <a:ln w="9525" cap="flat" cmpd="sng" algn="ctr">
+            <a:solidFill>
+              <a:schemeClr val="accent3"/>
+            </a:solidFill>
+            <a:prstDash val="dash"/>
+            <a:round/>
+            <a:headEnd type="none" w="med" len="med"/>
+            <a:tailEnd type="none" w="med" len="med"/>
+          </a:ln>
+        </p:spPr>
+        <p:style>
+          <a:lnRef idx="0">
+            <a:scrgbClr r="0" g="0" b="0"/>
+          </a:lnRef>
+          <a:fillRef idx="0">
+            <a:scrgbClr r="0" g="0" b="0"/>
+          </a:fillRef>
+          <a:effectRef idx="0">
+            <a:scrgbClr r="0" g="0" b="0"/>
+          </a:effectRef>
+          <a:fontRef idx="minor">
+            <a:schemeClr val="tx1"/>
+          </a:fontRef>
+        </p:style>
+      </p:cxnSp>
       <p:pic>
         <p:nvPicPr>
-          <p:cNvPr id="25" name="图片 24">
-            <a:extLst>
-              <a:ext uri="{FF2B5EF4-FFF2-40B4-BE49-F238E27FC236}">
-                <a16:creationId xmlns:a16="http://schemas.microsoft.com/office/drawing/2014/main" id="{37126308-0125-4A61-8548-BB4E1513B07D}"/>
+          <p:cNvPr id="13" name="图片 12">
+            <a:extLst>
+              <a:ext uri="{FF2B5EF4-FFF2-40B4-BE49-F238E27FC236}">
+                <a16:creationId xmlns:a16="http://schemas.microsoft.com/office/drawing/2014/main" id="{4024C4B6-F1AB-4297-AED4-F76AA51CF6A0}"/>
               </a:ext>
             </a:extLst>
           </p:cNvPr>
@@ -4618,8 +3706,8 @@
         </p:blipFill>
         <p:spPr>
           <a:xfrm>
-            <a:off x="897803" y="4539349"/>
-            <a:ext cx="269089" cy="260760"/>
+            <a:off x="9638313" y="3151702"/>
+            <a:ext cx="472059" cy="472059"/>
           </a:xfrm>
           <a:prstGeom prst="rect">
             <a:avLst/>
@@ -4628,10 +3716,10 @@
       </p:pic>
       <p:pic>
         <p:nvPicPr>
-          <p:cNvPr id="26" name="图片 25">
-            <a:extLst>
-              <a:ext uri="{FF2B5EF4-FFF2-40B4-BE49-F238E27FC236}">
-                <a16:creationId xmlns:a16="http://schemas.microsoft.com/office/drawing/2014/main" id="{D43424B8-FD8A-40A7-BA9C-3B9B28427892}"/>
+          <p:cNvPr id="16" name="图片 15">
+            <a:extLst>
+              <a:ext uri="{FF2B5EF4-FFF2-40B4-BE49-F238E27FC236}">
+                <a16:creationId xmlns:a16="http://schemas.microsoft.com/office/drawing/2014/main" id="{88BF9D0F-EA84-4D6D-86A2-F5D93E379A03}"/>
               </a:ext>
             </a:extLst>
           </p:cNvPr>
@@ -4654,8 +3742,8 @@
         </p:blipFill>
         <p:spPr>
           <a:xfrm>
-            <a:off x="897803" y="4866838"/>
-            <a:ext cx="269089" cy="260760"/>
+            <a:off x="9638313" y="942409"/>
+            <a:ext cx="472059" cy="472059"/>
           </a:xfrm>
           <a:prstGeom prst="rect">
             <a:avLst/>
@@ -4664,10 +3752,10 @@
       </p:pic>
       <p:pic>
         <p:nvPicPr>
-          <p:cNvPr id="27" name="图片 26">
-            <a:extLst>
-              <a:ext uri="{FF2B5EF4-FFF2-40B4-BE49-F238E27FC236}">
-                <a16:creationId xmlns:a16="http://schemas.microsoft.com/office/drawing/2014/main" id="{E7DFF96D-EFCF-411F-A96C-0982E2CB0AA5}"/>
+          <p:cNvPr id="20" name="图片 19">
+            <a:extLst>
+              <a:ext uri="{FF2B5EF4-FFF2-40B4-BE49-F238E27FC236}">
+                <a16:creationId xmlns:a16="http://schemas.microsoft.com/office/drawing/2014/main" id="{FD507FA7-479F-463D-9A86-9252F46244B8}"/>
               </a:ext>
             </a:extLst>
           </p:cNvPr>
@@ -4690,8 +3778,8 @@
         </p:blipFill>
         <p:spPr>
           <a:xfrm>
-            <a:off x="897803" y="5194327"/>
-            <a:ext cx="269089" cy="260760"/>
+            <a:off x="9638313" y="1384267"/>
+            <a:ext cx="472059" cy="472059"/>
           </a:xfrm>
           <a:prstGeom prst="rect">
             <a:avLst/>
@@ -4700,10 +3788,10 @@
       </p:pic>
       <p:pic>
         <p:nvPicPr>
-          <p:cNvPr id="28" name="图片 27">
-            <a:extLst>
-              <a:ext uri="{FF2B5EF4-FFF2-40B4-BE49-F238E27FC236}">
-                <a16:creationId xmlns:a16="http://schemas.microsoft.com/office/drawing/2014/main" id="{F26BB28F-8841-4089-94D8-F8433A1D9031}"/>
+          <p:cNvPr id="23" name="图片 22">
+            <a:extLst>
+              <a:ext uri="{FF2B5EF4-FFF2-40B4-BE49-F238E27FC236}">
+                <a16:creationId xmlns:a16="http://schemas.microsoft.com/office/drawing/2014/main" id="{4D10176D-A5F5-4306-A4FC-F8A53BFED3C0}"/>
               </a:ext>
             </a:extLst>
           </p:cNvPr>
@@ -4726,251 +3814,808 @@
         </p:blipFill>
         <p:spPr>
           <a:xfrm>
-            <a:off x="897803" y="5521817"/>
-            <a:ext cx="269089" cy="260760"/>
+            <a:off x="9638313" y="1826126"/>
+            <a:ext cx="472059" cy="472059"/>
           </a:xfrm>
           <a:prstGeom prst="rect">
             <a:avLst/>
           </a:prstGeom>
         </p:spPr>
       </p:pic>
-      <p:grpSp>
-        <p:nvGrpSpPr>
-          <p:cNvPr id="22" name="组合 21">
-            <a:extLst>
-              <a:ext uri="{FF2B5EF4-FFF2-40B4-BE49-F238E27FC236}">
-                <a16:creationId xmlns:a16="http://schemas.microsoft.com/office/drawing/2014/main" id="{7B88E410-BFE9-4387-9056-1A6FB024E158}"/>
-              </a:ext>
-            </a:extLst>
-          </p:cNvPr>
-          <p:cNvGrpSpPr/>
+      <p:pic>
+        <p:nvPicPr>
+          <p:cNvPr id="29" name="图片 28">
+            <a:extLst>
+              <a:ext uri="{FF2B5EF4-FFF2-40B4-BE49-F238E27FC236}">
+                <a16:creationId xmlns:a16="http://schemas.microsoft.com/office/drawing/2014/main" id="{5D4FC4BC-CD1C-46DC-9099-E7D46F539C43}"/>
+              </a:ext>
+            </a:extLst>
+          </p:cNvPr>
+          <p:cNvPicPr>
+            <a:picLocks noChangeAspect="1"/>
+          </p:cNvPicPr>
           <p:nvPr/>
-        </p:nvGrpSpPr>
-        <p:grpSpPr>
-          <a:xfrm>
-            <a:off x="6283360" y="4576001"/>
-            <a:ext cx="279078" cy="1828291"/>
-            <a:chOff x="6516205" y="4480687"/>
-            <a:chExt cx="279078" cy="1828291"/>
-          </a:xfrm>
-        </p:grpSpPr>
-        <p:pic>
-          <p:nvPicPr>
-            <p:cNvPr id="41" name="图片 40">
-              <a:extLst>
-                <a:ext uri="{FF2B5EF4-FFF2-40B4-BE49-F238E27FC236}">
-                  <a16:creationId xmlns:a16="http://schemas.microsoft.com/office/drawing/2014/main" id="{8110F9A4-B316-4668-B76E-588920D7EC59}"/>
-                </a:ext>
-              </a:extLst>
-            </p:cNvPr>
-            <p:cNvPicPr>
-              <a:picLocks noChangeAspect="1"/>
-            </p:cNvPicPr>
-            <p:nvPr/>
-          </p:nvPicPr>
-          <p:blipFill>
-            <a:blip r:embed="rId7">
-              <a:extLst>
-                <a:ext uri="{28A0092B-C50C-407E-A947-70E740481C1C}">
-                  <a14:useLocalDpi xmlns:a14="http://schemas.microsoft.com/office/drawing/2010/main" val="0"/>
-                </a:ext>
-              </a:extLst>
-            </a:blip>
-            <a:stretch>
-              <a:fillRect/>
-            </a:stretch>
-          </p:blipFill>
-          <p:spPr>
-            <a:xfrm>
-              <a:off x="6516205" y="6043802"/>
-              <a:ext cx="265176" cy="265176"/>
-            </a:xfrm>
-            <a:prstGeom prst="rect">
-              <a:avLst/>
-            </a:prstGeom>
-          </p:spPr>
-        </p:pic>
-        <p:pic>
-          <p:nvPicPr>
-            <p:cNvPr id="42" name="图片 41">
-              <a:extLst>
-                <a:ext uri="{FF2B5EF4-FFF2-40B4-BE49-F238E27FC236}">
-                  <a16:creationId xmlns:a16="http://schemas.microsoft.com/office/drawing/2014/main" id="{5A9314E5-A8C8-497F-B696-1F14F1DC9A59}"/>
-                </a:ext>
-              </a:extLst>
-            </p:cNvPr>
-            <p:cNvPicPr>
-              <a:picLocks noChangeAspect="1"/>
-            </p:cNvPicPr>
-            <p:nvPr/>
-          </p:nvPicPr>
-          <p:blipFill>
-            <a:blip r:embed="rId8">
-              <a:extLst>
-                <a:ext uri="{28A0092B-C50C-407E-A947-70E740481C1C}">
-                  <a14:useLocalDpi xmlns:a14="http://schemas.microsoft.com/office/drawing/2010/main" val="0"/>
-                </a:ext>
-              </a:extLst>
-            </a:blip>
-            <a:stretch>
-              <a:fillRect/>
-            </a:stretch>
-          </p:blipFill>
-          <p:spPr>
-            <a:xfrm>
-              <a:off x="6530107" y="4480687"/>
-              <a:ext cx="265176" cy="265176"/>
-            </a:xfrm>
-            <a:prstGeom prst="rect">
-              <a:avLst/>
-            </a:prstGeom>
-          </p:spPr>
-        </p:pic>
-        <p:pic>
-          <p:nvPicPr>
-            <p:cNvPr id="43" name="图片 42">
-              <a:extLst>
-                <a:ext uri="{FF2B5EF4-FFF2-40B4-BE49-F238E27FC236}">
-                  <a16:creationId xmlns:a16="http://schemas.microsoft.com/office/drawing/2014/main" id="{384E8E12-1645-4133-911A-319D1CD735BE}"/>
-                </a:ext>
-              </a:extLst>
-            </p:cNvPr>
-            <p:cNvPicPr>
-              <a:picLocks noChangeAspect="1"/>
-            </p:cNvPicPr>
-            <p:nvPr/>
-          </p:nvPicPr>
-          <p:blipFill>
-            <a:blip r:embed="rId9">
-              <a:extLst>
-                <a:ext uri="{28A0092B-C50C-407E-A947-70E740481C1C}">
-                  <a14:useLocalDpi xmlns:a14="http://schemas.microsoft.com/office/drawing/2010/main" val="0"/>
-                </a:ext>
-              </a:extLst>
-            </a:blip>
-            <a:stretch>
-              <a:fillRect/>
-            </a:stretch>
-          </p:blipFill>
-          <p:spPr>
-            <a:xfrm>
-              <a:off x="6530107" y="4793310"/>
-              <a:ext cx="265176" cy="265176"/>
-            </a:xfrm>
-            <a:prstGeom prst="rect">
-              <a:avLst/>
-            </a:prstGeom>
-          </p:spPr>
-        </p:pic>
-        <p:pic>
-          <p:nvPicPr>
-            <p:cNvPr id="44" name="图片 43">
-              <a:extLst>
-                <a:ext uri="{FF2B5EF4-FFF2-40B4-BE49-F238E27FC236}">
-                  <a16:creationId xmlns:a16="http://schemas.microsoft.com/office/drawing/2014/main" id="{1ADBCB1E-0F5D-4CD0-8001-9E8F7325A624}"/>
-                </a:ext>
-              </a:extLst>
-            </p:cNvPr>
-            <p:cNvPicPr>
-              <a:picLocks noChangeAspect="1"/>
-            </p:cNvPicPr>
-            <p:nvPr/>
-          </p:nvPicPr>
-          <p:blipFill>
-            <a:blip r:embed="rId10">
-              <a:extLst>
-                <a:ext uri="{28A0092B-C50C-407E-A947-70E740481C1C}">
-                  <a14:useLocalDpi xmlns:a14="http://schemas.microsoft.com/office/drawing/2010/main" val="0"/>
-                </a:ext>
-              </a:extLst>
-            </a:blip>
-            <a:stretch>
-              <a:fillRect/>
-            </a:stretch>
-          </p:blipFill>
-          <p:spPr>
-            <a:xfrm>
-              <a:off x="6530107" y="5105933"/>
-              <a:ext cx="265176" cy="265176"/>
-            </a:xfrm>
-            <a:prstGeom prst="rect">
-              <a:avLst/>
-            </a:prstGeom>
-          </p:spPr>
-        </p:pic>
-        <p:pic>
-          <p:nvPicPr>
-            <p:cNvPr id="45" name="图片 44">
-              <a:extLst>
-                <a:ext uri="{FF2B5EF4-FFF2-40B4-BE49-F238E27FC236}">
-                  <a16:creationId xmlns:a16="http://schemas.microsoft.com/office/drawing/2014/main" id="{83D4292D-0A98-4CD8-AC3A-2CB5091F0A45}"/>
-                </a:ext>
-              </a:extLst>
-            </p:cNvPr>
-            <p:cNvPicPr>
-              <a:picLocks noChangeAspect="1"/>
-            </p:cNvPicPr>
-            <p:nvPr/>
-          </p:nvPicPr>
-          <p:blipFill>
-            <a:blip r:embed="rId11">
-              <a:extLst>
-                <a:ext uri="{28A0092B-C50C-407E-A947-70E740481C1C}">
-                  <a14:useLocalDpi xmlns:a14="http://schemas.microsoft.com/office/drawing/2010/main" val="0"/>
-                </a:ext>
-              </a:extLst>
-            </a:blip>
-            <a:stretch>
-              <a:fillRect/>
-            </a:stretch>
-          </p:blipFill>
-          <p:spPr>
-            <a:xfrm>
-              <a:off x="6530107" y="5418556"/>
-              <a:ext cx="265176" cy="265176"/>
-            </a:xfrm>
-            <a:prstGeom prst="rect">
-              <a:avLst/>
-            </a:prstGeom>
-          </p:spPr>
-        </p:pic>
-        <p:pic>
-          <p:nvPicPr>
-            <p:cNvPr id="46" name="图片 45">
-              <a:extLst>
-                <a:ext uri="{FF2B5EF4-FFF2-40B4-BE49-F238E27FC236}">
-                  <a16:creationId xmlns:a16="http://schemas.microsoft.com/office/drawing/2014/main" id="{E191A2E1-4BDE-4C10-815A-6A43655A2D52}"/>
-                </a:ext>
-              </a:extLst>
-            </p:cNvPr>
-            <p:cNvPicPr>
-              <a:picLocks noChangeAspect="1"/>
-            </p:cNvPicPr>
-            <p:nvPr/>
-          </p:nvPicPr>
-          <p:blipFill>
-            <a:blip r:embed="rId12">
-              <a:extLst>
-                <a:ext uri="{28A0092B-C50C-407E-A947-70E740481C1C}">
-                  <a14:useLocalDpi xmlns:a14="http://schemas.microsoft.com/office/drawing/2010/main" val="0"/>
-                </a:ext>
-              </a:extLst>
-            </a:blip>
-            <a:stretch>
-              <a:fillRect/>
-            </a:stretch>
-          </p:blipFill>
-          <p:spPr>
-            <a:xfrm>
-              <a:off x="6530107" y="5731179"/>
-              <a:ext cx="265176" cy="265176"/>
-            </a:xfrm>
-            <a:prstGeom prst="rect">
-              <a:avLst/>
-            </a:prstGeom>
-          </p:spPr>
-        </p:pic>
-      </p:grpSp>
+        </p:nvPicPr>
+        <p:blipFill>
+          <a:blip r:embed="rId7">
+            <a:extLst>
+              <a:ext uri="{28A0092B-C50C-407E-A947-70E740481C1C}">
+                <a14:useLocalDpi xmlns:a14="http://schemas.microsoft.com/office/drawing/2010/main" val="0"/>
+              </a:ext>
+            </a:extLst>
+          </a:blip>
+          <a:stretch>
+            <a:fillRect/>
+          </a:stretch>
+        </p:blipFill>
+        <p:spPr>
+          <a:xfrm>
+            <a:off x="9638313" y="2267985"/>
+            <a:ext cx="472059" cy="472059"/>
+          </a:xfrm>
+          <a:prstGeom prst="rect">
+            <a:avLst/>
+          </a:prstGeom>
+        </p:spPr>
+      </p:pic>
+      <p:pic>
+        <p:nvPicPr>
+          <p:cNvPr id="31" name="图片 30">
+            <a:extLst>
+              <a:ext uri="{FF2B5EF4-FFF2-40B4-BE49-F238E27FC236}">
+                <a16:creationId xmlns:a16="http://schemas.microsoft.com/office/drawing/2014/main" id="{81E5315C-9E58-4CD1-A5D0-FC21BECB8B68}"/>
+              </a:ext>
+            </a:extLst>
+          </p:cNvPr>
+          <p:cNvPicPr>
+            <a:picLocks noChangeAspect="1"/>
+          </p:cNvPicPr>
+          <p:nvPr/>
+        </p:nvPicPr>
+        <p:blipFill>
+          <a:blip r:embed="rId8">
+            <a:extLst>
+              <a:ext uri="{28A0092B-C50C-407E-A947-70E740481C1C}">
+                <a14:useLocalDpi xmlns:a14="http://schemas.microsoft.com/office/drawing/2010/main" val="0"/>
+              </a:ext>
+            </a:extLst>
+          </a:blip>
+          <a:stretch>
+            <a:fillRect/>
+          </a:stretch>
+        </p:blipFill>
+        <p:spPr>
+          <a:xfrm>
+            <a:off x="9638313" y="2709844"/>
+            <a:ext cx="472059" cy="472059"/>
+          </a:xfrm>
+          <a:prstGeom prst="rect">
+            <a:avLst/>
+          </a:prstGeom>
+        </p:spPr>
+      </p:pic>
+      <p:cxnSp>
+        <p:nvCxnSpPr>
+          <p:cNvPr id="3" name="直接连接符 2">
+            <a:extLst>
+              <a:ext uri="{FF2B5EF4-FFF2-40B4-BE49-F238E27FC236}">
+                <a16:creationId xmlns:a16="http://schemas.microsoft.com/office/drawing/2014/main" id="{5074428D-0BBB-4F5A-87EB-58C291247539}"/>
+              </a:ext>
+            </a:extLst>
+          </p:cNvPr>
+          <p:cNvCxnSpPr>
+            <a:cxnSpLocks/>
+          </p:cNvCxnSpPr>
+          <p:nvPr/>
+        </p:nvCxnSpPr>
+        <p:spPr>
+          <a:xfrm flipH="1" flipV="1">
+            <a:off x="8425195" y="2069897"/>
+            <a:ext cx="1186890" cy="1251"/>
+          </a:xfrm>
+          <a:prstGeom prst="line">
+            <a:avLst/>
+          </a:prstGeom>
+          <a:ln w="9525" cap="flat" cmpd="sng" algn="ctr">
+            <a:solidFill>
+              <a:schemeClr val="accent3"/>
+            </a:solidFill>
+            <a:prstDash val="dash"/>
+            <a:round/>
+            <a:headEnd type="none" w="med" len="med"/>
+            <a:tailEnd type="none" w="med" len="med"/>
+          </a:ln>
+        </p:spPr>
+        <p:style>
+          <a:lnRef idx="0">
+            <a:scrgbClr r="0" g="0" b="0"/>
+          </a:lnRef>
+          <a:fillRef idx="0">
+            <a:scrgbClr r="0" g="0" b="0"/>
+          </a:fillRef>
+          <a:effectRef idx="0">
+            <a:scrgbClr r="0" g="0" b="0"/>
+          </a:effectRef>
+          <a:fontRef idx="minor">
+            <a:schemeClr val="tx1"/>
+          </a:fontRef>
+        </p:style>
+      </p:cxnSp>
+      <p:cxnSp>
+        <p:nvCxnSpPr>
+          <p:cNvPr id="30" name="直接连接符 29">
+            <a:extLst>
+              <a:ext uri="{FF2B5EF4-FFF2-40B4-BE49-F238E27FC236}">
+                <a16:creationId xmlns:a16="http://schemas.microsoft.com/office/drawing/2014/main" id="{2B7B0A3A-1722-47D9-A35D-CC9B531A4222}"/>
+              </a:ext>
+            </a:extLst>
+          </p:cNvPr>
+          <p:cNvCxnSpPr>
+            <a:cxnSpLocks/>
+          </p:cNvCxnSpPr>
+          <p:nvPr/>
+        </p:nvCxnSpPr>
+        <p:spPr>
+          <a:xfrm flipH="1" flipV="1">
+            <a:off x="8448268" y="2472925"/>
+            <a:ext cx="1186890" cy="1251"/>
+          </a:xfrm>
+          <a:prstGeom prst="line">
+            <a:avLst/>
+          </a:prstGeom>
+          <a:ln w="9525" cap="flat" cmpd="sng" algn="ctr">
+            <a:solidFill>
+              <a:schemeClr val="accent3"/>
+            </a:solidFill>
+            <a:prstDash val="dash"/>
+            <a:round/>
+            <a:headEnd type="none" w="med" len="med"/>
+            <a:tailEnd type="none" w="med" len="med"/>
+          </a:ln>
+        </p:spPr>
+        <p:style>
+          <a:lnRef idx="0">
+            <a:scrgbClr r="0" g="0" b="0"/>
+          </a:lnRef>
+          <a:fillRef idx="0">
+            <a:scrgbClr r="0" g="0" b="0"/>
+          </a:fillRef>
+          <a:effectRef idx="0">
+            <a:scrgbClr r="0" g="0" b="0"/>
+          </a:effectRef>
+          <a:fontRef idx="minor">
+            <a:schemeClr val="tx1"/>
+          </a:fontRef>
+        </p:style>
+      </p:cxnSp>
+      <p:cxnSp>
+        <p:nvCxnSpPr>
+          <p:cNvPr id="32" name="直接连接符 31">
+            <a:extLst>
+              <a:ext uri="{FF2B5EF4-FFF2-40B4-BE49-F238E27FC236}">
+                <a16:creationId xmlns:a16="http://schemas.microsoft.com/office/drawing/2014/main" id="{BAC644B3-4454-4B43-88E6-EFFEE344099A}"/>
+              </a:ext>
+            </a:extLst>
+          </p:cNvPr>
+          <p:cNvCxnSpPr>
+            <a:cxnSpLocks/>
+          </p:cNvCxnSpPr>
+          <p:nvPr/>
+        </p:nvCxnSpPr>
+        <p:spPr>
+          <a:xfrm flipH="1" flipV="1">
+            <a:off x="8425195" y="1724845"/>
+            <a:ext cx="1186890" cy="1251"/>
+          </a:xfrm>
+          <a:prstGeom prst="line">
+            <a:avLst/>
+          </a:prstGeom>
+          <a:ln w="9525" cap="flat" cmpd="sng" algn="ctr">
+            <a:solidFill>
+              <a:schemeClr val="accent3"/>
+            </a:solidFill>
+            <a:prstDash val="dash"/>
+            <a:round/>
+            <a:headEnd type="none" w="med" len="med"/>
+            <a:tailEnd type="none" w="med" len="med"/>
+          </a:ln>
+        </p:spPr>
+        <p:style>
+          <a:lnRef idx="0">
+            <a:scrgbClr r="0" g="0" b="0"/>
+          </a:lnRef>
+          <a:fillRef idx="0">
+            <a:scrgbClr r="0" g="0" b="0"/>
+          </a:fillRef>
+          <a:effectRef idx="0">
+            <a:scrgbClr r="0" g="0" b="0"/>
+          </a:effectRef>
+          <a:fontRef idx="minor">
+            <a:schemeClr val="tx1"/>
+          </a:fontRef>
+        </p:style>
+      </p:cxnSp>
+      <p:cxnSp>
+        <p:nvCxnSpPr>
+          <p:cNvPr id="33" name="直接连接符 32">
+            <a:extLst>
+              <a:ext uri="{FF2B5EF4-FFF2-40B4-BE49-F238E27FC236}">
+                <a16:creationId xmlns:a16="http://schemas.microsoft.com/office/drawing/2014/main" id="{234C9E4B-F871-4A22-8E7E-B1EB0588C2EB}"/>
+              </a:ext>
+            </a:extLst>
+          </p:cNvPr>
+          <p:cNvCxnSpPr>
+            <a:cxnSpLocks/>
+          </p:cNvCxnSpPr>
+          <p:nvPr/>
+        </p:nvCxnSpPr>
+        <p:spPr>
+          <a:xfrm flipH="1" flipV="1">
+            <a:off x="8417453" y="2855664"/>
+            <a:ext cx="1186890" cy="1251"/>
+          </a:xfrm>
+          <a:prstGeom prst="line">
+            <a:avLst/>
+          </a:prstGeom>
+          <a:ln w="9525" cap="flat" cmpd="sng" algn="ctr">
+            <a:solidFill>
+              <a:schemeClr val="accent3"/>
+            </a:solidFill>
+            <a:prstDash val="dash"/>
+            <a:round/>
+            <a:headEnd type="none" w="med" len="med"/>
+            <a:tailEnd type="none" w="med" len="med"/>
+          </a:ln>
+        </p:spPr>
+        <p:style>
+          <a:lnRef idx="0">
+            <a:scrgbClr r="0" g="0" b="0"/>
+          </a:lnRef>
+          <a:fillRef idx="0">
+            <a:scrgbClr r="0" g="0" b="0"/>
+          </a:fillRef>
+          <a:effectRef idx="0">
+            <a:scrgbClr r="0" g="0" b="0"/>
+          </a:effectRef>
+          <a:fontRef idx="minor">
+            <a:schemeClr val="tx1"/>
+          </a:fontRef>
+        </p:style>
+      </p:cxnSp>
+      <p:cxnSp>
+        <p:nvCxnSpPr>
+          <p:cNvPr id="34" name="直接连接符 33">
+            <a:extLst>
+              <a:ext uri="{FF2B5EF4-FFF2-40B4-BE49-F238E27FC236}">
+                <a16:creationId xmlns:a16="http://schemas.microsoft.com/office/drawing/2014/main" id="{E0D34733-893D-4133-BE32-E61C91883171}"/>
+              </a:ext>
+            </a:extLst>
+          </p:cNvPr>
+          <p:cNvCxnSpPr>
+            <a:cxnSpLocks/>
+          </p:cNvCxnSpPr>
+          <p:nvPr/>
+        </p:nvCxnSpPr>
+        <p:spPr>
+          <a:xfrm flipH="1" flipV="1">
+            <a:off x="8413869" y="3177629"/>
+            <a:ext cx="809243" cy="1251"/>
+          </a:xfrm>
+          <a:prstGeom prst="line">
+            <a:avLst/>
+          </a:prstGeom>
+          <a:ln w="9525" cap="flat" cmpd="sng" algn="ctr">
+            <a:solidFill>
+              <a:schemeClr val="accent3"/>
+            </a:solidFill>
+            <a:prstDash val="dash"/>
+            <a:round/>
+            <a:headEnd type="none" w="med" len="med"/>
+            <a:tailEnd type="none" w="med" len="med"/>
+          </a:ln>
+        </p:spPr>
+        <p:style>
+          <a:lnRef idx="0">
+            <a:scrgbClr r="0" g="0" b="0"/>
+          </a:lnRef>
+          <a:fillRef idx="0">
+            <a:scrgbClr r="0" g="0" b="0"/>
+          </a:fillRef>
+          <a:effectRef idx="0">
+            <a:scrgbClr r="0" g="0" b="0"/>
+          </a:effectRef>
+          <a:fontRef idx="minor">
+            <a:schemeClr val="tx1"/>
+          </a:fontRef>
+        </p:style>
+      </p:cxnSp>
+      <p:cxnSp>
+        <p:nvCxnSpPr>
+          <p:cNvPr id="35" name="直接连接符 34">
+            <a:extLst>
+              <a:ext uri="{FF2B5EF4-FFF2-40B4-BE49-F238E27FC236}">
+                <a16:creationId xmlns:a16="http://schemas.microsoft.com/office/drawing/2014/main" id="{04DA63C9-5B8F-4153-8FCE-50B415E39115}"/>
+              </a:ext>
+            </a:extLst>
+          </p:cNvPr>
+          <p:cNvCxnSpPr>
+            <a:cxnSpLocks/>
+          </p:cNvCxnSpPr>
+          <p:nvPr/>
+        </p:nvCxnSpPr>
+        <p:spPr>
+          <a:xfrm flipH="1" flipV="1">
+            <a:off x="8414694" y="1390893"/>
+            <a:ext cx="809243" cy="1251"/>
+          </a:xfrm>
+          <a:prstGeom prst="line">
+            <a:avLst/>
+          </a:prstGeom>
+          <a:ln w="9525" cap="flat" cmpd="sng" algn="ctr">
+            <a:solidFill>
+              <a:schemeClr val="accent3"/>
+            </a:solidFill>
+            <a:prstDash val="dash"/>
+            <a:round/>
+            <a:headEnd type="none" w="med" len="med"/>
+            <a:tailEnd type="none" w="med" len="med"/>
+          </a:ln>
+        </p:spPr>
+        <p:style>
+          <a:lnRef idx="0">
+            <a:scrgbClr r="0" g="0" b="0"/>
+          </a:lnRef>
+          <a:fillRef idx="0">
+            <a:scrgbClr r="0" g="0" b="0"/>
+          </a:fillRef>
+          <a:effectRef idx="0">
+            <a:scrgbClr r="0" g="0" b="0"/>
+          </a:effectRef>
+          <a:fontRef idx="minor">
+            <a:schemeClr val="tx1"/>
+          </a:fontRef>
+        </p:style>
+      </p:cxnSp>
+      <p:cxnSp>
+        <p:nvCxnSpPr>
+          <p:cNvPr id="9" name="直接连接符 8">
+            <a:extLst>
+              <a:ext uri="{FF2B5EF4-FFF2-40B4-BE49-F238E27FC236}">
+                <a16:creationId xmlns:a16="http://schemas.microsoft.com/office/drawing/2014/main" id="{E50FDFEA-C91C-4CBB-8B1A-1E2155BC3C6E}"/>
+              </a:ext>
+            </a:extLst>
+          </p:cNvPr>
+          <p:cNvCxnSpPr>
+            <a:cxnSpLocks/>
+            <a:endCxn id="16" idx="1"/>
+          </p:cNvCxnSpPr>
+          <p:nvPr/>
+        </p:nvCxnSpPr>
+        <p:spPr>
+          <a:xfrm flipV="1">
+            <a:off x="9244366" y="1178439"/>
+            <a:ext cx="393947" cy="205830"/>
+          </a:xfrm>
+          <a:prstGeom prst="line">
+            <a:avLst/>
+          </a:prstGeom>
+          <a:ln w="9525" cap="flat" cmpd="sng" algn="ctr">
+            <a:solidFill>
+              <a:schemeClr val="accent3"/>
+            </a:solidFill>
+            <a:prstDash val="dash"/>
+            <a:round/>
+            <a:headEnd type="none" w="med" len="med"/>
+            <a:tailEnd type="none" w="med" len="med"/>
+          </a:ln>
+        </p:spPr>
+        <p:style>
+          <a:lnRef idx="0">
+            <a:scrgbClr r="0" g="0" b="0"/>
+          </a:lnRef>
+          <a:fillRef idx="0">
+            <a:scrgbClr r="0" g="0" b="0"/>
+          </a:fillRef>
+          <a:effectRef idx="0">
+            <a:scrgbClr r="0" g="0" b="0"/>
+          </a:effectRef>
+          <a:fontRef idx="minor">
+            <a:schemeClr val="tx1"/>
+          </a:fontRef>
+        </p:style>
+      </p:cxnSp>
+      <p:cxnSp>
+        <p:nvCxnSpPr>
+          <p:cNvPr id="12" name="直接连接符 11">
+            <a:extLst>
+              <a:ext uri="{FF2B5EF4-FFF2-40B4-BE49-F238E27FC236}">
+                <a16:creationId xmlns:a16="http://schemas.microsoft.com/office/drawing/2014/main" id="{93F5C06D-A311-41BC-9EFE-BBEDA2D820B8}"/>
+              </a:ext>
+            </a:extLst>
+          </p:cNvPr>
+          <p:cNvCxnSpPr>
+            <a:cxnSpLocks/>
+            <a:endCxn id="13" idx="1"/>
+          </p:cNvCxnSpPr>
+          <p:nvPr/>
+        </p:nvCxnSpPr>
+        <p:spPr>
+          <a:xfrm>
+            <a:off x="9244366" y="3181903"/>
+            <a:ext cx="393947" cy="205829"/>
+          </a:xfrm>
+          <a:prstGeom prst="line">
+            <a:avLst/>
+          </a:prstGeom>
+          <a:ln w="9525" cap="flat" cmpd="sng" algn="ctr">
+            <a:solidFill>
+              <a:schemeClr val="accent3"/>
+            </a:solidFill>
+            <a:prstDash val="dash"/>
+            <a:round/>
+            <a:headEnd type="none" w="med" len="med"/>
+            <a:tailEnd type="none" w="med" len="med"/>
+          </a:ln>
+        </p:spPr>
+        <p:style>
+          <a:lnRef idx="0">
+            <a:scrgbClr r="0" g="0" b="0"/>
+          </a:lnRef>
+          <a:fillRef idx="0">
+            <a:scrgbClr r="0" g="0" b="0"/>
+          </a:fillRef>
+          <a:effectRef idx="0">
+            <a:scrgbClr r="0" g="0" b="0"/>
+          </a:effectRef>
+          <a:fontRef idx="minor">
+            <a:schemeClr val="tx1"/>
+          </a:fontRef>
+        </p:style>
+      </p:cxnSp>
+      <p:sp>
+        <p:nvSpPr>
+          <p:cNvPr id="5" name="文本框 4">
+            <a:extLst>
+              <a:ext uri="{FF2B5EF4-FFF2-40B4-BE49-F238E27FC236}">
+                <a16:creationId xmlns:a16="http://schemas.microsoft.com/office/drawing/2014/main" id="{D01C0A0C-C039-423C-A515-A9BDBADCF5E6}"/>
+              </a:ext>
+            </a:extLst>
+          </p:cNvPr>
+          <p:cNvSpPr txBox="1"/>
+          <p:nvPr/>
+        </p:nvSpPr>
+        <p:spPr>
+          <a:xfrm>
+            <a:off x="1140093" y="4472583"/>
+            <a:ext cx="4616147" cy="2205732"/>
+          </a:xfrm>
+          <a:prstGeom prst="rect">
+            <a:avLst/>
+          </a:prstGeom>
+          <a:noFill/>
+        </p:spPr>
+        <p:txBody>
+          <a:bodyPr wrap="square" rtlCol="0">
+            <a:spAutoFit/>
+          </a:bodyPr>
+          <a:lstStyle/>
+          <a:p>
+            <a:pPr>
+              <a:lnSpc>
+                <a:spcPts val="2500"/>
+              </a:lnSpc>
+            </a:pPr>
+            <a:r>
+              <a:rPr lang="en-US" sz="1600">
+                <a:latin typeface="Leelawadee UI" panose="020B0502040204020203" pitchFamily="34" charset="-34"/>
+                <a:ea typeface="Microsoft JhengHei Light" panose="020B0304030504040204" pitchFamily="34" charset="-120"/>
+                <a:cs typeface="Leelawadee UI" panose="020B0502040204020203" pitchFamily="34" charset="-34"/>
+              </a:rPr>
+              <a:t>GND: connect this module </a:t>
+            </a:r>
+            <a:r>
+              <a:rPr lang="en-US" altLang="zh-CN" sz="1600">
+                <a:latin typeface="Leelawadee UI" panose="020B0502040204020203" pitchFamily="34" charset="-34"/>
+                <a:ea typeface="Microsoft JhengHei Light" panose="020B0304030504040204" pitchFamily="34" charset="-120"/>
+                <a:cs typeface="Leelawadee UI" panose="020B0502040204020203" pitchFamily="34" charset="-34"/>
+              </a:rPr>
+              <a:t>to</a:t>
+            </a:r>
+            <a:r>
+              <a:rPr lang="en-US" sz="1600">
+                <a:latin typeface="Leelawadee UI" panose="020B0502040204020203" pitchFamily="34" charset="-34"/>
+                <a:ea typeface="Microsoft JhengHei Light" panose="020B0304030504040204" pitchFamily="34" charset="-120"/>
+                <a:cs typeface="Leelawadee UI" panose="020B0502040204020203" pitchFamily="34" charset="-34"/>
+              </a:rPr>
+              <a:t> the system GND </a:t>
+            </a:r>
+          </a:p>
+          <a:p>
+            <a:pPr>
+              <a:lnSpc>
+                <a:spcPts val="2500"/>
+              </a:lnSpc>
+            </a:pPr>
+            <a:r>
+              <a:rPr lang="en-US" sz="1600">
+                <a:latin typeface="Leelawadee UI" panose="020B0502040204020203" pitchFamily="34" charset="-34"/>
+                <a:ea typeface="Microsoft JhengHei Light" panose="020B0304030504040204" pitchFamily="34" charset="-120"/>
+                <a:cs typeface="Leelawadee UI" panose="020B0502040204020203" pitchFamily="34" charset="-34"/>
+              </a:rPr>
+              <a:t>VCC: you can use 5V or 3.3V for this module</a:t>
+            </a:r>
+          </a:p>
+          <a:p>
+            <a:pPr>
+              <a:lnSpc>
+                <a:spcPts val="2500"/>
+              </a:lnSpc>
+            </a:pPr>
+            <a:r>
+              <a:rPr lang="en-US" sz="1600">
+                <a:latin typeface="Leelawadee UI" panose="020B0502040204020203" pitchFamily="34" charset="-34"/>
+                <a:ea typeface="Microsoft JhengHei Light" panose="020B0304030504040204" pitchFamily="34" charset="-120"/>
+                <a:cs typeface="Leelawadee UI" panose="020B0502040204020203" pitchFamily="34" charset="-34"/>
+              </a:rPr>
+              <a:t>SDA: serial data</a:t>
+            </a:r>
+          </a:p>
+          <a:p>
+            <a:pPr>
+              <a:lnSpc>
+                <a:spcPts val="2500"/>
+              </a:lnSpc>
+            </a:pPr>
+            <a:r>
+              <a:rPr lang="en-US" sz="1600">
+                <a:latin typeface="Leelawadee UI" panose="020B0502040204020203" pitchFamily="34" charset="-34"/>
+                <a:ea typeface="Microsoft JhengHei Light" panose="020B0304030504040204" pitchFamily="34" charset="-120"/>
+                <a:cs typeface="Leelawadee UI" panose="020B0502040204020203" pitchFamily="34" charset="-34"/>
+              </a:rPr>
+              <a:t>SCL: serial clock</a:t>
+            </a:r>
+          </a:p>
+          <a:p>
+            <a:endParaRPr lang="en-US" sz="1200">
+              <a:solidFill>
+                <a:srgbClr val="D4D4D4"/>
+              </a:solidFill>
+              <a:latin typeface="Consolas" panose="020B0609020204030204" pitchFamily="49" charset="0"/>
+            </a:endParaRPr>
+          </a:p>
+          <a:p>
+            <a:endParaRPr lang="en-US" sz="1200">
+              <a:latin typeface="Times New Roman" panose="02020603050405020304" pitchFamily="18" charset="0"/>
+              <a:cs typeface="Times New Roman" panose="02020603050405020304" pitchFamily="18" charset="0"/>
+            </a:endParaRPr>
+          </a:p>
+          <a:p>
+            <a:endParaRPr lang="en-US" sz="1200">
+              <a:latin typeface="Times New Roman" panose="02020603050405020304" pitchFamily="18" charset="0"/>
+              <a:cs typeface="Times New Roman" panose="02020603050405020304" pitchFamily="18" charset="0"/>
+            </a:endParaRPr>
+          </a:p>
+          <a:p>
+            <a:endParaRPr lang="en-US"/>
+          </a:p>
+        </p:txBody>
+      </p:sp>
+      <p:pic>
+        <p:nvPicPr>
+          <p:cNvPr id="41" name="图片 40">
+            <a:extLst>
+              <a:ext uri="{FF2B5EF4-FFF2-40B4-BE49-F238E27FC236}">
+                <a16:creationId xmlns:a16="http://schemas.microsoft.com/office/drawing/2014/main" id="{8110F9A4-B316-4668-B76E-588920D7EC59}"/>
+              </a:ext>
+            </a:extLst>
+          </p:cNvPr>
+          <p:cNvPicPr>
+            <a:picLocks noChangeAspect="1"/>
+          </p:cNvPicPr>
+          <p:nvPr/>
+        </p:nvPicPr>
+        <p:blipFill>
+          <a:blip r:embed="rId3">
+            <a:extLst>
+              <a:ext uri="{28A0092B-C50C-407E-A947-70E740481C1C}">
+                <a14:useLocalDpi xmlns:a14="http://schemas.microsoft.com/office/drawing/2010/main" val="0"/>
+              </a:ext>
+            </a:extLst>
+          </a:blip>
+          <a:stretch>
+            <a:fillRect/>
+          </a:stretch>
+        </p:blipFill>
+        <p:spPr>
+          <a:xfrm>
+            <a:off x="6292596" y="6139116"/>
+            <a:ext cx="265176" cy="265176"/>
+          </a:xfrm>
+          <a:prstGeom prst="rect">
+            <a:avLst/>
+          </a:prstGeom>
+        </p:spPr>
+      </p:pic>
+      <p:pic>
+        <p:nvPicPr>
+          <p:cNvPr id="42" name="图片 41">
+            <a:extLst>
+              <a:ext uri="{FF2B5EF4-FFF2-40B4-BE49-F238E27FC236}">
+                <a16:creationId xmlns:a16="http://schemas.microsoft.com/office/drawing/2014/main" id="{5A9314E5-A8C8-497F-B696-1F14F1DC9A59}"/>
+              </a:ext>
+            </a:extLst>
+          </p:cNvPr>
+          <p:cNvPicPr>
+            <a:picLocks noChangeAspect="1"/>
+          </p:cNvPicPr>
+          <p:nvPr/>
+        </p:nvPicPr>
+        <p:blipFill>
+          <a:blip r:embed="rId4">
+            <a:extLst>
+              <a:ext uri="{28A0092B-C50C-407E-A947-70E740481C1C}">
+                <a14:useLocalDpi xmlns:a14="http://schemas.microsoft.com/office/drawing/2010/main" val="0"/>
+              </a:ext>
+            </a:extLst>
+          </a:blip>
+          <a:stretch>
+            <a:fillRect/>
+          </a:stretch>
+        </p:blipFill>
+        <p:spPr>
+          <a:xfrm>
+            <a:off x="6297262" y="4576001"/>
+            <a:ext cx="265176" cy="265176"/>
+          </a:xfrm>
+          <a:prstGeom prst="rect">
+            <a:avLst/>
+          </a:prstGeom>
+        </p:spPr>
+      </p:pic>
+      <p:pic>
+        <p:nvPicPr>
+          <p:cNvPr id="43" name="图片 42">
+            <a:extLst>
+              <a:ext uri="{FF2B5EF4-FFF2-40B4-BE49-F238E27FC236}">
+                <a16:creationId xmlns:a16="http://schemas.microsoft.com/office/drawing/2014/main" id="{384E8E12-1645-4133-911A-319D1CD735BE}"/>
+              </a:ext>
+            </a:extLst>
+          </p:cNvPr>
+          <p:cNvPicPr>
+            <a:picLocks noChangeAspect="1"/>
+          </p:cNvPicPr>
+          <p:nvPr/>
+        </p:nvPicPr>
+        <p:blipFill>
+          <a:blip r:embed="rId5">
+            <a:extLst>
+              <a:ext uri="{28A0092B-C50C-407E-A947-70E740481C1C}">
+                <a14:useLocalDpi xmlns:a14="http://schemas.microsoft.com/office/drawing/2010/main" val="0"/>
+              </a:ext>
+            </a:extLst>
+          </a:blip>
+          <a:stretch>
+            <a:fillRect/>
+          </a:stretch>
+        </p:blipFill>
+        <p:spPr>
+          <a:xfrm>
+            <a:off x="6297262" y="4888624"/>
+            <a:ext cx="265176" cy="265176"/>
+          </a:xfrm>
+          <a:prstGeom prst="rect">
+            <a:avLst/>
+          </a:prstGeom>
+        </p:spPr>
+      </p:pic>
+      <p:pic>
+        <p:nvPicPr>
+          <p:cNvPr id="44" name="图片 43">
+            <a:extLst>
+              <a:ext uri="{FF2B5EF4-FFF2-40B4-BE49-F238E27FC236}">
+                <a16:creationId xmlns:a16="http://schemas.microsoft.com/office/drawing/2014/main" id="{1ADBCB1E-0F5D-4CD0-8001-9E8F7325A624}"/>
+              </a:ext>
+            </a:extLst>
+          </p:cNvPr>
+          <p:cNvPicPr>
+            <a:picLocks noChangeAspect="1"/>
+          </p:cNvPicPr>
+          <p:nvPr/>
+        </p:nvPicPr>
+        <p:blipFill>
+          <a:blip r:embed="rId6">
+            <a:extLst>
+              <a:ext uri="{28A0092B-C50C-407E-A947-70E740481C1C}">
+                <a14:useLocalDpi xmlns:a14="http://schemas.microsoft.com/office/drawing/2010/main" val="0"/>
+              </a:ext>
+            </a:extLst>
+          </a:blip>
+          <a:stretch>
+            <a:fillRect/>
+          </a:stretch>
+        </p:blipFill>
+        <p:spPr>
+          <a:xfrm>
+            <a:off x="6297262" y="5201247"/>
+            <a:ext cx="265176" cy="265176"/>
+          </a:xfrm>
+          <a:prstGeom prst="rect">
+            <a:avLst/>
+          </a:prstGeom>
+        </p:spPr>
+      </p:pic>
+      <p:pic>
+        <p:nvPicPr>
+          <p:cNvPr id="45" name="图片 44">
+            <a:extLst>
+              <a:ext uri="{FF2B5EF4-FFF2-40B4-BE49-F238E27FC236}">
+                <a16:creationId xmlns:a16="http://schemas.microsoft.com/office/drawing/2014/main" id="{83D4292D-0A98-4CD8-AC3A-2CB5091F0A45}"/>
+              </a:ext>
+            </a:extLst>
+          </p:cNvPr>
+          <p:cNvPicPr>
+            <a:picLocks noChangeAspect="1"/>
+          </p:cNvPicPr>
+          <p:nvPr/>
+        </p:nvPicPr>
+        <p:blipFill>
+          <a:blip r:embed="rId7">
+            <a:extLst>
+              <a:ext uri="{28A0092B-C50C-407E-A947-70E740481C1C}">
+                <a14:useLocalDpi xmlns:a14="http://schemas.microsoft.com/office/drawing/2010/main" val="0"/>
+              </a:ext>
+            </a:extLst>
+          </a:blip>
+          <a:stretch>
+            <a:fillRect/>
+          </a:stretch>
+        </p:blipFill>
+        <p:spPr>
+          <a:xfrm>
+            <a:off x="6297262" y="5513870"/>
+            <a:ext cx="265176" cy="265176"/>
+          </a:xfrm>
+          <a:prstGeom prst="rect">
+            <a:avLst/>
+          </a:prstGeom>
+        </p:spPr>
+      </p:pic>
+      <p:pic>
+        <p:nvPicPr>
+          <p:cNvPr id="46" name="图片 45">
+            <a:extLst>
+              <a:ext uri="{FF2B5EF4-FFF2-40B4-BE49-F238E27FC236}">
+                <a16:creationId xmlns:a16="http://schemas.microsoft.com/office/drawing/2014/main" id="{E191A2E1-4BDE-4C10-815A-6A43655A2D52}"/>
+              </a:ext>
+            </a:extLst>
+          </p:cNvPr>
+          <p:cNvPicPr>
+            <a:picLocks noChangeAspect="1"/>
+          </p:cNvPicPr>
+          <p:nvPr/>
+        </p:nvPicPr>
+        <p:blipFill>
+          <a:blip r:embed="rId8">
+            <a:extLst>
+              <a:ext uri="{28A0092B-C50C-407E-A947-70E740481C1C}">
+                <a14:useLocalDpi xmlns:a14="http://schemas.microsoft.com/office/drawing/2010/main" val="0"/>
+              </a:ext>
+            </a:extLst>
+          </a:blip>
+          <a:stretch>
+            <a:fillRect/>
+          </a:stretch>
+        </p:blipFill>
+        <p:spPr>
+          <a:xfrm>
+            <a:off x="6297262" y="5826493"/>
+            <a:ext cx="265176" cy="265176"/>
+          </a:xfrm>
+          <a:prstGeom prst="rect">
+            <a:avLst/>
+          </a:prstGeom>
+        </p:spPr>
+      </p:pic>
       <p:sp>
         <p:nvSpPr>
           <p:cNvPr id="47" name="文本框 46">
@@ -5208,6 +4853,294 @@
           </a:p>
         </p:txBody>
       </p:sp>
+      <p:pic>
+        <p:nvPicPr>
+          <p:cNvPr id="48" name="图片 47">
+            <a:extLst>
+              <a:ext uri="{FF2B5EF4-FFF2-40B4-BE49-F238E27FC236}">
+                <a16:creationId xmlns:a16="http://schemas.microsoft.com/office/drawing/2014/main" id="{6A1EF724-C083-4718-B12B-ADE4CD6E6593}"/>
+              </a:ext>
+            </a:extLst>
+          </p:cNvPr>
+          <p:cNvPicPr>
+            <a:picLocks noChangeAspect="1"/>
+          </p:cNvPicPr>
+          <p:nvPr/>
+        </p:nvPicPr>
+        <p:blipFill>
+          <a:blip r:embed="rId9">
+            <a:extLst>
+              <a:ext uri="{28A0092B-C50C-407E-A947-70E740481C1C}">
+                <a14:useLocalDpi xmlns:a14="http://schemas.microsoft.com/office/drawing/2010/main" val="0"/>
+              </a:ext>
+            </a:extLst>
+          </a:blip>
+          <a:stretch>
+            <a:fillRect/>
+          </a:stretch>
+        </p:blipFill>
+        <p:spPr>
+          <a:xfrm>
+            <a:off x="2261625" y="1827312"/>
+            <a:ext cx="476250" cy="476250"/>
+          </a:xfrm>
+          <a:prstGeom prst="rect">
+            <a:avLst/>
+          </a:prstGeom>
+        </p:spPr>
+      </p:pic>
+      <p:pic>
+        <p:nvPicPr>
+          <p:cNvPr id="51" name="图片 50">
+            <a:extLst>
+              <a:ext uri="{FF2B5EF4-FFF2-40B4-BE49-F238E27FC236}">
+                <a16:creationId xmlns:a16="http://schemas.microsoft.com/office/drawing/2014/main" id="{B4A0FEB6-8C80-4A2D-A4DA-3DD6CF6BF267}"/>
+              </a:ext>
+            </a:extLst>
+          </p:cNvPr>
+          <p:cNvPicPr>
+            <a:picLocks noChangeAspect="1"/>
+          </p:cNvPicPr>
+          <p:nvPr/>
+        </p:nvPicPr>
+        <p:blipFill>
+          <a:blip r:embed="rId10">
+            <a:extLst>
+              <a:ext uri="{28A0092B-C50C-407E-A947-70E740481C1C}">
+                <a14:useLocalDpi xmlns:a14="http://schemas.microsoft.com/office/drawing/2010/main" val="0"/>
+              </a:ext>
+            </a:extLst>
+          </a:blip>
+          <a:stretch>
+            <a:fillRect/>
+          </a:stretch>
+        </p:blipFill>
+        <p:spPr>
+          <a:xfrm>
+            <a:off x="2261625" y="1357253"/>
+            <a:ext cx="476250" cy="476250"/>
+          </a:xfrm>
+          <a:prstGeom prst="rect">
+            <a:avLst/>
+          </a:prstGeom>
+        </p:spPr>
+      </p:pic>
+      <p:pic>
+        <p:nvPicPr>
+          <p:cNvPr id="53" name="图片 52">
+            <a:extLst>
+              <a:ext uri="{FF2B5EF4-FFF2-40B4-BE49-F238E27FC236}">
+                <a16:creationId xmlns:a16="http://schemas.microsoft.com/office/drawing/2014/main" id="{F5F78553-6083-4B94-9258-235169F8D486}"/>
+              </a:ext>
+            </a:extLst>
+          </p:cNvPr>
+          <p:cNvPicPr>
+            <a:picLocks noChangeAspect="1"/>
+          </p:cNvPicPr>
+          <p:nvPr/>
+        </p:nvPicPr>
+        <p:blipFill>
+          <a:blip r:embed="rId11">
+            <a:extLst>
+              <a:ext uri="{28A0092B-C50C-407E-A947-70E740481C1C}">
+                <a14:useLocalDpi xmlns:a14="http://schemas.microsoft.com/office/drawing/2010/main" val="0"/>
+              </a:ext>
+            </a:extLst>
+          </a:blip>
+          <a:stretch>
+            <a:fillRect/>
+          </a:stretch>
+        </p:blipFill>
+        <p:spPr>
+          <a:xfrm>
+            <a:off x="2261625" y="2767429"/>
+            <a:ext cx="476250" cy="476250"/>
+          </a:xfrm>
+          <a:prstGeom prst="rect">
+            <a:avLst/>
+          </a:prstGeom>
+        </p:spPr>
+      </p:pic>
+      <p:pic>
+        <p:nvPicPr>
+          <p:cNvPr id="55" name="图片 54">
+            <a:extLst>
+              <a:ext uri="{FF2B5EF4-FFF2-40B4-BE49-F238E27FC236}">
+                <a16:creationId xmlns:a16="http://schemas.microsoft.com/office/drawing/2014/main" id="{78F94C4E-FBEE-4618-B471-EC4E70DB63F7}"/>
+              </a:ext>
+            </a:extLst>
+          </p:cNvPr>
+          <p:cNvPicPr>
+            <a:picLocks noChangeAspect="1"/>
+          </p:cNvPicPr>
+          <p:nvPr/>
+        </p:nvPicPr>
+        <p:blipFill>
+          <a:blip r:embed="rId12">
+            <a:extLst>
+              <a:ext uri="{28A0092B-C50C-407E-A947-70E740481C1C}">
+                <a14:useLocalDpi xmlns:a14="http://schemas.microsoft.com/office/drawing/2010/main" val="0"/>
+              </a:ext>
+            </a:extLst>
+          </a:blip>
+          <a:stretch>
+            <a:fillRect/>
+          </a:stretch>
+        </p:blipFill>
+        <p:spPr>
+          <a:xfrm>
+            <a:off x="2261625" y="2297371"/>
+            <a:ext cx="476250" cy="476250"/>
+          </a:xfrm>
+          <a:prstGeom prst="rect">
+            <a:avLst/>
+          </a:prstGeom>
+        </p:spPr>
+      </p:pic>
+      <p:pic>
+        <p:nvPicPr>
+          <p:cNvPr id="63" name="图片 62">
+            <a:extLst>
+              <a:ext uri="{FF2B5EF4-FFF2-40B4-BE49-F238E27FC236}">
+                <a16:creationId xmlns:a16="http://schemas.microsoft.com/office/drawing/2014/main" id="{A383C15E-94CC-4AB9-857B-0F901B5558E8}"/>
+              </a:ext>
+            </a:extLst>
+          </p:cNvPr>
+          <p:cNvPicPr>
+            <a:picLocks noChangeAspect="1"/>
+          </p:cNvPicPr>
+          <p:nvPr/>
+        </p:nvPicPr>
+        <p:blipFill>
+          <a:blip r:embed="rId9">
+            <a:extLst>
+              <a:ext uri="{28A0092B-C50C-407E-A947-70E740481C1C}">
+                <a14:useLocalDpi xmlns:a14="http://schemas.microsoft.com/office/drawing/2010/main" val="0"/>
+              </a:ext>
+            </a:extLst>
+          </a:blip>
+          <a:stretch>
+            <a:fillRect/>
+          </a:stretch>
+        </p:blipFill>
+        <p:spPr>
+          <a:xfrm>
+            <a:off x="936947" y="4867409"/>
+            <a:ext cx="266700" cy="266700"/>
+          </a:xfrm>
+          <a:prstGeom prst="rect">
+            <a:avLst/>
+          </a:prstGeom>
+        </p:spPr>
+      </p:pic>
+      <p:pic>
+        <p:nvPicPr>
+          <p:cNvPr id="65" name="图片 64">
+            <a:extLst>
+              <a:ext uri="{FF2B5EF4-FFF2-40B4-BE49-F238E27FC236}">
+                <a16:creationId xmlns:a16="http://schemas.microsoft.com/office/drawing/2014/main" id="{F2711110-C802-4745-8C7A-EE197611809A}"/>
+              </a:ext>
+            </a:extLst>
+          </p:cNvPr>
+          <p:cNvPicPr>
+            <a:picLocks noChangeAspect="1"/>
+          </p:cNvPicPr>
+          <p:nvPr/>
+        </p:nvPicPr>
+        <p:blipFill>
+          <a:blip r:embed="rId10">
+            <a:extLst>
+              <a:ext uri="{28A0092B-C50C-407E-A947-70E740481C1C}">
+                <a14:useLocalDpi xmlns:a14="http://schemas.microsoft.com/office/drawing/2010/main" val="0"/>
+              </a:ext>
+            </a:extLst>
+          </a:blip>
+          <a:stretch>
+            <a:fillRect/>
+          </a:stretch>
+        </p:blipFill>
+        <p:spPr>
+          <a:xfrm>
+            <a:off x="936947" y="4551104"/>
+            <a:ext cx="266700" cy="266700"/>
+          </a:xfrm>
+          <a:prstGeom prst="rect">
+            <a:avLst/>
+          </a:prstGeom>
+        </p:spPr>
+      </p:pic>
+      <p:pic>
+        <p:nvPicPr>
+          <p:cNvPr id="66" name="图片 65">
+            <a:extLst>
+              <a:ext uri="{FF2B5EF4-FFF2-40B4-BE49-F238E27FC236}">
+                <a16:creationId xmlns:a16="http://schemas.microsoft.com/office/drawing/2014/main" id="{6D42253D-4577-468B-9D40-058E91BD3363}"/>
+              </a:ext>
+            </a:extLst>
+          </p:cNvPr>
+          <p:cNvPicPr>
+            <a:picLocks noChangeAspect="1"/>
+          </p:cNvPicPr>
+          <p:nvPr/>
+        </p:nvPicPr>
+        <p:blipFill>
+          <a:blip r:embed="rId11">
+            <a:extLst>
+              <a:ext uri="{28A0092B-C50C-407E-A947-70E740481C1C}">
+                <a14:useLocalDpi xmlns:a14="http://schemas.microsoft.com/office/drawing/2010/main" val="0"/>
+              </a:ext>
+            </a:extLst>
+          </a:blip>
+          <a:stretch>
+            <a:fillRect/>
+          </a:stretch>
+        </p:blipFill>
+        <p:spPr>
+          <a:xfrm>
+            <a:off x="936947" y="5500022"/>
+            <a:ext cx="266700" cy="266700"/>
+          </a:xfrm>
+          <a:prstGeom prst="rect">
+            <a:avLst/>
+          </a:prstGeom>
+        </p:spPr>
+      </p:pic>
+      <p:pic>
+        <p:nvPicPr>
+          <p:cNvPr id="67" name="图片 66">
+            <a:extLst>
+              <a:ext uri="{FF2B5EF4-FFF2-40B4-BE49-F238E27FC236}">
+                <a16:creationId xmlns:a16="http://schemas.microsoft.com/office/drawing/2014/main" id="{1A425AE3-AA60-415F-BD5E-43BFD600013A}"/>
+              </a:ext>
+            </a:extLst>
+          </p:cNvPr>
+          <p:cNvPicPr>
+            <a:picLocks noChangeAspect="1"/>
+          </p:cNvPicPr>
+          <p:nvPr/>
+        </p:nvPicPr>
+        <p:blipFill>
+          <a:blip r:embed="rId12">
+            <a:extLst>
+              <a:ext uri="{28A0092B-C50C-407E-A947-70E740481C1C}">
+                <a14:useLocalDpi xmlns:a14="http://schemas.microsoft.com/office/drawing/2010/main" val="0"/>
+              </a:ext>
+            </a:extLst>
+          </a:blip>
+          <a:stretch>
+            <a:fillRect/>
+          </a:stretch>
+        </p:blipFill>
+        <p:spPr>
+          <a:xfrm>
+            <a:off x="936947" y="5183716"/>
+            <a:ext cx="266700" cy="266700"/>
+          </a:xfrm>
+          <a:prstGeom prst="rect">
+            <a:avLst/>
+          </a:prstGeom>
+        </p:spPr>
+      </p:pic>
     </p:spTree>
     <p:extLst>
       <p:ext uri="{BB962C8B-B14F-4D97-AF65-F5344CB8AC3E}">
